--- a/Doc/CK-AppIdentity.pptx
+++ b/Doc/CK-AppIdentity.pptx
@@ -294,7 +294,7 @@
           <a:p>
             <a:fld id="{7EBA75D8-A9A5-4FAF-B563-7A079B630A7E}" type="datetimeFigureOut">
               <a:rPr lang="en-US" smtClean="0"/>
-              <a:t>7/21/2023</a:t>
+              <a:t>10/4/2023</a:t>
             </a:fld>
             <a:endParaRPr lang="en-US"/>
           </a:p>
@@ -2142,7 +2142,7 @@
           <a:p>
             <a:fld id="{7D1F2140-8D48-49AC-AD8D-683E6FF4DC34}" type="datetimeFigureOut">
               <a:rPr lang="en-US" smtClean="0"/>
-              <a:t>7/21/2023</a:t>
+              <a:t>10/4/2023</a:t>
             </a:fld>
             <a:endParaRPr lang="en-US"/>
           </a:p>
@@ -2340,7 +2340,7 @@
           <a:p>
             <a:fld id="{7D1F2140-8D48-49AC-AD8D-683E6FF4DC34}" type="datetimeFigureOut">
               <a:rPr lang="en-US" smtClean="0"/>
-              <a:t>7/21/2023</a:t>
+              <a:t>10/4/2023</a:t>
             </a:fld>
             <a:endParaRPr lang="en-US"/>
           </a:p>
@@ -2548,7 +2548,7 @@
           <a:p>
             <a:fld id="{7D1F2140-8D48-49AC-AD8D-683E6FF4DC34}" type="datetimeFigureOut">
               <a:rPr lang="en-US" smtClean="0"/>
-              <a:t>7/21/2023</a:t>
+              <a:t>10/4/2023</a:t>
             </a:fld>
             <a:endParaRPr lang="en-US"/>
           </a:p>
@@ -2746,7 +2746,7 @@
           <a:p>
             <a:fld id="{7D1F2140-8D48-49AC-AD8D-683E6FF4DC34}" type="datetimeFigureOut">
               <a:rPr lang="en-US" smtClean="0"/>
-              <a:t>7/21/2023</a:t>
+              <a:t>10/4/2023</a:t>
             </a:fld>
             <a:endParaRPr lang="en-US"/>
           </a:p>
@@ -3021,7 +3021,7 @@
           <a:p>
             <a:fld id="{7D1F2140-8D48-49AC-AD8D-683E6FF4DC34}" type="datetimeFigureOut">
               <a:rPr lang="en-US" smtClean="0"/>
-              <a:t>7/21/2023</a:t>
+              <a:t>10/4/2023</a:t>
             </a:fld>
             <a:endParaRPr lang="en-US"/>
           </a:p>
@@ -3286,7 +3286,7 @@
           <a:p>
             <a:fld id="{7D1F2140-8D48-49AC-AD8D-683E6FF4DC34}" type="datetimeFigureOut">
               <a:rPr lang="en-US" smtClean="0"/>
-              <a:t>7/21/2023</a:t>
+              <a:t>10/4/2023</a:t>
             </a:fld>
             <a:endParaRPr lang="en-US"/>
           </a:p>
@@ -3698,7 +3698,7 @@
           <a:p>
             <a:fld id="{7D1F2140-8D48-49AC-AD8D-683E6FF4DC34}" type="datetimeFigureOut">
               <a:rPr lang="en-US" smtClean="0"/>
-              <a:t>7/21/2023</a:t>
+              <a:t>10/4/2023</a:t>
             </a:fld>
             <a:endParaRPr lang="en-US"/>
           </a:p>
@@ -3839,7 +3839,7 @@
           <a:p>
             <a:fld id="{7D1F2140-8D48-49AC-AD8D-683E6FF4DC34}" type="datetimeFigureOut">
               <a:rPr lang="en-US" smtClean="0"/>
-              <a:t>7/21/2023</a:t>
+              <a:t>10/4/2023</a:t>
             </a:fld>
             <a:endParaRPr lang="en-US"/>
           </a:p>
@@ -3952,7 +3952,7 @@
           <a:p>
             <a:fld id="{7D1F2140-8D48-49AC-AD8D-683E6FF4DC34}" type="datetimeFigureOut">
               <a:rPr lang="en-US" smtClean="0"/>
-              <a:t>7/21/2023</a:t>
+              <a:t>10/4/2023</a:t>
             </a:fld>
             <a:endParaRPr lang="en-US"/>
           </a:p>
@@ -4263,7 +4263,7 @@
           <a:p>
             <a:fld id="{7D1F2140-8D48-49AC-AD8D-683E6FF4DC34}" type="datetimeFigureOut">
               <a:rPr lang="en-US" smtClean="0"/>
-              <a:t>7/21/2023</a:t>
+              <a:t>10/4/2023</a:t>
             </a:fld>
             <a:endParaRPr lang="en-US"/>
           </a:p>
@@ -4551,7 +4551,7 @@
           <a:p>
             <a:fld id="{7D1F2140-8D48-49AC-AD8D-683E6FF4DC34}" type="datetimeFigureOut">
               <a:rPr lang="en-US" smtClean="0"/>
-              <a:t>7/21/2023</a:t>
+              <a:t>10/4/2023</a:t>
             </a:fld>
             <a:endParaRPr lang="en-US"/>
           </a:p>
@@ -4792,7 +4792,7 @@
           <a:p>
             <a:fld id="{7D1F2140-8D48-49AC-AD8D-683E6FF4DC34}" type="datetimeFigureOut">
               <a:rPr lang="en-US" smtClean="0"/>
-              <a:t>7/21/2023</a:t>
+              <a:t>10/4/2023</a:t>
             </a:fld>
             <a:endParaRPr lang="en-US"/>
           </a:p>
@@ -18686,8 +18686,13 @@
           <a:p>
             <a:r>
               <a:rPr lang="en-US" dirty="0"/>
-              <a:t>Tunneling</a:t>
-            </a:r>
+              <a:t>Tunneling </a:t>
+            </a:r>
+            <a:r>
+              <a:rPr lang="en-US"/>
+              <a:t>(the “via:” protocol).</a:t>
+            </a:r>
+            <a:endParaRPr lang="en-US" dirty="0"/>
           </a:p>
           <a:p>
             <a:endParaRPr lang="en-US" dirty="0"/>
@@ -19036,7 +19041,7 @@
             </a:r>
             <a:r>
               <a:rPr lang="en-US" dirty="0"/>
-              <a:t> (#Development by default) can appear everywhere in the path, as well as the $</a:t>
+              <a:t> (#Dev by default) can appear everywhere in the path, as well as the $</a:t>
             </a:r>
             <a:r>
               <a:rPr lang="en-US" dirty="0" err="1"/>
@@ -19537,7 +19542,7 @@
             <a:pPr lvl="1"/>
             <a:r>
               <a:rPr lang="en-US" dirty="0"/>
-              <a:t>Defaults to ‘#Development’.</a:t>
+              <a:t>Defaults to ‘#Dev’.</a:t>
             </a:r>
           </a:p>
           <a:p>
@@ -21038,7 +21043,7 @@
             </a:r>
             <a:r>
               <a:rPr lang="en-US" dirty="0"/>
-              <a:t> (that defaults to “#Development”)</a:t>
+              <a:t> (where the .NET default “Development” is shortened to “#Dev”)</a:t>
             </a:r>
           </a:p>
           <a:p>

--- a/Doc/CK-AppIdentity.pptx
+++ b/Doc/CK-AppIdentity.pptx
@@ -294,7 +294,7 @@
           <a:p>
             <a:fld id="{7EBA75D8-A9A5-4FAF-B563-7A079B630A7E}" type="datetimeFigureOut">
               <a:rPr lang="en-US" smtClean="0"/>
-              <a:t>10/4/2023</a:t>
+              <a:t>12/5/2023</a:t>
             </a:fld>
             <a:endParaRPr lang="en-US"/>
           </a:p>
@@ -2142,7 +2142,7 @@
           <a:p>
             <a:fld id="{7D1F2140-8D48-49AC-AD8D-683E6FF4DC34}" type="datetimeFigureOut">
               <a:rPr lang="en-US" smtClean="0"/>
-              <a:t>10/4/2023</a:t>
+              <a:t>12/5/2023</a:t>
             </a:fld>
             <a:endParaRPr lang="en-US"/>
           </a:p>
@@ -2340,7 +2340,7 @@
           <a:p>
             <a:fld id="{7D1F2140-8D48-49AC-AD8D-683E6FF4DC34}" type="datetimeFigureOut">
               <a:rPr lang="en-US" smtClean="0"/>
-              <a:t>10/4/2023</a:t>
+              <a:t>12/5/2023</a:t>
             </a:fld>
             <a:endParaRPr lang="en-US"/>
           </a:p>
@@ -2548,7 +2548,7 @@
           <a:p>
             <a:fld id="{7D1F2140-8D48-49AC-AD8D-683E6FF4DC34}" type="datetimeFigureOut">
               <a:rPr lang="en-US" smtClean="0"/>
-              <a:t>10/4/2023</a:t>
+              <a:t>12/5/2023</a:t>
             </a:fld>
             <a:endParaRPr lang="en-US"/>
           </a:p>
@@ -2746,7 +2746,7 @@
           <a:p>
             <a:fld id="{7D1F2140-8D48-49AC-AD8D-683E6FF4DC34}" type="datetimeFigureOut">
               <a:rPr lang="en-US" smtClean="0"/>
-              <a:t>10/4/2023</a:t>
+              <a:t>12/5/2023</a:t>
             </a:fld>
             <a:endParaRPr lang="en-US"/>
           </a:p>
@@ -3021,7 +3021,7 @@
           <a:p>
             <a:fld id="{7D1F2140-8D48-49AC-AD8D-683E6FF4DC34}" type="datetimeFigureOut">
               <a:rPr lang="en-US" smtClean="0"/>
-              <a:t>10/4/2023</a:t>
+              <a:t>12/5/2023</a:t>
             </a:fld>
             <a:endParaRPr lang="en-US"/>
           </a:p>
@@ -3286,7 +3286,7 @@
           <a:p>
             <a:fld id="{7D1F2140-8D48-49AC-AD8D-683E6FF4DC34}" type="datetimeFigureOut">
               <a:rPr lang="en-US" smtClean="0"/>
-              <a:t>10/4/2023</a:t>
+              <a:t>12/5/2023</a:t>
             </a:fld>
             <a:endParaRPr lang="en-US"/>
           </a:p>
@@ -3698,7 +3698,7 @@
           <a:p>
             <a:fld id="{7D1F2140-8D48-49AC-AD8D-683E6FF4DC34}" type="datetimeFigureOut">
               <a:rPr lang="en-US" smtClean="0"/>
-              <a:t>10/4/2023</a:t>
+              <a:t>12/5/2023</a:t>
             </a:fld>
             <a:endParaRPr lang="en-US"/>
           </a:p>
@@ -3839,7 +3839,7 @@
           <a:p>
             <a:fld id="{7D1F2140-8D48-49AC-AD8D-683E6FF4DC34}" type="datetimeFigureOut">
               <a:rPr lang="en-US" smtClean="0"/>
-              <a:t>10/4/2023</a:t>
+              <a:t>12/5/2023</a:t>
             </a:fld>
             <a:endParaRPr lang="en-US"/>
           </a:p>
@@ -3952,7 +3952,7 @@
           <a:p>
             <a:fld id="{7D1F2140-8D48-49AC-AD8D-683E6FF4DC34}" type="datetimeFigureOut">
               <a:rPr lang="en-US" smtClean="0"/>
-              <a:t>10/4/2023</a:t>
+              <a:t>12/5/2023</a:t>
             </a:fld>
             <a:endParaRPr lang="en-US"/>
           </a:p>
@@ -4263,7 +4263,7 @@
           <a:p>
             <a:fld id="{7D1F2140-8D48-49AC-AD8D-683E6FF4DC34}" type="datetimeFigureOut">
               <a:rPr lang="en-US" smtClean="0"/>
-              <a:t>10/4/2023</a:t>
+              <a:t>12/5/2023</a:t>
             </a:fld>
             <a:endParaRPr lang="en-US"/>
           </a:p>
@@ -4551,7 +4551,7 @@
           <a:p>
             <a:fld id="{7D1F2140-8D48-49AC-AD8D-683E6FF4DC34}" type="datetimeFigureOut">
               <a:rPr lang="en-US" smtClean="0"/>
-              <a:t>10/4/2023</a:t>
+              <a:t>12/5/2023</a:t>
             </a:fld>
             <a:endParaRPr lang="en-US"/>
           </a:p>
@@ -4792,7 +4792,7 @@
           <a:p>
             <a:fld id="{7D1F2140-8D48-49AC-AD8D-683E6FF4DC34}" type="datetimeFigureOut">
               <a:rPr lang="en-US" smtClean="0"/>
-              <a:t>10/4/2023</a:t>
+              <a:t>12/5/2023</a:t>
             </a:fld>
             <a:endParaRPr lang="en-US"/>
           </a:p>
@@ -11979,12 +11979,48 @@
           <a:chExt cx="0" cy="0"/>
         </a:xfrm>
       </p:grpSpPr>
+      <p:sp>
+        <p:nvSpPr>
+          <p:cNvPr id="2" name="Title 1">
+            <a:extLst>
+              <a:ext uri="{FF2B5EF4-FFF2-40B4-BE49-F238E27FC236}">
+                <a16:creationId xmlns:a16="http://schemas.microsoft.com/office/drawing/2014/main" id="{A798245F-DD26-ADCC-6CD2-D5ED5F5598A9}"/>
+              </a:ext>
+            </a:extLst>
+          </p:cNvPr>
+          <p:cNvSpPr>
+            <a:spLocks noGrp="1"/>
+          </p:cNvSpPr>
+          <p:nvPr>
+            <p:ph type="title"/>
+          </p:nvPr>
+        </p:nvSpPr>
+        <p:spPr>
+          <a:xfrm>
+            <a:off x="317385" y="117700"/>
+            <a:ext cx="3022899" cy="1689586"/>
+          </a:xfrm>
+        </p:spPr>
+        <p:txBody>
+          <a:bodyPr>
+            <a:normAutofit/>
+          </a:bodyPr>
+          <a:lstStyle/>
+          <a:p>
+            <a:pPr algn="r"/>
+            <a:r>
+              <a:rPr lang="en-US" sz="4000" dirty="0"/>
+              <a:t>Configuration Model</a:t>
+            </a:r>
+          </a:p>
+        </p:txBody>
+      </p:sp>
       <p:pic>
         <p:nvPicPr>
-          <p:cNvPr id="4" name="Picture 3" descr="A screenshot of a computer&#10;&#10;Description automatically generated">
+          <p:cNvPr id="5" name="Picture 4" descr="A screenshot of a computer&#10;&#10;Description automatically generated">
             <a:extLst>
               <a:ext uri="{FF2B5EF4-FFF2-40B4-BE49-F238E27FC236}">
-                <a16:creationId xmlns:a16="http://schemas.microsoft.com/office/drawing/2014/main" id="{FA301257-1951-1826-275A-A1911242E7B5}"/>
+                <a16:creationId xmlns:a16="http://schemas.microsoft.com/office/drawing/2014/main" id="{C877AF6B-7CB2-7C72-78B8-A3149BA3EE51}"/>
               </a:ext>
             </a:extLst>
           </p:cNvPr>
@@ -12007,50 +12043,14 @@
         </p:blipFill>
         <p:spPr>
           <a:xfrm>
-            <a:off x="3150535" y="117700"/>
-            <a:ext cx="8600890" cy="6622600"/>
+            <a:off x="3728273" y="117700"/>
+            <a:ext cx="8014681" cy="6858000"/>
           </a:xfrm>
           <a:prstGeom prst="rect">
             <a:avLst/>
           </a:prstGeom>
         </p:spPr>
       </p:pic>
-      <p:sp>
-        <p:nvSpPr>
-          <p:cNvPr id="2" name="Title 1">
-            <a:extLst>
-              <a:ext uri="{FF2B5EF4-FFF2-40B4-BE49-F238E27FC236}">
-                <a16:creationId xmlns:a16="http://schemas.microsoft.com/office/drawing/2014/main" id="{A798245F-DD26-ADCC-6CD2-D5ED5F5598A9}"/>
-              </a:ext>
-            </a:extLst>
-          </p:cNvPr>
-          <p:cNvSpPr>
-            <a:spLocks noGrp="1"/>
-          </p:cNvSpPr>
-          <p:nvPr>
-            <p:ph type="title"/>
-          </p:nvPr>
-        </p:nvSpPr>
-        <p:spPr>
-          <a:xfrm>
-            <a:off x="317385" y="117700"/>
-            <a:ext cx="3022899" cy="1689586"/>
-          </a:xfrm>
-        </p:spPr>
-        <p:txBody>
-          <a:bodyPr>
-            <a:normAutofit/>
-          </a:bodyPr>
-          <a:lstStyle/>
-          <a:p>
-            <a:pPr algn="r"/>
-            <a:r>
-              <a:rPr lang="en-US" sz="4000" dirty="0"/>
-              <a:t>Configuration Model</a:t>
-            </a:r>
-          </a:p>
-        </p:txBody>
-      </p:sp>
     </p:spTree>
     <p:extLst>
       <p:ext uri="{BB962C8B-B14F-4D97-AF65-F5344CB8AC3E}">
@@ -16463,8 +16463,8 @@
         </p:nvSpPr>
         <p:spPr>
           <a:xfrm>
-            <a:off x="838200" y="1825625"/>
-            <a:ext cx="4770632" cy="4667250"/>
+            <a:off x="609600" y="1825625"/>
+            <a:ext cx="4999232" cy="4667250"/>
           </a:xfrm>
           <a:prstGeom prst="rect">
             <a:avLst/>
@@ -16686,7 +16686,7 @@
             </a:r>
             <a:r>
               <a:rPr lang="en-US" dirty="0"/>
-              <a:t> returns messages don’t need to be disposed.</a:t>
+              <a:t> returned messages don’t need to be disposed.</a:t>
             </a:r>
           </a:p>
           <a:p>

--- a/Doc/CK-AppIdentity.pptx
+++ b/Doc/CK-AppIdentity.pptx
@@ -294,7 +294,7 @@
           <a:p>
             <a:fld id="{7EBA75D8-A9A5-4FAF-B563-7A079B630A7E}" type="datetimeFigureOut">
               <a:rPr lang="en-US" smtClean="0"/>
-              <a:t>12/5/2023</a:t>
+              <a:t>12/9/2023</a:t>
             </a:fld>
             <a:endParaRPr lang="en-US"/>
           </a:p>
@@ -766,6 +766,90 @@
           <a:p>
             <a:fld id="{E05EDB92-2FE2-4164-AA27-D03258A20DF4}" type="slidenum">
               <a:rPr lang="en-US" smtClean="0"/>
+              <a:t>33</a:t>
+            </a:fld>
+            <a:endParaRPr lang="en-US"/>
+          </a:p>
+        </p:txBody>
+      </p:sp>
+    </p:spTree>
+    <p:extLst>
+      <p:ext uri="{BB962C8B-B14F-4D97-AF65-F5344CB8AC3E}">
+        <p14:creationId xmlns:p14="http://schemas.microsoft.com/office/powerpoint/2010/main" val="213048778"/>
+      </p:ext>
+    </p:extLst>
+  </p:cSld>
+  <p:clrMapOvr>
+    <a:masterClrMapping/>
+  </p:clrMapOvr>
+</p:notes>
+</file>
+
+<file path=ppt/notesSlides/notesSlide11.xml><?xml version="1.0" encoding="utf-8"?>
+<p:notes xmlns:a="http://schemas.openxmlformats.org/drawingml/2006/main" xmlns:r="http://schemas.openxmlformats.org/officeDocument/2006/relationships" xmlns:p="http://schemas.openxmlformats.org/presentationml/2006/main">
+  <p:cSld>
+    <p:spTree>
+      <p:nvGrpSpPr>
+        <p:cNvPr id="1" name=""/>
+        <p:cNvGrpSpPr/>
+        <p:nvPr/>
+      </p:nvGrpSpPr>
+      <p:grpSpPr>
+        <a:xfrm>
+          <a:off x="0" y="0"/>
+          <a:ext cx="0" cy="0"/>
+          <a:chOff x="0" y="0"/>
+          <a:chExt cx="0" cy="0"/>
+        </a:xfrm>
+      </p:grpSpPr>
+      <p:sp>
+        <p:nvSpPr>
+          <p:cNvPr id="2" name="Slide Image Placeholder 1"/>
+          <p:cNvSpPr>
+            <a:spLocks noGrp="1" noRot="1" noChangeAspect="1"/>
+          </p:cNvSpPr>
+          <p:nvPr>
+            <p:ph type="sldImg"/>
+          </p:nvPr>
+        </p:nvSpPr>
+        <p:spPr/>
+      </p:sp>
+      <p:sp>
+        <p:nvSpPr>
+          <p:cNvPr id="3" name="Notes Placeholder 2"/>
+          <p:cNvSpPr>
+            <a:spLocks noGrp="1"/>
+          </p:cNvSpPr>
+          <p:nvPr>
+            <p:ph type="body" idx="1"/>
+          </p:nvPr>
+        </p:nvSpPr>
+        <p:spPr/>
+        <p:txBody>
+          <a:bodyPr/>
+          <a:lstStyle/>
+          <a:p>
+            <a:endParaRPr lang="en-US" dirty="0"/>
+          </a:p>
+        </p:txBody>
+      </p:sp>
+      <p:sp>
+        <p:nvSpPr>
+          <p:cNvPr id="4" name="Slide Number Placeholder 3"/>
+          <p:cNvSpPr>
+            <a:spLocks noGrp="1"/>
+          </p:cNvSpPr>
+          <p:nvPr>
+            <p:ph type="sldNum" sz="quarter" idx="5"/>
+          </p:nvPr>
+        </p:nvSpPr>
+        <p:spPr/>
+        <p:txBody>
+          <a:bodyPr/>
+          <a:lstStyle/>
+          <a:p>
+            <a:fld id="{E05EDB92-2FE2-4164-AA27-D03258A20DF4}" type="slidenum">
+              <a:rPr lang="en-US" smtClean="0"/>
               <a:t>34</a:t>
             </a:fld>
             <a:endParaRPr lang="en-US"/>
@@ -850,7 +934,7 @@
           <a:p>
             <a:fld id="{E05EDB92-2FE2-4164-AA27-D03258A20DF4}" type="slidenum">
               <a:rPr lang="en-US" smtClean="0"/>
-              <a:t>21</a:t>
+              <a:t>20</a:t>
             </a:fld>
             <a:endParaRPr lang="en-US"/>
           </a:p>
@@ -859,7 +943,7 @@
     </p:spTree>
     <p:extLst>
       <p:ext uri="{BB962C8B-B14F-4D97-AF65-F5344CB8AC3E}">
-        <p14:creationId xmlns:p14="http://schemas.microsoft.com/office/powerpoint/2010/main" val="3471580468"/>
+        <p14:creationId xmlns:p14="http://schemas.microsoft.com/office/powerpoint/2010/main" val="4026643574"/>
       </p:ext>
     </p:extLst>
   </p:cSld>
@@ -934,7 +1018,7 @@
           <a:p>
             <a:fld id="{E05EDB92-2FE2-4164-AA27-D03258A20DF4}" type="slidenum">
               <a:rPr lang="en-US" smtClean="0"/>
-              <a:t>22</a:t>
+              <a:t>21</a:t>
             </a:fld>
             <a:endParaRPr lang="en-US"/>
           </a:p>
@@ -943,7 +1027,7 @@
     </p:spTree>
     <p:extLst>
       <p:ext uri="{BB962C8B-B14F-4D97-AF65-F5344CB8AC3E}">
-        <p14:creationId xmlns:p14="http://schemas.microsoft.com/office/powerpoint/2010/main" val="1461454158"/>
+        <p14:creationId xmlns:p14="http://schemas.microsoft.com/office/powerpoint/2010/main" val="3471580468"/>
       </p:ext>
     </p:extLst>
   </p:cSld>
@@ -997,20 +1081,6 @@
           <a:bodyPr/>
           <a:lstStyle/>
           <a:p>
-            <a:r>
-              <a:rPr lang="en-US" dirty="0"/>
-              <a:t>Allow/</a:t>
-            </a:r>
-            <a:r>
-              <a:rPr lang="en-US" dirty="0" err="1"/>
-              <a:t>DisallowFeatures</a:t>
-            </a:r>
-            <a:r>
-              <a:rPr lang="en-US" dirty="0"/>
-              <a:t> can be a string or an array of strings.</a:t>
-            </a:r>
-          </a:p>
-          <a:p>
             <a:endParaRPr lang="en-US" dirty="0"/>
           </a:p>
         </p:txBody>
@@ -1032,7 +1102,7 @@
           <a:p>
             <a:fld id="{E05EDB92-2FE2-4164-AA27-D03258A20DF4}" type="slidenum">
               <a:rPr lang="en-US" smtClean="0"/>
-              <a:t>25</a:t>
+              <a:t>22</a:t>
             </a:fld>
             <a:endParaRPr lang="en-US"/>
           </a:p>
@@ -1041,7 +1111,7 @@
     </p:spTree>
     <p:extLst>
       <p:ext uri="{BB962C8B-B14F-4D97-AF65-F5344CB8AC3E}">
-        <p14:creationId xmlns:p14="http://schemas.microsoft.com/office/powerpoint/2010/main" val="1551059755"/>
+        <p14:creationId xmlns:p14="http://schemas.microsoft.com/office/powerpoint/2010/main" val="1461454158"/>
       </p:ext>
     </p:extLst>
   </p:cSld>
@@ -1095,6 +1165,20 @@
           <a:bodyPr/>
           <a:lstStyle/>
           <a:p>
+            <a:r>
+              <a:rPr lang="en-US" dirty="0"/>
+              <a:t>Allow/</a:t>
+            </a:r>
+            <a:r>
+              <a:rPr lang="en-US" dirty="0" err="1"/>
+              <a:t>DisallowFeatures</a:t>
+            </a:r>
+            <a:r>
+              <a:rPr lang="en-US" dirty="0"/>
+              <a:t> can be a string or an array of strings.</a:t>
+            </a:r>
+          </a:p>
+          <a:p>
             <a:endParaRPr lang="en-US" dirty="0"/>
           </a:p>
         </p:txBody>
@@ -1116,7 +1200,7 @@
           <a:p>
             <a:fld id="{E05EDB92-2FE2-4164-AA27-D03258A20DF4}" type="slidenum">
               <a:rPr lang="en-US" smtClean="0"/>
-              <a:t>28</a:t>
+              <a:t>25</a:t>
             </a:fld>
             <a:endParaRPr lang="en-US"/>
           </a:p>
@@ -1125,7 +1209,7 @@
     </p:spTree>
     <p:extLst>
       <p:ext uri="{BB962C8B-B14F-4D97-AF65-F5344CB8AC3E}">
-        <p14:creationId xmlns:p14="http://schemas.microsoft.com/office/powerpoint/2010/main" val="1570586495"/>
+        <p14:creationId xmlns:p14="http://schemas.microsoft.com/office/powerpoint/2010/main" val="1551059755"/>
       </p:ext>
     </p:extLst>
   </p:cSld>
@@ -1179,28 +1263,6 @@
           <a:bodyPr/>
           <a:lstStyle/>
           <a:p>
-            <a:r>
-              <a:rPr lang="en-US" dirty="0"/>
-              <a:t>Before detailing the Channels, we need to cover the </a:t>
-            </a:r>
-            <a:r>
-              <a:rPr lang="en-US" dirty="0" err="1"/>
-              <a:t>TransportMessage</a:t>
-            </a:r>
-            <a:r>
-              <a:rPr lang="en-US" dirty="0"/>
-              <a:t> and its Factories and the Transport and </a:t>
-            </a:r>
-            <a:r>
-              <a:rPr lang="en-US" dirty="0" err="1"/>
-              <a:t>TransportType</a:t>
-            </a:r>
-            <a:r>
-              <a:rPr lang="en-US" dirty="0"/>
-              <a:t> model.</a:t>
-            </a:r>
-          </a:p>
-          <a:p>
             <a:endParaRPr lang="en-US" dirty="0"/>
           </a:p>
         </p:txBody>
@@ -1222,7 +1284,7 @@
           <a:p>
             <a:fld id="{E05EDB92-2FE2-4164-AA27-D03258A20DF4}" type="slidenum">
               <a:rPr lang="en-US" smtClean="0"/>
-              <a:t>29</a:t>
+              <a:t>28</a:t>
             </a:fld>
             <a:endParaRPr lang="en-US"/>
           </a:p>
@@ -1231,7 +1293,7 @@
     </p:spTree>
     <p:extLst>
       <p:ext uri="{BB962C8B-B14F-4D97-AF65-F5344CB8AC3E}">
-        <p14:creationId xmlns:p14="http://schemas.microsoft.com/office/powerpoint/2010/main" val="1107907762"/>
+        <p14:creationId xmlns:p14="http://schemas.microsoft.com/office/powerpoint/2010/main" val="1570586495"/>
       </p:ext>
     </p:extLst>
   </p:cSld>
@@ -1286,387 +1348,28 @@
           <a:lstStyle/>
           <a:p>
             <a:r>
-              <a:rPr lang="en-US" sz="1800" dirty="0">
-                <a:solidFill>
-                  <a:srgbClr val="000000"/>
-                </a:solidFill>
-                <a:latin typeface="Consolas" panose="020B0609020204030204" pitchFamily="49" charset="0"/>
-              </a:rPr>
-              <a:t>All messages exchanged by the Transport layer are prefixed by the message's protocol and length.</a:t>
-            </a:r>
-          </a:p>
-          <a:p>
-            <a:r>
-              <a:rPr lang="en-US" sz="1800" dirty="0">
-                <a:solidFill>
-                  <a:srgbClr val="000000"/>
-                </a:solidFill>
-                <a:latin typeface="Consolas" panose="020B0609020204030204" pitchFamily="49" charset="0"/>
-              </a:rPr>
-              <a:t>- The prefix starts with a first byte: </a:t>
-            </a:r>
-            <a:r>
-              <a:rPr lang="en-US" sz="1800" dirty="0">
-                <a:solidFill>
-                  <a:srgbClr val="0000FF"/>
-                </a:solidFill>
-                <a:latin typeface="Consolas" panose="020B0609020204030204" pitchFamily="49" charset="0"/>
-              </a:rPr>
-              <a:t>`|L0|L1|CD|R0|R1|P0|P1|P2|`</a:t>
-            </a:r>
-            <a:r>
-              <a:rPr lang="en-US" sz="1800" dirty="0">
-                <a:solidFill>
-                  <a:srgbClr val="000000"/>
-                </a:solidFill>
-                <a:latin typeface="Consolas" panose="020B0609020204030204" pitchFamily="49" charset="0"/>
-              </a:rPr>
-              <a:t>.</a:t>
-            </a:r>
-          </a:p>
-          <a:p>
-            <a:r>
-              <a:rPr lang="en-US" sz="1800" dirty="0">
-                <a:solidFill>
-                  <a:srgbClr val="000000"/>
-                </a:solidFill>
-                <a:latin typeface="Consolas" panose="020B0609020204030204" pitchFamily="49" charset="0"/>
-              </a:rPr>
-              <a:t>  - The 2 MSB (L0-L1) gives us the number of bytes of the message length:</a:t>
-            </a:r>
-          </a:p>
-          <a:p>
-            <a:r>
-              <a:rPr lang="en-US" sz="1800" dirty="0">
-                <a:solidFill>
-                  <a:srgbClr val="000000"/>
-                </a:solidFill>
-                <a:latin typeface="Consolas" panose="020B0609020204030204" pitchFamily="49" charset="0"/>
-              </a:rPr>
-              <a:t>    - </a:t>
-            </a:r>
-            <a:r>
-              <a:rPr lang="en-US" sz="1800" dirty="0">
-                <a:solidFill>
-                  <a:srgbClr val="0000FF"/>
-                </a:solidFill>
-                <a:latin typeface="Consolas" panose="020B0609020204030204" pitchFamily="49" charset="0"/>
-              </a:rPr>
-              <a:t>`00`</a:t>
-            </a:r>
-            <a:r>
-              <a:rPr lang="en-US" sz="1800" dirty="0">
-                <a:solidFill>
-                  <a:srgbClr val="000000"/>
-                </a:solidFill>
-                <a:latin typeface="Consolas" panose="020B0609020204030204" pitchFamily="49" charset="0"/>
-              </a:rPr>
-              <a:t> 1 byte, the message length is between 0 and 255 bytes.</a:t>
-            </a:r>
-          </a:p>
-          <a:p>
-            <a:r>
-              <a:rPr lang="en-US" sz="1800" dirty="0">
-                <a:solidFill>
-                  <a:srgbClr val="000000"/>
-                </a:solidFill>
-                <a:latin typeface="Consolas" panose="020B0609020204030204" pitchFamily="49" charset="0"/>
-              </a:rPr>
-              <a:t>    - </a:t>
-            </a:r>
-            <a:r>
-              <a:rPr lang="en-US" sz="1800" dirty="0">
-                <a:solidFill>
-                  <a:srgbClr val="0000FF"/>
-                </a:solidFill>
-                <a:latin typeface="Consolas" panose="020B0609020204030204" pitchFamily="49" charset="0"/>
-              </a:rPr>
-              <a:t>`01`</a:t>
-            </a:r>
-            <a:r>
-              <a:rPr lang="en-US" sz="1800" dirty="0">
-                <a:solidFill>
-                  <a:srgbClr val="000000"/>
-                </a:solidFill>
-                <a:latin typeface="Consolas" panose="020B0609020204030204" pitchFamily="49" charset="0"/>
-              </a:rPr>
-              <a:t> 2 bytes, the message length is between 256 and 65535 bytes.</a:t>
-            </a:r>
-          </a:p>
-          <a:p>
-            <a:r>
-              <a:rPr lang="en-US" sz="1800" dirty="0">
-                <a:solidFill>
-                  <a:srgbClr val="000000"/>
-                </a:solidFill>
-                <a:latin typeface="Consolas" panose="020B0609020204030204" pitchFamily="49" charset="0"/>
-              </a:rPr>
-              <a:t>    - </a:t>
-            </a:r>
-            <a:r>
-              <a:rPr lang="en-US" sz="1800" dirty="0">
-                <a:solidFill>
-                  <a:srgbClr val="0000FF"/>
-                </a:solidFill>
-                <a:latin typeface="Consolas" panose="020B0609020204030204" pitchFamily="49" charset="0"/>
-              </a:rPr>
-              <a:t>`10`</a:t>
-            </a:r>
-            <a:r>
-              <a:rPr lang="en-US" sz="1800" dirty="0">
-                <a:solidFill>
-                  <a:srgbClr val="000000"/>
-                </a:solidFill>
-                <a:latin typeface="Consolas" panose="020B0609020204030204" pitchFamily="49" charset="0"/>
-              </a:rPr>
-              <a:t> 3 bytes, the message length is between 65536 and 16 777 215 bytes.</a:t>
-            </a:r>
-          </a:p>
-          <a:p>
-            <a:r>
-              <a:rPr lang="en-US" sz="1800" dirty="0">
-                <a:solidFill>
-                  <a:srgbClr val="000000"/>
-                </a:solidFill>
-                <a:latin typeface="Consolas" panose="020B0609020204030204" pitchFamily="49" charset="0"/>
-              </a:rPr>
-              <a:t>    - </a:t>
-            </a:r>
-            <a:r>
-              <a:rPr lang="en-US" sz="1800" dirty="0">
-                <a:solidFill>
-                  <a:srgbClr val="0000FF"/>
-                </a:solidFill>
-                <a:latin typeface="Consolas" panose="020B0609020204030204" pitchFamily="49" charset="0"/>
-              </a:rPr>
-              <a:t>`11`</a:t>
-            </a:r>
-            <a:r>
-              <a:rPr lang="en-US" sz="1800" dirty="0">
-                <a:solidFill>
-                  <a:srgbClr val="000000"/>
-                </a:solidFill>
-                <a:latin typeface="Consolas" panose="020B0609020204030204" pitchFamily="49" charset="0"/>
-              </a:rPr>
-              <a:t> 4 bytes, the message length is between 16 777 216 and 2 147 483 648 bytes (2 Gib).</a:t>
-            </a:r>
-          </a:p>
-          <a:p>
-            <a:r>
-              <a:rPr lang="en-US" sz="1800" dirty="0">
-                <a:solidFill>
-                  <a:srgbClr val="000000"/>
-                </a:solidFill>
-                <a:latin typeface="Consolas" panose="020B0609020204030204" pitchFamily="49" charset="0"/>
-              </a:rPr>
-              <a:t>  - The </a:t>
-            </a:r>
-            <a:r>
-              <a:rPr lang="en-US" sz="1800" dirty="0">
-                <a:solidFill>
-                  <a:srgbClr val="0000FF"/>
-                </a:solidFill>
-                <a:latin typeface="Consolas" panose="020B0609020204030204" pitchFamily="49" charset="0"/>
-              </a:rPr>
-              <a:t>`CD`</a:t>
-            </a:r>
-            <a:r>
-              <a:rPr lang="en-US" sz="1800" dirty="0">
-                <a:solidFill>
-                  <a:srgbClr val="000000"/>
-                </a:solidFill>
-                <a:latin typeface="Consolas" panose="020B0609020204030204" pitchFamily="49" charset="0"/>
-              </a:rPr>
-              <a:t> bit is the "Control vs. Data" bit. This is a convenient bit that can be used by protocols</a:t>
-            </a:r>
-          </a:p>
-          <a:p>
-            <a:r>
-              <a:rPr lang="en-US" sz="1800" dirty="0">
-                <a:solidFill>
-                  <a:srgbClr val="000000"/>
-                </a:solidFill>
-                <a:latin typeface="Consolas" panose="020B0609020204030204" pitchFamily="49" charset="0"/>
-              </a:rPr>
-              <a:t>    as a one-bit discriminator, typically between a regular data message and one (or more) control message.</a:t>
-            </a:r>
-          </a:p>
-          <a:p>
-            <a:r>
-              <a:rPr lang="en-US" sz="1800" dirty="0">
-                <a:solidFill>
-                  <a:srgbClr val="000000"/>
-                </a:solidFill>
-                <a:latin typeface="Consolas" panose="020B0609020204030204" pitchFamily="49" charset="0"/>
-              </a:rPr>
-              <a:t>  - </a:t>
-            </a:r>
-            <a:r>
-              <a:rPr lang="en-US" sz="1800" dirty="0">
-                <a:solidFill>
-                  <a:srgbClr val="0000FF"/>
-                </a:solidFill>
-                <a:latin typeface="Consolas" panose="020B0609020204030204" pitchFamily="49" charset="0"/>
-              </a:rPr>
-              <a:t>`R0`</a:t>
-            </a:r>
-            <a:r>
-              <a:rPr lang="en-US" sz="1800" dirty="0">
-                <a:solidFill>
-                  <a:srgbClr val="000000"/>
-                </a:solidFill>
-                <a:latin typeface="Consolas" panose="020B0609020204030204" pitchFamily="49" charset="0"/>
-              </a:rPr>
-              <a:t> and </a:t>
-            </a:r>
-            <a:r>
-              <a:rPr lang="en-US" sz="1800" dirty="0">
-                <a:solidFill>
-                  <a:srgbClr val="0000FF"/>
-                </a:solidFill>
-                <a:latin typeface="Consolas" panose="020B0609020204030204" pitchFamily="49" charset="0"/>
-              </a:rPr>
-              <a:t>`R1`</a:t>
-            </a:r>
-            <a:r>
-              <a:rPr lang="en-US" sz="1800" dirty="0">
-                <a:solidFill>
-                  <a:srgbClr val="000000"/>
-                </a:solidFill>
-                <a:latin typeface="Consolas" panose="020B0609020204030204" pitchFamily="49" charset="0"/>
-              </a:rPr>
-              <a:t> bit are reserved for future use.</a:t>
-            </a:r>
-          </a:p>
-          <a:p>
-            <a:r>
-              <a:rPr lang="en-US" sz="1800" dirty="0">
-                <a:solidFill>
-                  <a:srgbClr val="000000"/>
-                </a:solidFill>
-                <a:latin typeface="Consolas" panose="020B0609020204030204" pitchFamily="49" charset="0"/>
-              </a:rPr>
-              <a:t>  - P0-P2 bits is the Protocol, a number between 0 and 7. This number defines the "type" of the</a:t>
-            </a:r>
-          </a:p>
-          <a:p>
-            <a:r>
-              <a:rPr lang="en-US" sz="1800" dirty="0">
-                <a:solidFill>
-                  <a:srgbClr val="000000"/>
-                </a:solidFill>
-                <a:latin typeface="Consolas" panose="020B0609020204030204" pitchFamily="49" charset="0"/>
-              </a:rPr>
-              <a:t>  message: the writer or serializer that has been used to write the payload and the reader or "</a:t>
-            </a:r>
-            <a:r>
-              <a:rPr lang="en-US" sz="1800" dirty="0" err="1">
-                <a:solidFill>
-                  <a:srgbClr val="000000"/>
-                </a:solidFill>
-                <a:latin typeface="Consolas" panose="020B0609020204030204" pitchFamily="49" charset="0"/>
-              </a:rPr>
-              <a:t>deserializer</a:t>
-            </a:r>
-            <a:r>
-              <a:rPr lang="en-US" sz="1800" dirty="0">
-                <a:solidFill>
-                  <a:srgbClr val="000000"/>
-                </a:solidFill>
-                <a:latin typeface="Consolas" panose="020B0609020204030204" pitchFamily="49" charset="0"/>
-              </a:rPr>
-              <a:t>"</a:t>
-            </a:r>
-          </a:p>
-          <a:p>
-            <a:r>
-              <a:rPr lang="en-US" sz="1800" dirty="0">
-                <a:solidFill>
-                  <a:srgbClr val="000000"/>
-                </a:solidFill>
-                <a:latin typeface="Consolas" panose="020B0609020204030204" pitchFamily="49" charset="0"/>
-              </a:rPr>
-              <a:t>  that must be used to read it back.</a:t>
-            </a:r>
-          </a:p>
-          <a:p>
-            <a:r>
-              <a:rPr lang="en-US" sz="1800" dirty="0">
-                <a:solidFill>
-                  <a:srgbClr val="000000"/>
-                </a:solidFill>
-                <a:latin typeface="Consolas" panose="020B0609020204030204" pitchFamily="49" charset="0"/>
-              </a:rPr>
-              <a:t>- Then comes the message length itself (1 to 4 bytes)</a:t>
-            </a:r>
-          </a:p>
-          <a:p>
-            <a:r>
-              <a:rPr lang="en-US" sz="1800" dirty="0">
-                <a:solidFill>
-                  <a:srgbClr val="000000"/>
-                </a:solidFill>
-                <a:latin typeface="Consolas" panose="020B0609020204030204" pitchFamily="49" charset="0"/>
-              </a:rPr>
-              <a:t>- Then the message payload itself.</a:t>
-            </a:r>
-          </a:p>
-          <a:p>
-            <a:endParaRPr lang="en-US" sz="1800" dirty="0">
-              <a:solidFill>
-                <a:srgbClr val="000000"/>
-              </a:solidFill>
-              <a:latin typeface="Consolas" panose="020B0609020204030204" pitchFamily="49" charset="0"/>
-            </a:endParaRPr>
-          </a:p>
-          <a:p>
-            <a:r>
-              <a:rPr lang="en-US" sz="1800" dirty="0">
-                <a:solidFill>
-                  <a:srgbClr val="000000"/>
-                </a:solidFill>
-                <a:latin typeface="Consolas" panose="020B0609020204030204" pitchFamily="49" charset="0"/>
-              </a:rPr>
-              <a:t>At a higher level </a:t>
-            </a:r>
-            <a:r>
-              <a:rPr lang="en-US" sz="1800" dirty="0">
-                <a:solidFill>
-                  <a:srgbClr val="A31515"/>
-                </a:solidFill>
-                <a:latin typeface="Consolas" panose="020B0609020204030204" pitchFamily="49" charset="0"/>
-              </a:rPr>
-              <a:t>"</a:t>
-            </a:r>
-            <a:r>
-              <a:rPr lang="en-US" sz="1800" dirty="0" err="1">
-                <a:solidFill>
-                  <a:srgbClr val="000000"/>
-                </a:solidFill>
-                <a:latin typeface="Consolas" panose="020B0609020204030204" pitchFamily="49" charset="0"/>
-              </a:rPr>
-              <a:t>MessageProtocol</a:t>
-            </a:r>
-            <a:r>
-              <a:rPr lang="en-US" sz="1800" dirty="0">
-                <a:solidFill>
-                  <a:srgbClr val="000000"/>
-                </a:solidFill>
-                <a:latin typeface="Consolas" panose="020B0609020204030204" pitchFamily="49" charset="0"/>
-              </a:rPr>
-              <a:t>” are identified by a string (its unique name).</a:t>
-            </a:r>
-          </a:p>
-          <a:p>
-            <a:r>
-              <a:rPr lang="en-US" sz="1800" dirty="0">
-                <a:solidFill>
-                  <a:srgbClr val="000000"/>
-                </a:solidFill>
-                <a:latin typeface="Consolas" panose="020B0609020204030204" pitchFamily="49" charset="0"/>
-              </a:rPr>
-              <a:t>A protocol defines how the message is encoded and how they are exchanged: by merging these 2 concepts here, we greatly simplify the implementation and the understandability of the Transport layer. The protocol simply defines the encoding it uses.</a:t>
-            </a:r>
+              <a:rPr lang="en-US" dirty="0"/>
+              <a:t>Before detailing the Channels, we need to cover the </a:t>
+            </a:r>
+            <a:r>
+              <a:rPr lang="en-US" dirty="0" err="1"/>
+              <a:t>TransportMessage</a:t>
+            </a:r>
+            <a:r>
+              <a:rPr lang="en-US" dirty="0"/>
+              <a:t> and its Factories and the Transport and </a:t>
+            </a:r>
+            <a:r>
+              <a:rPr lang="en-US" dirty="0" err="1"/>
+              <a:t>TransportType</a:t>
+            </a:r>
+            <a:r>
+              <a:rPr lang="en-US" dirty="0"/>
+              <a:t> model.</a:t>
+            </a:r>
+          </a:p>
+          <a:p>
+            <a:endParaRPr lang="en-US" dirty="0"/>
           </a:p>
         </p:txBody>
       </p:sp>
@@ -1687,7 +1390,7 @@
           <a:p>
             <a:fld id="{E05EDB92-2FE2-4164-AA27-D03258A20DF4}" type="slidenum">
               <a:rPr lang="en-US" smtClean="0"/>
-              <a:t>30</a:t>
+              <a:t>29</a:t>
             </a:fld>
             <a:endParaRPr lang="en-US"/>
           </a:p>
@@ -1696,7 +1399,7 @@
     </p:spTree>
     <p:extLst>
       <p:ext uri="{BB962C8B-B14F-4D97-AF65-F5344CB8AC3E}">
-        <p14:creationId xmlns:p14="http://schemas.microsoft.com/office/powerpoint/2010/main" val="4115452317"/>
+        <p14:creationId xmlns:p14="http://schemas.microsoft.com/office/powerpoint/2010/main" val="1107907762"/>
       </p:ext>
     </p:extLst>
   </p:cSld>
@@ -1757,16 +1460,27 @@
                 </a:solidFill>
                 <a:latin typeface="Consolas" panose="020B0609020204030204" pitchFamily="49" charset="0"/>
               </a:rPr>
-              <a:t>The </a:t>
-            </a:r>
+              <a:t>All messages exchanged by the Transport layer are prefixed by the message's protocol and length.</a:t>
+            </a:r>
+          </a:p>
+          <a:p>
             <a:r>
               <a:rPr lang="en-US" sz="1800" dirty="0">
                 <a:solidFill>
+                  <a:srgbClr val="000000"/>
+                </a:solidFill>
+                <a:latin typeface="Consolas" panose="020B0609020204030204" pitchFamily="49" charset="0"/>
+              </a:rPr>
+              <a:t>- The prefix starts with a first byte: </a:t>
+            </a:r>
+            <a:r>
+              <a:rPr lang="en-US" sz="1800" dirty="0">
+                <a:solidFill>
                   <a:srgbClr val="0000FF"/>
                 </a:solidFill>
                 <a:latin typeface="Consolas" panose="020B0609020204030204" pitchFamily="49" charset="0"/>
               </a:rPr>
-              <a:t>`"0 Protocol"`</a:t>
+              <a:t>`|L0|L1|CD|R0|R1|P0|P1|P2|`</a:t>
             </a:r>
             <a:r>
               <a:rPr lang="en-US" sz="1800" dirty="0">
@@ -1775,7 +1489,243 @@
                 </a:solidFill>
                 <a:latin typeface="Consolas" panose="020B0609020204030204" pitchFamily="49" charset="0"/>
               </a:rPr>
-              <a:t> protocol name is reserved: this is the protocol of </a:t>
+              <a:t>.</a:t>
+            </a:r>
+          </a:p>
+          <a:p>
+            <a:r>
+              <a:rPr lang="en-US" sz="1800" dirty="0">
+                <a:solidFill>
+                  <a:srgbClr val="000000"/>
+                </a:solidFill>
+                <a:latin typeface="Consolas" panose="020B0609020204030204" pitchFamily="49" charset="0"/>
+              </a:rPr>
+              <a:t>  - The 2 MSB (L0-L1) gives us the number of bytes of the message length:</a:t>
+            </a:r>
+          </a:p>
+          <a:p>
+            <a:r>
+              <a:rPr lang="en-US" sz="1800" dirty="0">
+                <a:solidFill>
+                  <a:srgbClr val="000000"/>
+                </a:solidFill>
+                <a:latin typeface="Consolas" panose="020B0609020204030204" pitchFamily="49" charset="0"/>
+              </a:rPr>
+              <a:t>    - </a:t>
+            </a:r>
+            <a:r>
+              <a:rPr lang="en-US" sz="1800" dirty="0">
+                <a:solidFill>
+                  <a:srgbClr val="0000FF"/>
+                </a:solidFill>
+                <a:latin typeface="Consolas" panose="020B0609020204030204" pitchFamily="49" charset="0"/>
+              </a:rPr>
+              <a:t>`00`</a:t>
+            </a:r>
+            <a:r>
+              <a:rPr lang="en-US" sz="1800" dirty="0">
+                <a:solidFill>
+                  <a:srgbClr val="000000"/>
+                </a:solidFill>
+                <a:latin typeface="Consolas" panose="020B0609020204030204" pitchFamily="49" charset="0"/>
+              </a:rPr>
+              <a:t> 1 byte, the message length is between 0 and 255 bytes.</a:t>
+            </a:r>
+          </a:p>
+          <a:p>
+            <a:r>
+              <a:rPr lang="en-US" sz="1800" dirty="0">
+                <a:solidFill>
+                  <a:srgbClr val="000000"/>
+                </a:solidFill>
+                <a:latin typeface="Consolas" panose="020B0609020204030204" pitchFamily="49" charset="0"/>
+              </a:rPr>
+              <a:t>    - </a:t>
+            </a:r>
+            <a:r>
+              <a:rPr lang="en-US" sz="1800" dirty="0">
+                <a:solidFill>
+                  <a:srgbClr val="0000FF"/>
+                </a:solidFill>
+                <a:latin typeface="Consolas" panose="020B0609020204030204" pitchFamily="49" charset="0"/>
+              </a:rPr>
+              <a:t>`01`</a:t>
+            </a:r>
+            <a:r>
+              <a:rPr lang="en-US" sz="1800" dirty="0">
+                <a:solidFill>
+                  <a:srgbClr val="000000"/>
+                </a:solidFill>
+                <a:latin typeface="Consolas" panose="020B0609020204030204" pitchFamily="49" charset="0"/>
+              </a:rPr>
+              <a:t> 2 bytes, the message length is between 256 and 65535 bytes.</a:t>
+            </a:r>
+          </a:p>
+          <a:p>
+            <a:r>
+              <a:rPr lang="en-US" sz="1800" dirty="0">
+                <a:solidFill>
+                  <a:srgbClr val="000000"/>
+                </a:solidFill>
+                <a:latin typeface="Consolas" panose="020B0609020204030204" pitchFamily="49" charset="0"/>
+              </a:rPr>
+              <a:t>    - </a:t>
+            </a:r>
+            <a:r>
+              <a:rPr lang="en-US" sz="1800" dirty="0">
+                <a:solidFill>
+                  <a:srgbClr val="0000FF"/>
+                </a:solidFill>
+                <a:latin typeface="Consolas" panose="020B0609020204030204" pitchFamily="49" charset="0"/>
+              </a:rPr>
+              <a:t>`10`</a:t>
+            </a:r>
+            <a:r>
+              <a:rPr lang="en-US" sz="1800" dirty="0">
+                <a:solidFill>
+                  <a:srgbClr val="000000"/>
+                </a:solidFill>
+                <a:latin typeface="Consolas" panose="020B0609020204030204" pitchFamily="49" charset="0"/>
+              </a:rPr>
+              <a:t> 3 bytes, the message length is between 65536 and 16 777 215 bytes.</a:t>
+            </a:r>
+          </a:p>
+          <a:p>
+            <a:r>
+              <a:rPr lang="en-US" sz="1800" dirty="0">
+                <a:solidFill>
+                  <a:srgbClr val="000000"/>
+                </a:solidFill>
+                <a:latin typeface="Consolas" panose="020B0609020204030204" pitchFamily="49" charset="0"/>
+              </a:rPr>
+              <a:t>    - </a:t>
+            </a:r>
+            <a:r>
+              <a:rPr lang="en-US" sz="1800" dirty="0">
+                <a:solidFill>
+                  <a:srgbClr val="0000FF"/>
+                </a:solidFill>
+                <a:latin typeface="Consolas" panose="020B0609020204030204" pitchFamily="49" charset="0"/>
+              </a:rPr>
+              <a:t>`11`</a:t>
+            </a:r>
+            <a:r>
+              <a:rPr lang="en-US" sz="1800" dirty="0">
+                <a:solidFill>
+                  <a:srgbClr val="000000"/>
+                </a:solidFill>
+                <a:latin typeface="Consolas" panose="020B0609020204030204" pitchFamily="49" charset="0"/>
+              </a:rPr>
+              <a:t> 4 bytes, the message length is between 16 777 216 and 2 147 483 648 bytes (2 Gib).</a:t>
+            </a:r>
+          </a:p>
+          <a:p>
+            <a:r>
+              <a:rPr lang="en-US" sz="1800" dirty="0">
+                <a:solidFill>
+                  <a:srgbClr val="000000"/>
+                </a:solidFill>
+                <a:latin typeface="Consolas" panose="020B0609020204030204" pitchFamily="49" charset="0"/>
+              </a:rPr>
+              <a:t>  - The </a:t>
+            </a:r>
+            <a:r>
+              <a:rPr lang="en-US" sz="1800" dirty="0">
+                <a:solidFill>
+                  <a:srgbClr val="0000FF"/>
+                </a:solidFill>
+                <a:latin typeface="Consolas" panose="020B0609020204030204" pitchFamily="49" charset="0"/>
+              </a:rPr>
+              <a:t>`CD`</a:t>
+            </a:r>
+            <a:r>
+              <a:rPr lang="en-US" sz="1800" dirty="0">
+                <a:solidFill>
+                  <a:srgbClr val="000000"/>
+                </a:solidFill>
+                <a:latin typeface="Consolas" panose="020B0609020204030204" pitchFamily="49" charset="0"/>
+              </a:rPr>
+              <a:t> bit is the "Control vs. Data" bit. This is a convenient bit that can be used by protocols</a:t>
+            </a:r>
+          </a:p>
+          <a:p>
+            <a:r>
+              <a:rPr lang="en-US" sz="1800" dirty="0">
+                <a:solidFill>
+                  <a:srgbClr val="000000"/>
+                </a:solidFill>
+                <a:latin typeface="Consolas" panose="020B0609020204030204" pitchFamily="49" charset="0"/>
+              </a:rPr>
+              <a:t>    as a one-bit discriminator, typically between a regular data message and one (or more) control message.</a:t>
+            </a:r>
+          </a:p>
+          <a:p>
+            <a:r>
+              <a:rPr lang="en-US" sz="1800" dirty="0">
+                <a:solidFill>
+                  <a:srgbClr val="000000"/>
+                </a:solidFill>
+                <a:latin typeface="Consolas" panose="020B0609020204030204" pitchFamily="49" charset="0"/>
+              </a:rPr>
+              <a:t>  - </a:t>
+            </a:r>
+            <a:r>
+              <a:rPr lang="en-US" sz="1800" dirty="0">
+                <a:solidFill>
+                  <a:srgbClr val="0000FF"/>
+                </a:solidFill>
+                <a:latin typeface="Consolas" panose="020B0609020204030204" pitchFamily="49" charset="0"/>
+              </a:rPr>
+              <a:t>`R0`</a:t>
+            </a:r>
+            <a:r>
+              <a:rPr lang="en-US" sz="1800" dirty="0">
+                <a:solidFill>
+                  <a:srgbClr val="000000"/>
+                </a:solidFill>
+                <a:latin typeface="Consolas" panose="020B0609020204030204" pitchFamily="49" charset="0"/>
+              </a:rPr>
+              <a:t> and </a:t>
+            </a:r>
+            <a:r>
+              <a:rPr lang="en-US" sz="1800" dirty="0">
+                <a:solidFill>
+                  <a:srgbClr val="0000FF"/>
+                </a:solidFill>
+                <a:latin typeface="Consolas" panose="020B0609020204030204" pitchFamily="49" charset="0"/>
+              </a:rPr>
+              <a:t>`R1`</a:t>
+            </a:r>
+            <a:r>
+              <a:rPr lang="en-US" sz="1800" dirty="0">
+                <a:solidFill>
+                  <a:srgbClr val="000000"/>
+                </a:solidFill>
+                <a:latin typeface="Consolas" panose="020B0609020204030204" pitchFamily="49" charset="0"/>
+              </a:rPr>
+              <a:t> bit are reserved for future use.</a:t>
+            </a:r>
+          </a:p>
+          <a:p>
+            <a:r>
+              <a:rPr lang="en-US" sz="1800" dirty="0">
+                <a:solidFill>
+                  <a:srgbClr val="000000"/>
+                </a:solidFill>
+                <a:latin typeface="Consolas" panose="020B0609020204030204" pitchFamily="49" charset="0"/>
+              </a:rPr>
+              <a:t>  - P0-P2 bits is the Protocol, a number between 0 and 7. This number defines the "type" of the</a:t>
+            </a:r>
+          </a:p>
+          <a:p>
+            <a:r>
+              <a:rPr lang="en-US" sz="1800" dirty="0">
+                <a:solidFill>
+                  <a:srgbClr val="000000"/>
+                </a:solidFill>
+                <a:latin typeface="Consolas" panose="020B0609020204030204" pitchFamily="49" charset="0"/>
+              </a:rPr>
+              <a:t>  message: the writer or serializer that has been used to write the payload and the reader or "</a:t>
             </a:r>
             <a:r>
               <a:rPr lang="en-US" sz="1800" dirty="0" err="1">
@@ -1784,7 +1734,7 @@
                 </a:solidFill>
                 <a:latin typeface="Consolas" panose="020B0609020204030204" pitchFamily="49" charset="0"/>
               </a:rPr>
-              <a:t>CK.AppIdentity.TransportLayer</a:t>
+              <a:t>deserializer</a:t>
             </a:r>
             <a:r>
               <a:rPr lang="en-US" sz="1800" dirty="0">
@@ -1793,7 +1743,7 @@
                 </a:solidFill>
                 <a:latin typeface="Consolas" panose="020B0609020204030204" pitchFamily="49" charset="0"/>
               </a:rPr>
-              <a:t> itself that handles</a:t>
+              <a:t>"</a:t>
             </a:r>
           </a:p>
           <a:p>
@@ -1804,7 +1754,7 @@
                 </a:solidFill>
                 <a:latin typeface="Consolas" panose="020B0609020204030204" pitchFamily="49" charset="0"/>
               </a:rPr>
-              <a:t>special messages used to negotiate, accept, reject incoming parties and outgoing connections.</a:t>
+              <a:t>  that must be used to read it back.</a:t>
             </a:r>
           </a:p>
           <a:p>
@@ -1815,7 +1765,7 @@
                 </a:solidFill>
                 <a:latin typeface="Consolas" panose="020B0609020204030204" pitchFamily="49" charset="0"/>
               </a:rPr>
-              <a:t>This lets 7 possible protocols. This may seem a limitation however this limit applies to a Remote party pair: there</a:t>
+              <a:t>- Then comes the message length itself (1 to 4 bytes)</a:t>
             </a:r>
           </a:p>
           <a:p>
@@ -1826,18 +1776,7 @@
                 </a:solidFill>
                 <a:latin typeface="Consolas" panose="020B0609020204030204" pitchFamily="49" charset="0"/>
               </a:rPr>
-              <a:t>can be any number of possible protocols in an application, among them 2 parties that start to interact initially</a:t>
-            </a:r>
-          </a:p>
-          <a:p>
-            <a:r>
-              <a:rPr lang="en-US" sz="1800" dirty="0">
-                <a:solidFill>
-                  <a:srgbClr val="000000"/>
-                </a:solidFill>
-                <a:latin typeface="Consolas" panose="020B0609020204030204" pitchFamily="49" charset="0"/>
-              </a:rPr>
-              <a:t>negotiate the ones they can and want to use. Any Transport between 2 parties can support up to 7 different protocols.</a:t>
+              <a:t>- Then the message payload itself.</a:t>
             </a:r>
           </a:p>
           <a:p>
@@ -1856,22 +1795,46 @@
                 </a:solidFill>
                 <a:latin typeface="Consolas" panose="020B0609020204030204" pitchFamily="49" charset="0"/>
               </a:rPr>
-              <a:t>The final length of a message on the wire is between 2 bytes (the special Empty message, see below) and 2 Gib.</a:t>
-            </a:r>
-          </a:p>
-          <a:p>
+              <a:t>At a higher level </a:t>
+            </a:r>
             <a:r>
               <a:rPr lang="en-US" sz="1800" dirty="0">
                 <a:solidFill>
+                  <a:srgbClr val="A31515"/>
+                </a:solidFill>
+                <a:latin typeface="Consolas" panose="020B0609020204030204" pitchFamily="49" charset="0"/>
+              </a:rPr>
+              <a:t>"</a:t>
+            </a:r>
+            <a:r>
+              <a:rPr lang="en-US" sz="1800" dirty="0" err="1">
+                <a:solidFill>
                   <a:srgbClr val="000000"/>
                 </a:solidFill>
                 <a:latin typeface="Consolas" panose="020B0609020204030204" pitchFamily="49" charset="0"/>
               </a:rPr>
-              <a:t>A minimal 1 byte message requires 3 bytes (in any of the 7 available protocols). </a:t>
-            </a:r>
-          </a:p>
-          <a:p>
-            <a:endParaRPr lang="en-US" dirty="0"/>
+              <a:t>MessageProtocol</a:t>
+            </a:r>
+            <a:r>
+              <a:rPr lang="en-US" sz="1800" dirty="0">
+                <a:solidFill>
+                  <a:srgbClr val="000000"/>
+                </a:solidFill>
+                <a:latin typeface="Consolas" panose="020B0609020204030204" pitchFamily="49" charset="0"/>
+              </a:rPr>
+              <a:t>” are identified by a string (its unique name).</a:t>
+            </a:r>
+          </a:p>
+          <a:p>
+            <a:r>
+              <a:rPr lang="en-US" sz="1800" dirty="0">
+                <a:solidFill>
+                  <a:srgbClr val="000000"/>
+                </a:solidFill>
+                <a:latin typeface="Consolas" panose="020B0609020204030204" pitchFamily="49" charset="0"/>
+              </a:rPr>
+              <a:t>A protocol defines how the message is encoded and how they are exchanged: by merging these 2 concepts here, we greatly simplify the implementation and the understandability of the Transport layer. The protocol simply defines the encoding it uses.</a:t>
+            </a:r>
           </a:p>
         </p:txBody>
       </p:sp>
@@ -1892,7 +1855,7 @@
           <a:p>
             <a:fld id="{E05EDB92-2FE2-4164-AA27-D03258A20DF4}" type="slidenum">
               <a:rPr lang="en-US" smtClean="0"/>
-              <a:t>31</a:t>
+              <a:t>30</a:t>
             </a:fld>
             <a:endParaRPr lang="en-US"/>
           </a:p>
@@ -1901,7 +1864,7 @@
     </p:spTree>
     <p:extLst>
       <p:ext uri="{BB962C8B-B14F-4D97-AF65-F5344CB8AC3E}">
-        <p14:creationId xmlns:p14="http://schemas.microsoft.com/office/powerpoint/2010/main" val="1132549190"/>
+        <p14:creationId xmlns:p14="http://schemas.microsoft.com/office/powerpoint/2010/main" val="4115452317"/>
       </p:ext>
     </p:extLst>
   </p:cSld>
@@ -1955,6 +1918,127 @@
           <a:bodyPr/>
           <a:lstStyle/>
           <a:p>
+            <a:r>
+              <a:rPr lang="en-US" sz="1800" dirty="0">
+                <a:solidFill>
+                  <a:srgbClr val="000000"/>
+                </a:solidFill>
+                <a:latin typeface="Consolas" panose="020B0609020204030204" pitchFamily="49" charset="0"/>
+              </a:rPr>
+              <a:t>The </a:t>
+            </a:r>
+            <a:r>
+              <a:rPr lang="en-US" sz="1800" dirty="0">
+                <a:solidFill>
+                  <a:srgbClr val="0000FF"/>
+                </a:solidFill>
+                <a:latin typeface="Consolas" panose="020B0609020204030204" pitchFamily="49" charset="0"/>
+              </a:rPr>
+              <a:t>`"0 Protocol"`</a:t>
+            </a:r>
+            <a:r>
+              <a:rPr lang="en-US" sz="1800" dirty="0">
+                <a:solidFill>
+                  <a:srgbClr val="000000"/>
+                </a:solidFill>
+                <a:latin typeface="Consolas" panose="020B0609020204030204" pitchFamily="49" charset="0"/>
+              </a:rPr>
+              <a:t> protocol name is reserved: this is the protocol of </a:t>
+            </a:r>
+            <a:r>
+              <a:rPr lang="en-US" sz="1800" dirty="0" err="1">
+                <a:solidFill>
+                  <a:srgbClr val="000000"/>
+                </a:solidFill>
+                <a:latin typeface="Consolas" panose="020B0609020204030204" pitchFamily="49" charset="0"/>
+              </a:rPr>
+              <a:t>CK.AppIdentity.TransportLayer</a:t>
+            </a:r>
+            <a:r>
+              <a:rPr lang="en-US" sz="1800" dirty="0">
+                <a:solidFill>
+                  <a:srgbClr val="000000"/>
+                </a:solidFill>
+                <a:latin typeface="Consolas" panose="020B0609020204030204" pitchFamily="49" charset="0"/>
+              </a:rPr>
+              <a:t> itself that handles</a:t>
+            </a:r>
+          </a:p>
+          <a:p>
+            <a:r>
+              <a:rPr lang="en-US" sz="1800" dirty="0">
+                <a:solidFill>
+                  <a:srgbClr val="000000"/>
+                </a:solidFill>
+                <a:latin typeface="Consolas" panose="020B0609020204030204" pitchFamily="49" charset="0"/>
+              </a:rPr>
+              <a:t>special messages used to negotiate, accept, reject incoming parties and outgoing connections.</a:t>
+            </a:r>
+          </a:p>
+          <a:p>
+            <a:r>
+              <a:rPr lang="en-US" sz="1800" dirty="0">
+                <a:solidFill>
+                  <a:srgbClr val="000000"/>
+                </a:solidFill>
+                <a:latin typeface="Consolas" panose="020B0609020204030204" pitchFamily="49" charset="0"/>
+              </a:rPr>
+              <a:t>This lets 7 possible protocols. This may seem a limitation however this limit applies to a Remote party pair: there</a:t>
+            </a:r>
+          </a:p>
+          <a:p>
+            <a:r>
+              <a:rPr lang="en-US" sz="1800" dirty="0">
+                <a:solidFill>
+                  <a:srgbClr val="000000"/>
+                </a:solidFill>
+                <a:latin typeface="Consolas" panose="020B0609020204030204" pitchFamily="49" charset="0"/>
+              </a:rPr>
+              <a:t>can be any number of possible protocols in an application, among them 2 parties that start to interact initially</a:t>
+            </a:r>
+          </a:p>
+          <a:p>
+            <a:r>
+              <a:rPr lang="en-US" sz="1800" dirty="0">
+                <a:solidFill>
+                  <a:srgbClr val="000000"/>
+                </a:solidFill>
+                <a:latin typeface="Consolas" panose="020B0609020204030204" pitchFamily="49" charset="0"/>
+              </a:rPr>
+              <a:t>negotiate the ones they can and want to use. Any Transport between 2 parties can support up to 7 different protocols.</a:t>
+            </a:r>
+          </a:p>
+          <a:p>
+            <a:endParaRPr lang="en-US" sz="1800" dirty="0">
+              <a:solidFill>
+                <a:srgbClr val="000000"/>
+              </a:solidFill>
+              <a:latin typeface="Consolas" panose="020B0609020204030204" pitchFamily="49" charset="0"/>
+            </a:endParaRPr>
+          </a:p>
+          <a:p>
+            <a:r>
+              <a:rPr lang="en-US" sz="1800" dirty="0">
+                <a:solidFill>
+                  <a:srgbClr val="000000"/>
+                </a:solidFill>
+                <a:latin typeface="Consolas" panose="020B0609020204030204" pitchFamily="49" charset="0"/>
+              </a:rPr>
+              <a:t>The final length of a message on the wire is between 2 bytes (the special Empty message, see below) and 2 Gib.</a:t>
+            </a:r>
+          </a:p>
+          <a:p>
+            <a:r>
+              <a:rPr lang="en-US" sz="1800" dirty="0">
+                <a:solidFill>
+                  <a:srgbClr val="000000"/>
+                </a:solidFill>
+                <a:latin typeface="Consolas" panose="020B0609020204030204" pitchFamily="49" charset="0"/>
+              </a:rPr>
+              <a:t>A minimal 1 byte message requires 3 bytes (in any of the 7 available protocols). </a:t>
+            </a:r>
+          </a:p>
+          <a:p>
             <a:endParaRPr lang="en-US" dirty="0"/>
           </a:p>
         </p:txBody>
@@ -1976,7 +2060,7 @@
           <a:p>
             <a:fld id="{E05EDB92-2FE2-4164-AA27-D03258A20DF4}" type="slidenum">
               <a:rPr lang="en-US" smtClean="0"/>
-              <a:t>33</a:t>
+              <a:t>31</a:t>
             </a:fld>
             <a:endParaRPr lang="en-US"/>
           </a:p>
@@ -1985,7 +2069,7 @@
     </p:spTree>
     <p:extLst>
       <p:ext uri="{BB962C8B-B14F-4D97-AF65-F5344CB8AC3E}">
-        <p14:creationId xmlns:p14="http://schemas.microsoft.com/office/powerpoint/2010/main" val="213048778"/>
+        <p14:creationId xmlns:p14="http://schemas.microsoft.com/office/powerpoint/2010/main" val="1132549190"/>
       </p:ext>
     </p:extLst>
   </p:cSld>
@@ -2142,7 +2226,7 @@
           <a:p>
             <a:fld id="{7D1F2140-8D48-49AC-AD8D-683E6FF4DC34}" type="datetimeFigureOut">
               <a:rPr lang="en-US" smtClean="0"/>
-              <a:t>12/5/2023</a:t>
+              <a:t>12/9/2023</a:t>
             </a:fld>
             <a:endParaRPr lang="en-US"/>
           </a:p>
@@ -2340,7 +2424,7 @@
           <a:p>
             <a:fld id="{7D1F2140-8D48-49AC-AD8D-683E6FF4DC34}" type="datetimeFigureOut">
               <a:rPr lang="en-US" smtClean="0"/>
-              <a:t>12/5/2023</a:t>
+              <a:t>12/9/2023</a:t>
             </a:fld>
             <a:endParaRPr lang="en-US"/>
           </a:p>
@@ -2548,7 +2632,7 @@
           <a:p>
             <a:fld id="{7D1F2140-8D48-49AC-AD8D-683E6FF4DC34}" type="datetimeFigureOut">
               <a:rPr lang="en-US" smtClean="0"/>
-              <a:t>12/5/2023</a:t>
+              <a:t>12/9/2023</a:t>
             </a:fld>
             <a:endParaRPr lang="en-US"/>
           </a:p>
@@ -2746,7 +2830,7 @@
           <a:p>
             <a:fld id="{7D1F2140-8D48-49AC-AD8D-683E6FF4DC34}" type="datetimeFigureOut">
               <a:rPr lang="en-US" smtClean="0"/>
-              <a:t>12/5/2023</a:t>
+              <a:t>12/9/2023</a:t>
             </a:fld>
             <a:endParaRPr lang="en-US"/>
           </a:p>
@@ -3021,7 +3105,7 @@
           <a:p>
             <a:fld id="{7D1F2140-8D48-49AC-AD8D-683E6FF4DC34}" type="datetimeFigureOut">
               <a:rPr lang="en-US" smtClean="0"/>
-              <a:t>12/5/2023</a:t>
+              <a:t>12/9/2023</a:t>
             </a:fld>
             <a:endParaRPr lang="en-US"/>
           </a:p>
@@ -3286,7 +3370,7 @@
           <a:p>
             <a:fld id="{7D1F2140-8D48-49AC-AD8D-683E6FF4DC34}" type="datetimeFigureOut">
               <a:rPr lang="en-US" smtClean="0"/>
-              <a:t>12/5/2023</a:t>
+              <a:t>12/9/2023</a:t>
             </a:fld>
             <a:endParaRPr lang="en-US"/>
           </a:p>
@@ -3698,7 +3782,7 @@
           <a:p>
             <a:fld id="{7D1F2140-8D48-49AC-AD8D-683E6FF4DC34}" type="datetimeFigureOut">
               <a:rPr lang="en-US" smtClean="0"/>
-              <a:t>12/5/2023</a:t>
+              <a:t>12/9/2023</a:t>
             </a:fld>
             <a:endParaRPr lang="en-US"/>
           </a:p>
@@ -3839,7 +3923,7 @@
           <a:p>
             <a:fld id="{7D1F2140-8D48-49AC-AD8D-683E6FF4DC34}" type="datetimeFigureOut">
               <a:rPr lang="en-US" smtClean="0"/>
-              <a:t>12/5/2023</a:t>
+              <a:t>12/9/2023</a:t>
             </a:fld>
             <a:endParaRPr lang="en-US"/>
           </a:p>
@@ -3952,7 +4036,7 @@
           <a:p>
             <a:fld id="{7D1F2140-8D48-49AC-AD8D-683E6FF4DC34}" type="datetimeFigureOut">
               <a:rPr lang="en-US" smtClean="0"/>
-              <a:t>12/5/2023</a:t>
+              <a:t>12/9/2023</a:t>
             </a:fld>
             <a:endParaRPr lang="en-US"/>
           </a:p>
@@ -4263,7 +4347,7 @@
           <a:p>
             <a:fld id="{7D1F2140-8D48-49AC-AD8D-683E6FF4DC34}" type="datetimeFigureOut">
               <a:rPr lang="en-US" smtClean="0"/>
-              <a:t>12/5/2023</a:t>
+              <a:t>12/9/2023</a:t>
             </a:fld>
             <a:endParaRPr lang="en-US"/>
           </a:p>
@@ -4551,7 +4635,7 @@
           <a:p>
             <a:fld id="{7D1F2140-8D48-49AC-AD8D-683E6FF4DC34}" type="datetimeFigureOut">
               <a:rPr lang="en-US" smtClean="0"/>
-              <a:t>12/5/2023</a:t>
+              <a:t>12/9/2023</a:t>
             </a:fld>
             <a:endParaRPr lang="en-US"/>
           </a:p>
@@ -4792,7 +4876,7 @@
           <a:p>
             <a:fld id="{7D1F2140-8D48-49AC-AD8D-683E6FF4DC34}" type="datetimeFigureOut">
               <a:rPr lang="en-US" smtClean="0"/>
-              <a:t>12/5/2023</a:t>
+              <a:t>12/9/2023</a:t>
             </a:fld>
             <a:endParaRPr lang="en-US"/>
           </a:p>
@@ -12017,10 +12101,10 @@
       </p:sp>
       <p:pic>
         <p:nvPicPr>
-          <p:cNvPr id="5" name="Picture 4" descr="A screenshot of a computer&#10;&#10;Description automatically generated">
+          <p:cNvPr id="7" name="Picture 6" descr="A screenshot of a computer&#10;&#10;Description automatically generated">
             <a:extLst>
               <a:ext uri="{FF2B5EF4-FFF2-40B4-BE49-F238E27FC236}">
-                <a16:creationId xmlns:a16="http://schemas.microsoft.com/office/drawing/2014/main" id="{C877AF6B-7CB2-7C72-78B8-A3149BA3EE51}"/>
+                <a16:creationId xmlns:a16="http://schemas.microsoft.com/office/drawing/2014/main" id="{D81EF2D8-889E-977F-CD52-2FA4E99F5FD6}"/>
               </a:ext>
             </a:extLst>
           </p:cNvPr>
@@ -12030,7 +12114,7 @@
           <p:nvPr/>
         </p:nvPicPr>
         <p:blipFill>
-          <a:blip r:embed="rId2">
+          <a:blip r:embed="rId3">
             <a:extLst>
               <a:ext uri="{28A0092B-C50C-407E-A947-70E740481C1C}">
                 <a14:useLocalDpi xmlns:a14="http://schemas.microsoft.com/office/drawing/2010/main" val="0"/>
@@ -12043,8 +12127,8 @@
         </p:blipFill>
         <p:spPr>
           <a:xfrm>
-            <a:off x="3728273" y="117700"/>
-            <a:ext cx="8014681" cy="6858000"/>
+            <a:off x="4162448" y="0"/>
+            <a:ext cx="7818993" cy="6858000"/>
           </a:xfrm>
           <a:prstGeom prst="rect">
             <a:avLst/>
@@ -13030,10 +13114,10 @@
       </p:sp>
       <p:pic>
         <p:nvPicPr>
-          <p:cNvPr id="4" name="Picture 3" descr="A screenshot of a computer&#10;&#10;Description automatically generated">
+          <p:cNvPr id="5" name="Picture 4" descr="A screenshot of a computer&#10;&#10;Description automatically generated">
             <a:extLst>
               <a:ext uri="{FF2B5EF4-FFF2-40B4-BE49-F238E27FC236}">
-                <a16:creationId xmlns:a16="http://schemas.microsoft.com/office/drawing/2014/main" id="{3AD36ADA-EB10-96CB-DB0B-136F15875DE1}"/>
+                <a16:creationId xmlns:a16="http://schemas.microsoft.com/office/drawing/2014/main" id="{00BBBD6C-B19D-3418-AEA0-2B18219F2EE9}"/>
               </a:ext>
             </a:extLst>
           </p:cNvPr>
@@ -13056,7 +13140,7 @@
         </p:blipFill>
         <p:spPr>
           <a:xfrm>
-            <a:off x="7467905" y="0"/>
+            <a:off x="7488926" y="0"/>
             <a:ext cx="4171996" cy="6858000"/>
           </a:xfrm>
           <a:prstGeom prst="rect">

--- a/Doc/CK-AppIdentity.pptx
+++ b/Doc/CK-AppIdentity.pptx
@@ -5,7 +5,7 @@
     <p:sldMasterId id="2147483648" r:id="rId1"/>
   </p:sldMasterIdLst>
   <p:notesMasterIdLst>
-    <p:notesMasterId r:id="rId42"/>
+    <p:notesMasterId r:id="rId43"/>
   </p:notesMasterIdLst>
   <p:sldIdLst>
     <p:sldId id="256" r:id="rId2"/>
@@ -33,21 +33,22 @@
     <p:sldId id="279" r:id="rId24"/>
     <p:sldId id="280" r:id="rId25"/>
     <p:sldId id="282" r:id="rId26"/>
-    <p:sldId id="305" r:id="rId27"/>
-    <p:sldId id="281" r:id="rId28"/>
-    <p:sldId id="288" r:id="rId29"/>
-    <p:sldId id="283" r:id="rId30"/>
-    <p:sldId id="284" r:id="rId31"/>
-    <p:sldId id="285" r:id="rId32"/>
-    <p:sldId id="286" r:id="rId33"/>
-    <p:sldId id="287" r:id="rId34"/>
-    <p:sldId id="289" r:id="rId35"/>
-    <p:sldId id="290" r:id="rId36"/>
-    <p:sldId id="304" r:id="rId37"/>
-    <p:sldId id="297" r:id="rId38"/>
-    <p:sldId id="298" r:id="rId39"/>
-    <p:sldId id="299" r:id="rId40"/>
-    <p:sldId id="291" r:id="rId41"/>
+    <p:sldId id="306" r:id="rId27"/>
+    <p:sldId id="305" r:id="rId28"/>
+    <p:sldId id="281" r:id="rId29"/>
+    <p:sldId id="288" r:id="rId30"/>
+    <p:sldId id="283" r:id="rId31"/>
+    <p:sldId id="284" r:id="rId32"/>
+    <p:sldId id="285" r:id="rId33"/>
+    <p:sldId id="286" r:id="rId34"/>
+    <p:sldId id="287" r:id="rId35"/>
+    <p:sldId id="289" r:id="rId36"/>
+    <p:sldId id="290" r:id="rId37"/>
+    <p:sldId id="304" r:id="rId38"/>
+    <p:sldId id="297" r:id="rId39"/>
+    <p:sldId id="298" r:id="rId40"/>
+    <p:sldId id="299" r:id="rId41"/>
+    <p:sldId id="291" r:id="rId42"/>
   </p:sldIdLst>
   <p:sldSz cx="12192000" cy="6858000"/>
   <p:notesSz cx="6858000" cy="9144000"/>
@@ -294,7 +295,7 @@
           <a:p>
             <a:fld id="{7EBA75D8-A9A5-4FAF-B563-7A079B630A7E}" type="datetimeFigureOut">
               <a:rPr lang="en-US" smtClean="0"/>
-              <a:t>12/9/2023</a:t>
+              <a:t>2/18/2024</a:t>
             </a:fld>
             <a:endParaRPr lang="en-US"/>
           </a:p>
@@ -766,7 +767,7 @@
           <a:p>
             <a:fld id="{E05EDB92-2FE2-4164-AA27-D03258A20DF4}" type="slidenum">
               <a:rPr lang="en-US" smtClean="0"/>
-              <a:t>33</a:t>
+              <a:t>34</a:t>
             </a:fld>
             <a:endParaRPr lang="en-US"/>
           </a:p>
@@ -850,7 +851,7 @@
           <a:p>
             <a:fld id="{E05EDB92-2FE2-4164-AA27-D03258A20DF4}" type="slidenum">
               <a:rPr lang="en-US" smtClean="0"/>
-              <a:t>34</a:t>
+              <a:t>35</a:t>
             </a:fld>
             <a:endParaRPr lang="en-US"/>
           </a:p>
@@ -1284,7 +1285,7 @@
           <a:p>
             <a:fld id="{E05EDB92-2FE2-4164-AA27-D03258A20DF4}" type="slidenum">
               <a:rPr lang="en-US" smtClean="0"/>
-              <a:t>28</a:t>
+              <a:t>29</a:t>
             </a:fld>
             <a:endParaRPr lang="en-US"/>
           </a:p>
@@ -1390,7 +1391,7 @@
           <a:p>
             <a:fld id="{E05EDB92-2FE2-4164-AA27-D03258A20DF4}" type="slidenum">
               <a:rPr lang="en-US" smtClean="0"/>
-              <a:t>29</a:t>
+              <a:t>30</a:t>
             </a:fld>
             <a:endParaRPr lang="en-US"/>
           </a:p>
@@ -1855,7 +1856,7 @@
           <a:p>
             <a:fld id="{E05EDB92-2FE2-4164-AA27-D03258A20DF4}" type="slidenum">
               <a:rPr lang="en-US" smtClean="0"/>
-              <a:t>30</a:t>
+              <a:t>31</a:t>
             </a:fld>
             <a:endParaRPr lang="en-US"/>
           </a:p>
@@ -2060,7 +2061,7 @@
           <a:p>
             <a:fld id="{E05EDB92-2FE2-4164-AA27-D03258A20DF4}" type="slidenum">
               <a:rPr lang="en-US" smtClean="0"/>
-              <a:t>31</a:t>
+              <a:t>32</a:t>
             </a:fld>
             <a:endParaRPr lang="en-US"/>
           </a:p>
@@ -2226,7 +2227,7 @@
           <a:p>
             <a:fld id="{7D1F2140-8D48-49AC-AD8D-683E6FF4DC34}" type="datetimeFigureOut">
               <a:rPr lang="en-US" smtClean="0"/>
-              <a:t>12/9/2023</a:t>
+              <a:t>2/18/2024</a:t>
             </a:fld>
             <a:endParaRPr lang="en-US"/>
           </a:p>
@@ -2424,7 +2425,7 @@
           <a:p>
             <a:fld id="{7D1F2140-8D48-49AC-AD8D-683E6FF4DC34}" type="datetimeFigureOut">
               <a:rPr lang="en-US" smtClean="0"/>
-              <a:t>12/9/2023</a:t>
+              <a:t>2/18/2024</a:t>
             </a:fld>
             <a:endParaRPr lang="en-US"/>
           </a:p>
@@ -2632,7 +2633,7 @@
           <a:p>
             <a:fld id="{7D1F2140-8D48-49AC-AD8D-683E6FF4DC34}" type="datetimeFigureOut">
               <a:rPr lang="en-US" smtClean="0"/>
-              <a:t>12/9/2023</a:t>
+              <a:t>2/18/2024</a:t>
             </a:fld>
             <a:endParaRPr lang="en-US"/>
           </a:p>
@@ -2830,7 +2831,7 @@
           <a:p>
             <a:fld id="{7D1F2140-8D48-49AC-AD8D-683E6FF4DC34}" type="datetimeFigureOut">
               <a:rPr lang="en-US" smtClean="0"/>
-              <a:t>12/9/2023</a:t>
+              <a:t>2/18/2024</a:t>
             </a:fld>
             <a:endParaRPr lang="en-US"/>
           </a:p>
@@ -3105,7 +3106,7 @@
           <a:p>
             <a:fld id="{7D1F2140-8D48-49AC-AD8D-683E6FF4DC34}" type="datetimeFigureOut">
               <a:rPr lang="en-US" smtClean="0"/>
-              <a:t>12/9/2023</a:t>
+              <a:t>2/18/2024</a:t>
             </a:fld>
             <a:endParaRPr lang="en-US"/>
           </a:p>
@@ -3370,7 +3371,7 @@
           <a:p>
             <a:fld id="{7D1F2140-8D48-49AC-AD8D-683E6FF4DC34}" type="datetimeFigureOut">
               <a:rPr lang="en-US" smtClean="0"/>
-              <a:t>12/9/2023</a:t>
+              <a:t>2/18/2024</a:t>
             </a:fld>
             <a:endParaRPr lang="en-US"/>
           </a:p>
@@ -3782,7 +3783,7 @@
           <a:p>
             <a:fld id="{7D1F2140-8D48-49AC-AD8D-683E6FF4DC34}" type="datetimeFigureOut">
               <a:rPr lang="en-US" smtClean="0"/>
-              <a:t>12/9/2023</a:t>
+              <a:t>2/18/2024</a:t>
             </a:fld>
             <a:endParaRPr lang="en-US"/>
           </a:p>
@@ -3923,7 +3924,7 @@
           <a:p>
             <a:fld id="{7D1F2140-8D48-49AC-AD8D-683E6FF4DC34}" type="datetimeFigureOut">
               <a:rPr lang="en-US" smtClean="0"/>
-              <a:t>12/9/2023</a:t>
+              <a:t>2/18/2024</a:t>
             </a:fld>
             <a:endParaRPr lang="en-US"/>
           </a:p>
@@ -4036,7 +4037,7 @@
           <a:p>
             <a:fld id="{7D1F2140-8D48-49AC-AD8D-683E6FF4DC34}" type="datetimeFigureOut">
               <a:rPr lang="en-US" smtClean="0"/>
-              <a:t>12/9/2023</a:t>
+              <a:t>2/18/2024</a:t>
             </a:fld>
             <a:endParaRPr lang="en-US"/>
           </a:p>
@@ -4347,7 +4348,7 @@
           <a:p>
             <a:fld id="{7D1F2140-8D48-49AC-AD8D-683E6FF4DC34}" type="datetimeFigureOut">
               <a:rPr lang="en-US" smtClean="0"/>
-              <a:t>12/9/2023</a:t>
+              <a:t>2/18/2024</a:t>
             </a:fld>
             <a:endParaRPr lang="en-US"/>
           </a:p>
@@ -4635,7 +4636,7 @@
           <a:p>
             <a:fld id="{7D1F2140-8D48-49AC-AD8D-683E6FF4DC34}" type="datetimeFigureOut">
               <a:rPr lang="en-US" smtClean="0"/>
-              <a:t>12/9/2023</a:t>
+              <a:t>2/18/2024</a:t>
             </a:fld>
             <a:endParaRPr lang="en-US"/>
           </a:p>
@@ -4876,7 +4877,7 @@
           <a:p>
             <a:fld id="{7D1F2140-8D48-49AC-AD8D-683E6FF4DC34}" type="datetimeFigureOut">
               <a:rPr lang="en-US" smtClean="0"/>
-              <a:t>12/9/2023</a:t>
+              <a:t>2/18/2024</a:t>
             </a:fld>
             <a:endParaRPr lang="en-US"/>
           </a:p>
@@ -14964,7 +14965,7 @@
           <p:cNvPr id="2" name="Title 1">
             <a:extLst>
               <a:ext uri="{FF2B5EF4-FFF2-40B4-BE49-F238E27FC236}">
-                <a16:creationId xmlns:a16="http://schemas.microsoft.com/office/drawing/2014/main" id="{5EBCFA60-C87B-4FE3-EF05-A4AD08BA5E70}"/>
+                <a16:creationId xmlns:a16="http://schemas.microsoft.com/office/drawing/2014/main" id="{ABD8311E-5027-48CB-DA46-369CF70C7219}"/>
               </a:ext>
             </a:extLst>
           </p:cNvPr>
@@ -14981,10 +14982,10 @@
           <a:lstStyle/>
           <a:p>
             <a:r>
-              <a:rPr lang="en-US" dirty="0" err="1"/>
-              <a:t>TransportManagerFeature</a:t>
-            </a:r>
-            <a:endParaRPr lang="en-US" dirty="0"/>
+              <a:rPr lang="fr-FR" dirty="0" err="1"/>
+              <a:t>CK.AppIdentity.KeyManagement</a:t>
+            </a:r>
+            <a:endParaRPr lang="fr-FR" dirty="0"/>
           </a:p>
         </p:txBody>
       </p:sp>
@@ -14993,7 +14994,7 @@
           <p:cNvPr id="3" name="Content Placeholder 2">
             <a:extLst>
               <a:ext uri="{FF2B5EF4-FFF2-40B4-BE49-F238E27FC236}">
-                <a16:creationId xmlns:a16="http://schemas.microsoft.com/office/drawing/2014/main" id="{A66F53C4-7018-24F4-0D95-F239C1AB727A}"/>
+                <a16:creationId xmlns:a16="http://schemas.microsoft.com/office/drawing/2014/main" id="{C0C3C94F-AD7D-3CEF-040F-9CD989EDC647}"/>
               </a:ext>
             </a:extLst>
           </p:cNvPr>
@@ -15004,36 +15005,746 @@
             <p:ph idx="1"/>
           </p:nvPr>
         </p:nvSpPr>
-        <p:spPr/>
+        <p:spPr>
+          <a:xfrm>
+            <a:off x="493986" y="1804605"/>
+            <a:ext cx="5959366" cy="4351338"/>
+          </a:xfrm>
+        </p:spPr>
         <p:txBody>
           <a:bodyPr/>
           <a:lstStyle/>
           <a:p>
             <a:r>
-              <a:rPr lang="en-US" dirty="0"/>
-              <a:t>Available on the root </a:t>
-            </a:r>
-            <a:r>
-              <a:rPr lang="en-US" dirty="0" err="1"/>
-              <a:t>ApplicationIdentityService</a:t>
-            </a:r>
-            <a:r>
-              <a:rPr lang="en-US" dirty="0"/>
-              <a:t>.</a:t>
-            </a:r>
-          </a:p>
-          <a:p>
-            <a:r>
-              <a:rPr lang="en-US" dirty="0"/>
-              <a:t>Centralizes transport events for all remote’s </a:t>
-            </a:r>
-            <a:r>
-              <a:rPr lang="en-US" dirty="0" err="1"/>
-              <a:t>TransportFeatures</a:t>
-            </a:r>
-            <a:r>
-              <a:rPr lang="en-US" dirty="0"/>
-              <a:t>.</a:t>
+              <a:rPr lang="fr-FR" dirty="0" err="1"/>
+              <a:t>Adds</a:t>
+            </a:r>
+            <a:r>
+              <a:rPr lang="fr-FR" dirty="0"/>
+              <a:t> 2 </a:t>
+            </a:r>
+            <a:r>
+              <a:rPr lang="fr-FR" dirty="0" err="1"/>
+              <a:t>kind</a:t>
+            </a:r>
+            <a:r>
+              <a:rPr lang="fr-FR" dirty="0"/>
+              <a:t> of </a:t>
+            </a:r>
+            <a:r>
+              <a:rPr lang="fr-FR" dirty="0" err="1"/>
+              <a:t>object-features</a:t>
+            </a:r>
+            <a:r>
+              <a:rPr lang="fr-FR" dirty="0"/>
+              <a:t> </a:t>
+            </a:r>
+          </a:p>
+          <a:p>
+            <a:pPr lvl="1"/>
+            <a:r>
+              <a:rPr lang="fr-FR" dirty="0"/>
+              <a:t>A </a:t>
+            </a:r>
+            <a:r>
+              <a:rPr lang="fr-FR" dirty="0" err="1"/>
+              <a:t>ILocalKeys</a:t>
+            </a:r>
+            <a:r>
+              <a:rPr lang="fr-FR" dirty="0"/>
+              <a:t> on </a:t>
+            </a:r>
+            <a:r>
+              <a:rPr lang="fr-FR" dirty="0" err="1"/>
+              <a:t>each</a:t>
+            </a:r>
+            <a:r>
+              <a:rPr lang="fr-FR" dirty="0"/>
+              <a:t> </a:t>
+            </a:r>
+            <a:r>
+              <a:rPr lang="fr-FR" dirty="0" err="1"/>
+              <a:t>ILocalParty</a:t>
+            </a:r>
+            <a:endParaRPr lang="fr-FR" dirty="0"/>
+          </a:p>
+          <a:p>
+            <a:pPr lvl="1"/>
+            <a:r>
+              <a:rPr lang="fr-FR" dirty="0"/>
+              <a:t>A </a:t>
+            </a:r>
+            <a:r>
+              <a:rPr lang="fr-FR" dirty="0" err="1"/>
+              <a:t>IRemoteKeys</a:t>
+            </a:r>
+            <a:r>
+              <a:rPr lang="fr-FR" dirty="0"/>
+              <a:t> on </a:t>
+            </a:r>
+            <a:r>
+              <a:rPr lang="fr-FR" dirty="0" err="1"/>
+              <a:t>each</a:t>
+            </a:r>
+            <a:r>
+              <a:rPr lang="fr-FR" dirty="0"/>
+              <a:t> </a:t>
+            </a:r>
+            <a:r>
+              <a:rPr lang="fr-FR" dirty="0" err="1"/>
+              <a:t>IRemoteParty</a:t>
+            </a:r>
+            <a:endParaRPr lang="fr-FR" dirty="0"/>
+          </a:p>
+        </p:txBody>
+      </p:sp>
+      <p:sp>
+        <p:nvSpPr>
+          <p:cNvPr id="4" name="Content Placeholder 2">
+            <a:extLst>
+              <a:ext uri="{FF2B5EF4-FFF2-40B4-BE49-F238E27FC236}">
+                <a16:creationId xmlns:a16="http://schemas.microsoft.com/office/drawing/2014/main" id="{06DB9FCE-678D-334A-D2D3-ABA8C59B50BB}"/>
+              </a:ext>
+            </a:extLst>
+          </p:cNvPr>
+          <p:cNvSpPr txBox="1">
+            <a:spLocks/>
+          </p:cNvSpPr>
+          <p:nvPr/>
+        </p:nvSpPr>
+        <p:spPr>
+          <a:xfrm>
+            <a:off x="6944710" y="1655680"/>
+            <a:ext cx="4753304" cy="3546639"/>
+          </a:xfrm>
+          <a:prstGeom prst="rect">
+            <a:avLst/>
+          </a:prstGeom>
+        </p:spPr>
+        <p:txBody>
+          <a:bodyPr vert="horz" lIns="91440" tIns="45720" rIns="91440" bIns="45720" rtlCol="0">
+            <a:normAutofit/>
+          </a:bodyPr>
+          <a:lstStyle>
+            <a:lvl1pPr marL="228600" indent="-228600" algn="l" defTabSz="914400" rtl="0" eaLnBrk="1" latinLnBrk="0" hangingPunct="1">
+              <a:lnSpc>
+                <a:spcPct val="90000"/>
+              </a:lnSpc>
+              <a:spcBef>
+                <a:spcPts val="1000"/>
+              </a:spcBef>
+              <a:buFont typeface="Arial" panose="020B0604020202020204" pitchFamily="34" charset="0"/>
+              <a:buChar char="•"/>
+              <a:defRPr sz="2800" kern="1200">
+                <a:solidFill>
+                  <a:schemeClr val="tx1"/>
+                </a:solidFill>
+                <a:latin typeface="+mn-lt"/>
+                <a:ea typeface="+mn-ea"/>
+                <a:cs typeface="+mn-cs"/>
+              </a:defRPr>
+            </a:lvl1pPr>
+            <a:lvl2pPr marL="685800" indent="-228600" algn="l" defTabSz="914400" rtl="0" eaLnBrk="1" latinLnBrk="0" hangingPunct="1">
+              <a:lnSpc>
+                <a:spcPct val="90000"/>
+              </a:lnSpc>
+              <a:spcBef>
+                <a:spcPts val="500"/>
+              </a:spcBef>
+              <a:buFont typeface="Arial" panose="020B0604020202020204" pitchFamily="34" charset="0"/>
+              <a:buChar char="•"/>
+              <a:defRPr sz="2400" kern="1200">
+                <a:solidFill>
+                  <a:schemeClr val="tx1"/>
+                </a:solidFill>
+                <a:latin typeface="+mn-lt"/>
+                <a:ea typeface="+mn-ea"/>
+                <a:cs typeface="+mn-cs"/>
+              </a:defRPr>
+            </a:lvl2pPr>
+            <a:lvl3pPr marL="1143000" indent="-228600" algn="l" defTabSz="914400" rtl="0" eaLnBrk="1" latinLnBrk="0" hangingPunct="1">
+              <a:lnSpc>
+                <a:spcPct val="90000"/>
+              </a:lnSpc>
+              <a:spcBef>
+                <a:spcPts val="500"/>
+              </a:spcBef>
+              <a:buFont typeface="Arial" panose="020B0604020202020204" pitchFamily="34" charset="0"/>
+              <a:buChar char="•"/>
+              <a:defRPr sz="2000" kern="1200">
+                <a:solidFill>
+                  <a:schemeClr val="tx1"/>
+                </a:solidFill>
+                <a:latin typeface="+mn-lt"/>
+                <a:ea typeface="+mn-ea"/>
+                <a:cs typeface="+mn-cs"/>
+              </a:defRPr>
+            </a:lvl3pPr>
+            <a:lvl4pPr marL="1600200" indent="-228600" algn="l" defTabSz="914400" rtl="0" eaLnBrk="1" latinLnBrk="0" hangingPunct="1">
+              <a:lnSpc>
+                <a:spcPct val="90000"/>
+              </a:lnSpc>
+              <a:spcBef>
+                <a:spcPts val="500"/>
+              </a:spcBef>
+              <a:buFont typeface="Arial" panose="020B0604020202020204" pitchFamily="34" charset="0"/>
+              <a:buChar char="•"/>
+              <a:defRPr sz="1800" kern="1200">
+                <a:solidFill>
+                  <a:schemeClr val="tx1"/>
+                </a:solidFill>
+                <a:latin typeface="+mn-lt"/>
+                <a:ea typeface="+mn-ea"/>
+                <a:cs typeface="+mn-cs"/>
+              </a:defRPr>
+            </a:lvl4pPr>
+            <a:lvl5pPr marL="2057400" indent="-228600" algn="l" defTabSz="914400" rtl="0" eaLnBrk="1" latinLnBrk="0" hangingPunct="1">
+              <a:lnSpc>
+                <a:spcPct val="90000"/>
+              </a:lnSpc>
+              <a:spcBef>
+                <a:spcPts val="500"/>
+              </a:spcBef>
+              <a:buFont typeface="Arial" panose="020B0604020202020204" pitchFamily="34" charset="0"/>
+              <a:buChar char="•"/>
+              <a:defRPr sz="1800" kern="1200">
+                <a:solidFill>
+                  <a:schemeClr val="tx1"/>
+                </a:solidFill>
+                <a:latin typeface="+mn-lt"/>
+                <a:ea typeface="+mn-ea"/>
+                <a:cs typeface="+mn-cs"/>
+              </a:defRPr>
+            </a:lvl5pPr>
+            <a:lvl6pPr marL="2514600" indent="-228600" algn="l" defTabSz="914400" rtl="0" eaLnBrk="1" latinLnBrk="0" hangingPunct="1">
+              <a:lnSpc>
+                <a:spcPct val="90000"/>
+              </a:lnSpc>
+              <a:spcBef>
+                <a:spcPts val="500"/>
+              </a:spcBef>
+              <a:buFont typeface="Arial" panose="020B0604020202020204" pitchFamily="34" charset="0"/>
+              <a:buChar char="•"/>
+              <a:defRPr sz="1800" kern="1200">
+                <a:solidFill>
+                  <a:schemeClr val="tx1"/>
+                </a:solidFill>
+                <a:latin typeface="+mn-lt"/>
+                <a:ea typeface="+mn-ea"/>
+                <a:cs typeface="+mn-cs"/>
+              </a:defRPr>
+            </a:lvl6pPr>
+            <a:lvl7pPr marL="2971800" indent="-228600" algn="l" defTabSz="914400" rtl="0" eaLnBrk="1" latinLnBrk="0" hangingPunct="1">
+              <a:lnSpc>
+                <a:spcPct val="90000"/>
+              </a:lnSpc>
+              <a:spcBef>
+                <a:spcPts val="500"/>
+              </a:spcBef>
+              <a:buFont typeface="Arial" panose="020B0604020202020204" pitchFamily="34" charset="0"/>
+              <a:buChar char="•"/>
+              <a:defRPr sz="1800" kern="1200">
+                <a:solidFill>
+                  <a:schemeClr val="tx1"/>
+                </a:solidFill>
+                <a:latin typeface="+mn-lt"/>
+                <a:ea typeface="+mn-ea"/>
+                <a:cs typeface="+mn-cs"/>
+              </a:defRPr>
+            </a:lvl7pPr>
+            <a:lvl8pPr marL="3429000" indent="-228600" algn="l" defTabSz="914400" rtl="0" eaLnBrk="1" latinLnBrk="0" hangingPunct="1">
+              <a:lnSpc>
+                <a:spcPct val="90000"/>
+              </a:lnSpc>
+              <a:spcBef>
+                <a:spcPts val="500"/>
+              </a:spcBef>
+              <a:buFont typeface="Arial" panose="020B0604020202020204" pitchFamily="34" charset="0"/>
+              <a:buChar char="•"/>
+              <a:defRPr sz="1800" kern="1200">
+                <a:solidFill>
+                  <a:schemeClr val="tx1"/>
+                </a:solidFill>
+                <a:latin typeface="+mn-lt"/>
+                <a:ea typeface="+mn-ea"/>
+                <a:cs typeface="+mn-cs"/>
+              </a:defRPr>
+            </a:lvl8pPr>
+            <a:lvl9pPr marL="3886200" indent="-228600" algn="l" defTabSz="914400" rtl="0" eaLnBrk="1" latinLnBrk="0" hangingPunct="1">
+              <a:lnSpc>
+                <a:spcPct val="90000"/>
+              </a:lnSpc>
+              <a:spcBef>
+                <a:spcPts val="500"/>
+              </a:spcBef>
+              <a:buFont typeface="Arial" panose="020B0604020202020204" pitchFamily="34" charset="0"/>
+              <a:buChar char="•"/>
+              <a:defRPr sz="1800" kern="1200">
+                <a:solidFill>
+                  <a:schemeClr val="tx1"/>
+                </a:solidFill>
+                <a:latin typeface="+mn-lt"/>
+                <a:ea typeface="+mn-ea"/>
+                <a:cs typeface="+mn-cs"/>
+              </a:defRPr>
+            </a:lvl9pPr>
+          </a:lstStyle>
+          <a:p>
+            <a:r>
+              <a:rPr lang="yo-NG" noProof="1"/>
+              <a:t>Test/$SaasApp</a:t>
+            </a:r>
+          </a:p>
+          <a:p>
+            <a:pPr lvl="1"/>
+            <a:r>
+              <a:rPr lang="yo-NG" noProof="1"/>
+              <a:t>Infra/$LogTower</a:t>
+            </a:r>
+          </a:p>
+          <a:p>
+            <a:pPr lvl="1"/>
+            <a:r>
+              <a:rPr lang="yo-NG" noProof="1"/>
+              <a:t>$SaaSCentral</a:t>
+            </a:r>
+          </a:p>
+          <a:p>
+            <a:pPr lvl="1"/>
+            <a:r>
+              <a:rPr lang="yo-NG" noProof="1"/>
+              <a:t>External/$GoogleApi</a:t>
+            </a:r>
+          </a:p>
+          <a:p>
+            <a:pPr lvl="1"/>
+            <a:r>
+              <a:rPr lang="yo-NG" noProof="1"/>
+              <a:t>Tenant1/$Tenant1</a:t>
+            </a:r>
+          </a:p>
+          <a:p>
+            <a:pPr lvl="2"/>
+            <a:r>
+              <a:rPr lang="yo-NG" noProof="1"/>
+              <a:t>$Box</a:t>
+            </a:r>
+          </a:p>
+          <a:p>
+            <a:pPr lvl="1"/>
+            <a:r>
+              <a:rPr lang="yo-NG" noProof="1"/>
+              <a:t>Tenant2/$Tenant2</a:t>
+            </a:r>
+          </a:p>
+          <a:p>
+            <a:pPr lvl="2"/>
+            <a:r>
+              <a:rPr lang="yo-NG" noProof="1"/>
+              <a:t>$Box</a:t>
+            </a:r>
+          </a:p>
+          <a:p>
+            <a:pPr lvl="2"/>
+            <a:r>
+              <a:rPr lang="yo-NG" noProof="1"/>
+              <a:t>External/$ERP</a:t>
+            </a:r>
+          </a:p>
+        </p:txBody>
+      </p:sp>
+      <p:sp>
+        <p:nvSpPr>
+          <p:cNvPr id="5" name="TextBox 4">
+            <a:extLst>
+              <a:ext uri="{FF2B5EF4-FFF2-40B4-BE49-F238E27FC236}">
+                <a16:creationId xmlns:a16="http://schemas.microsoft.com/office/drawing/2014/main" id="{F9B4ECFD-3799-C349-5E71-C91DEB113C97}"/>
+              </a:ext>
+            </a:extLst>
+          </p:cNvPr>
+          <p:cNvSpPr txBox="1"/>
+          <p:nvPr/>
+        </p:nvSpPr>
+        <p:spPr>
+          <a:xfrm>
+            <a:off x="10089931" y="4037790"/>
+            <a:ext cx="882869" cy="307777"/>
+          </a:xfrm>
+          <a:prstGeom prst="rect">
+            <a:avLst/>
+          </a:prstGeom>
+          <a:solidFill>
+            <a:schemeClr val="accent4">
+              <a:alpha val="32000"/>
+            </a:schemeClr>
+          </a:solidFill>
+          <a:ln>
+            <a:solidFill>
+              <a:schemeClr val="accent1"/>
+            </a:solidFill>
+          </a:ln>
+        </p:spPr>
+        <p:txBody>
+          <a:bodyPr wrap="square" rtlCol="0">
+            <a:spAutoFit/>
+          </a:bodyPr>
+          <a:lstStyle/>
+          <a:p>
+            <a:r>
+              <a:rPr lang="en-US" sz="1400" noProof="1"/>
+              <a:t>LocalKeys</a:t>
+            </a:r>
+          </a:p>
+        </p:txBody>
+      </p:sp>
+      <p:sp>
+        <p:nvSpPr>
+          <p:cNvPr id="7" name="TextBox 6">
+            <a:extLst>
+              <a:ext uri="{FF2B5EF4-FFF2-40B4-BE49-F238E27FC236}">
+                <a16:creationId xmlns:a16="http://schemas.microsoft.com/office/drawing/2014/main" id="{BFE2EFBD-3E0B-0A1F-75BD-87AA2D713CC3}"/>
+              </a:ext>
+            </a:extLst>
+          </p:cNvPr>
+          <p:cNvSpPr txBox="1"/>
+          <p:nvPr/>
+        </p:nvSpPr>
+        <p:spPr>
+          <a:xfrm>
+            <a:off x="9485586" y="1727754"/>
+            <a:ext cx="882869" cy="307777"/>
+          </a:xfrm>
+          <a:prstGeom prst="rect">
+            <a:avLst/>
+          </a:prstGeom>
+          <a:solidFill>
+            <a:schemeClr val="accent4">
+              <a:alpha val="32000"/>
+            </a:schemeClr>
+          </a:solidFill>
+          <a:ln>
+            <a:solidFill>
+              <a:schemeClr val="accent1"/>
+            </a:solidFill>
+          </a:ln>
+        </p:spPr>
+        <p:txBody>
+          <a:bodyPr wrap="square" rtlCol="0">
+            <a:spAutoFit/>
+          </a:bodyPr>
+          <a:lstStyle/>
+          <a:p>
+            <a:r>
+              <a:rPr lang="en-US" sz="1400" noProof="1"/>
+              <a:t>LocalKeys</a:t>
+            </a:r>
+          </a:p>
+        </p:txBody>
+      </p:sp>
+      <p:sp>
+        <p:nvSpPr>
+          <p:cNvPr id="8" name="TextBox 7">
+            <a:extLst>
+              <a:ext uri="{FF2B5EF4-FFF2-40B4-BE49-F238E27FC236}">
+                <a16:creationId xmlns:a16="http://schemas.microsoft.com/office/drawing/2014/main" id="{FA2825B5-F4D6-2257-3957-88333BF11192}"/>
+              </a:ext>
+            </a:extLst>
+          </p:cNvPr>
+          <p:cNvSpPr txBox="1"/>
+          <p:nvPr/>
+        </p:nvSpPr>
+        <p:spPr>
+          <a:xfrm>
+            <a:off x="10089931" y="3338153"/>
+            <a:ext cx="882869" cy="307777"/>
+          </a:xfrm>
+          <a:prstGeom prst="rect">
+            <a:avLst/>
+          </a:prstGeom>
+          <a:solidFill>
+            <a:schemeClr val="accent4">
+              <a:alpha val="32000"/>
+            </a:schemeClr>
+          </a:solidFill>
+          <a:ln>
+            <a:solidFill>
+              <a:schemeClr val="accent1"/>
+            </a:solidFill>
+          </a:ln>
+        </p:spPr>
+        <p:txBody>
+          <a:bodyPr wrap="square" rtlCol="0">
+            <a:spAutoFit/>
+          </a:bodyPr>
+          <a:lstStyle/>
+          <a:p>
+            <a:r>
+              <a:rPr lang="en-US" sz="1400" noProof="1"/>
+              <a:t>LocalKeys</a:t>
+            </a:r>
+          </a:p>
+        </p:txBody>
+      </p:sp>
+      <p:sp>
+        <p:nvSpPr>
+          <p:cNvPr id="9" name="TextBox 8">
+            <a:extLst>
+              <a:ext uri="{FF2B5EF4-FFF2-40B4-BE49-F238E27FC236}">
+                <a16:creationId xmlns:a16="http://schemas.microsoft.com/office/drawing/2014/main" id="{A7B6BE0D-B0D0-2C7F-93D7-AB33C8659B7F}"/>
+              </a:ext>
+            </a:extLst>
+          </p:cNvPr>
+          <p:cNvSpPr txBox="1"/>
+          <p:nvPr/>
+        </p:nvSpPr>
+        <p:spPr>
+          <a:xfrm>
+            <a:off x="8743295" y="4417358"/>
+            <a:ext cx="1143000" cy="307777"/>
+          </a:xfrm>
+          <a:prstGeom prst="rect">
+            <a:avLst/>
+          </a:prstGeom>
+          <a:solidFill>
+            <a:schemeClr val="accent1">
+              <a:alpha val="32000"/>
+            </a:schemeClr>
+          </a:solidFill>
+          <a:ln>
+            <a:solidFill>
+              <a:schemeClr val="accent1"/>
+            </a:solidFill>
+          </a:ln>
+        </p:spPr>
+        <p:txBody>
+          <a:bodyPr wrap="square" rtlCol="0">
+            <a:spAutoFit/>
+          </a:bodyPr>
+          <a:lstStyle/>
+          <a:p>
+            <a:r>
+              <a:rPr lang="en-US" sz="1400" noProof="1"/>
+              <a:t>RemoteKeys</a:t>
+            </a:r>
+          </a:p>
+        </p:txBody>
+      </p:sp>
+      <p:sp>
+        <p:nvSpPr>
+          <p:cNvPr id="10" name="TextBox 9">
+            <a:extLst>
+              <a:ext uri="{FF2B5EF4-FFF2-40B4-BE49-F238E27FC236}">
+                <a16:creationId xmlns:a16="http://schemas.microsoft.com/office/drawing/2014/main" id="{F5996656-805D-3C1A-A253-41D5FE7FB9DD}"/>
+              </a:ext>
+            </a:extLst>
+          </p:cNvPr>
+          <p:cNvSpPr txBox="1"/>
+          <p:nvPr/>
+        </p:nvSpPr>
+        <p:spPr>
+          <a:xfrm>
+            <a:off x="9727324" y="4782655"/>
+            <a:ext cx="1143000" cy="307777"/>
+          </a:xfrm>
+          <a:prstGeom prst="rect">
+            <a:avLst/>
+          </a:prstGeom>
+          <a:solidFill>
+            <a:schemeClr val="accent1">
+              <a:alpha val="32000"/>
+            </a:schemeClr>
+          </a:solidFill>
+          <a:ln>
+            <a:solidFill>
+              <a:schemeClr val="accent1"/>
+            </a:solidFill>
+          </a:ln>
+        </p:spPr>
+        <p:txBody>
+          <a:bodyPr wrap="square" rtlCol="0">
+            <a:spAutoFit/>
+          </a:bodyPr>
+          <a:lstStyle/>
+          <a:p>
+            <a:r>
+              <a:rPr lang="en-US" sz="1400" noProof="1"/>
+              <a:t>RemoteKeys</a:t>
+            </a:r>
+          </a:p>
+        </p:txBody>
+      </p:sp>
+      <p:sp>
+        <p:nvSpPr>
+          <p:cNvPr id="11" name="TextBox 10">
+            <a:extLst>
+              <a:ext uri="{FF2B5EF4-FFF2-40B4-BE49-F238E27FC236}">
+                <a16:creationId xmlns:a16="http://schemas.microsoft.com/office/drawing/2014/main" id="{8559DB9C-185F-8EE7-4B20-ABCC3284E83F}"/>
+              </a:ext>
+            </a:extLst>
+          </p:cNvPr>
+          <p:cNvSpPr txBox="1"/>
+          <p:nvPr/>
+        </p:nvSpPr>
+        <p:spPr>
+          <a:xfrm>
+            <a:off x="10401300" y="2946293"/>
+            <a:ext cx="1143000" cy="307777"/>
+          </a:xfrm>
+          <a:prstGeom prst="rect">
+            <a:avLst/>
+          </a:prstGeom>
+          <a:solidFill>
+            <a:schemeClr val="accent1">
+              <a:alpha val="32000"/>
+            </a:schemeClr>
+          </a:solidFill>
+          <a:ln>
+            <a:solidFill>
+              <a:schemeClr val="accent1"/>
+            </a:solidFill>
+          </a:ln>
+        </p:spPr>
+        <p:txBody>
+          <a:bodyPr wrap="square" rtlCol="0">
+            <a:spAutoFit/>
+          </a:bodyPr>
+          <a:lstStyle/>
+          <a:p>
+            <a:r>
+              <a:rPr lang="en-US" sz="1400" noProof="1"/>
+              <a:t>RemoteKeys</a:t>
+            </a:r>
+          </a:p>
+        </p:txBody>
+      </p:sp>
+      <p:sp>
+        <p:nvSpPr>
+          <p:cNvPr id="12" name="TextBox 11">
+            <a:extLst>
+              <a:ext uri="{FF2B5EF4-FFF2-40B4-BE49-F238E27FC236}">
+                <a16:creationId xmlns:a16="http://schemas.microsoft.com/office/drawing/2014/main" id="{83F89609-BAD5-4852-13BB-25DEAA8C8857}"/>
+              </a:ext>
+            </a:extLst>
+          </p:cNvPr>
+          <p:cNvSpPr txBox="1"/>
+          <p:nvPr/>
+        </p:nvSpPr>
+        <p:spPr>
+          <a:xfrm>
+            <a:off x="9865272" y="2155828"/>
+            <a:ext cx="1143000" cy="307777"/>
+          </a:xfrm>
+          <a:prstGeom prst="rect">
+            <a:avLst/>
+          </a:prstGeom>
+          <a:solidFill>
+            <a:schemeClr val="accent1">
+              <a:alpha val="32000"/>
+            </a:schemeClr>
+          </a:solidFill>
+          <a:ln>
+            <a:solidFill>
+              <a:schemeClr val="accent1"/>
+            </a:solidFill>
+          </a:ln>
+        </p:spPr>
+        <p:txBody>
+          <a:bodyPr wrap="square" rtlCol="0">
+            <a:spAutoFit/>
+          </a:bodyPr>
+          <a:lstStyle/>
+          <a:p>
+            <a:r>
+              <a:rPr lang="en-US" sz="1400" noProof="1"/>
+              <a:t>RemoteKeys</a:t>
+            </a:r>
+          </a:p>
+        </p:txBody>
+      </p:sp>
+      <p:sp>
+        <p:nvSpPr>
+          <p:cNvPr id="13" name="TextBox 12">
+            <a:extLst>
+              <a:ext uri="{FF2B5EF4-FFF2-40B4-BE49-F238E27FC236}">
+                <a16:creationId xmlns:a16="http://schemas.microsoft.com/office/drawing/2014/main" id="{ADC2004B-DA6D-71D0-8A32-AE7CA83C4290}"/>
+              </a:ext>
+            </a:extLst>
+          </p:cNvPr>
+          <p:cNvSpPr txBox="1"/>
+          <p:nvPr/>
+        </p:nvSpPr>
+        <p:spPr>
+          <a:xfrm>
+            <a:off x="9485586" y="2566442"/>
+            <a:ext cx="1143000" cy="307777"/>
+          </a:xfrm>
+          <a:prstGeom prst="rect">
+            <a:avLst/>
+          </a:prstGeom>
+          <a:solidFill>
+            <a:schemeClr val="accent1">
+              <a:alpha val="32000"/>
+            </a:schemeClr>
+          </a:solidFill>
+          <a:ln>
+            <a:solidFill>
+              <a:schemeClr val="accent1"/>
+            </a:solidFill>
+          </a:ln>
+        </p:spPr>
+        <p:txBody>
+          <a:bodyPr wrap="square" rtlCol="0">
+            <a:spAutoFit/>
+          </a:bodyPr>
+          <a:lstStyle/>
+          <a:p>
+            <a:r>
+              <a:rPr lang="en-US" sz="1400" noProof="1"/>
+              <a:t>RemoteKeys</a:t>
+            </a:r>
+          </a:p>
+        </p:txBody>
+      </p:sp>
+      <p:sp>
+        <p:nvSpPr>
+          <p:cNvPr id="14" name="TextBox 13">
+            <a:extLst>
+              <a:ext uri="{FF2B5EF4-FFF2-40B4-BE49-F238E27FC236}">
+                <a16:creationId xmlns:a16="http://schemas.microsoft.com/office/drawing/2014/main" id="{9DB9AC55-33C6-2D51-EA88-3AA49D22938F}"/>
+              </a:ext>
+            </a:extLst>
+          </p:cNvPr>
+          <p:cNvSpPr txBox="1"/>
+          <p:nvPr/>
+        </p:nvSpPr>
+        <p:spPr>
+          <a:xfrm>
+            <a:off x="8764312" y="3680007"/>
+            <a:ext cx="1143000" cy="307777"/>
+          </a:xfrm>
+          <a:prstGeom prst="rect">
+            <a:avLst/>
+          </a:prstGeom>
+          <a:solidFill>
+            <a:schemeClr val="accent1">
+              <a:alpha val="32000"/>
+            </a:schemeClr>
+          </a:solidFill>
+          <a:ln>
+            <a:solidFill>
+              <a:schemeClr val="accent1"/>
+            </a:solidFill>
+          </a:ln>
+        </p:spPr>
+        <p:txBody>
+          <a:bodyPr wrap="square" rtlCol="0">
+            <a:spAutoFit/>
+          </a:bodyPr>
+          <a:lstStyle/>
+          <a:p>
+            <a:r>
+              <a:rPr lang="en-US" sz="1400" noProof="1"/>
+              <a:t>RemoteKeys</a:t>
             </a:r>
           </a:p>
         </p:txBody>
@@ -15041,7 +15752,7 @@
     </p:spTree>
     <p:extLst>
       <p:ext uri="{BB962C8B-B14F-4D97-AF65-F5344CB8AC3E}">
-        <p14:creationId xmlns:p14="http://schemas.microsoft.com/office/powerpoint/2010/main" val="1878279292"/>
+        <p14:creationId xmlns:p14="http://schemas.microsoft.com/office/powerpoint/2010/main" val="2092147048"/>
       </p:ext>
     </p:extLst>
   </p:cSld>
@@ -15068,6 +15779,1022 @@
           <a:chExt cx="0" cy="0"/>
         </a:xfrm>
       </p:grpSpPr>
+      <p:sp>
+        <p:nvSpPr>
+          <p:cNvPr id="2" name="Title 1">
+            <a:extLst>
+              <a:ext uri="{FF2B5EF4-FFF2-40B4-BE49-F238E27FC236}">
+                <a16:creationId xmlns:a16="http://schemas.microsoft.com/office/drawing/2014/main" id="{5EBCFA60-C87B-4FE3-EF05-A4AD08BA5E70}"/>
+              </a:ext>
+            </a:extLst>
+          </p:cNvPr>
+          <p:cNvSpPr>
+            <a:spLocks noGrp="1"/>
+          </p:cNvSpPr>
+          <p:nvPr>
+            <p:ph type="title"/>
+          </p:nvPr>
+        </p:nvSpPr>
+        <p:spPr/>
+        <p:txBody>
+          <a:bodyPr/>
+          <a:lstStyle/>
+          <a:p>
+            <a:r>
+              <a:rPr lang="en-US" dirty="0" err="1"/>
+              <a:t>TransportManagerFeature</a:t>
+            </a:r>
+            <a:endParaRPr lang="en-US" dirty="0"/>
+          </a:p>
+        </p:txBody>
+      </p:sp>
+      <p:sp>
+        <p:nvSpPr>
+          <p:cNvPr id="3" name="Content Placeholder 2">
+            <a:extLst>
+              <a:ext uri="{FF2B5EF4-FFF2-40B4-BE49-F238E27FC236}">
+                <a16:creationId xmlns:a16="http://schemas.microsoft.com/office/drawing/2014/main" id="{A66F53C4-7018-24F4-0D95-F239C1AB727A}"/>
+              </a:ext>
+            </a:extLst>
+          </p:cNvPr>
+          <p:cNvSpPr>
+            <a:spLocks noGrp="1"/>
+          </p:cNvSpPr>
+          <p:nvPr>
+            <p:ph idx="1"/>
+          </p:nvPr>
+        </p:nvSpPr>
+        <p:spPr>
+          <a:xfrm>
+            <a:off x="838200" y="1825625"/>
+            <a:ext cx="5091844" cy="4351338"/>
+          </a:xfrm>
+        </p:spPr>
+        <p:txBody>
+          <a:bodyPr/>
+          <a:lstStyle/>
+          <a:p>
+            <a:r>
+              <a:rPr lang="en-US" dirty="0" err="1"/>
+              <a:t>TransportManagerFeature</a:t>
+            </a:r>
+            <a:endParaRPr lang="en-US" dirty="0"/>
+          </a:p>
+          <a:p>
+            <a:pPr lvl="1"/>
+            <a:r>
+              <a:rPr lang="en-US" dirty="0"/>
+              <a:t>Available on the root </a:t>
+            </a:r>
+            <a:r>
+              <a:rPr lang="en-US" dirty="0" err="1"/>
+              <a:t>ApplicationIdentityService</a:t>
+            </a:r>
+            <a:r>
+              <a:rPr lang="en-US" dirty="0"/>
+              <a:t>.</a:t>
+            </a:r>
+          </a:p>
+          <a:p>
+            <a:pPr lvl="1"/>
+            <a:r>
+              <a:rPr lang="en-US" dirty="0"/>
+              <a:t>Centralizes transport events for all remote’s </a:t>
+            </a:r>
+            <a:r>
+              <a:rPr lang="en-US" dirty="0" err="1"/>
+              <a:t>TransportFeatures</a:t>
+            </a:r>
+            <a:r>
+              <a:rPr lang="en-US" dirty="0"/>
+              <a:t>.</a:t>
+            </a:r>
+          </a:p>
+          <a:p>
+            <a:r>
+              <a:rPr lang="en-US" dirty="0" err="1"/>
+              <a:t>TransportFeature</a:t>
+            </a:r>
+            <a:endParaRPr lang="en-US" dirty="0"/>
+          </a:p>
+          <a:p>
+            <a:pPr lvl="1"/>
+            <a:r>
+              <a:rPr lang="en-US" dirty="0"/>
+              <a:t>Decorates all Remote that are not “External” and have </a:t>
+            </a:r>
+            <a:r>
+              <a:rPr lang="en-US" dirty="0" err="1"/>
+              <a:t>RemoteKeys</a:t>
+            </a:r>
+            <a:r>
+              <a:rPr lang="en-US" dirty="0"/>
+              <a:t>.</a:t>
+            </a:r>
+          </a:p>
+        </p:txBody>
+      </p:sp>
+      <p:sp>
+        <p:nvSpPr>
+          <p:cNvPr id="5" name="Content Placeholder 2">
+            <a:extLst>
+              <a:ext uri="{FF2B5EF4-FFF2-40B4-BE49-F238E27FC236}">
+                <a16:creationId xmlns:a16="http://schemas.microsoft.com/office/drawing/2014/main" id="{77AD1A11-8972-C3BA-8D92-BE9CD89EB44C}"/>
+              </a:ext>
+            </a:extLst>
+          </p:cNvPr>
+          <p:cNvSpPr txBox="1">
+            <a:spLocks/>
+          </p:cNvSpPr>
+          <p:nvPr/>
+        </p:nvSpPr>
+        <p:spPr>
+          <a:xfrm>
+            <a:off x="6096000" y="1690688"/>
+            <a:ext cx="5927303" cy="3546639"/>
+          </a:xfrm>
+          <a:prstGeom prst="rect">
+            <a:avLst/>
+          </a:prstGeom>
+        </p:spPr>
+        <p:txBody>
+          <a:bodyPr vert="horz" lIns="91440" tIns="45720" rIns="91440" bIns="45720" rtlCol="0">
+            <a:normAutofit/>
+          </a:bodyPr>
+          <a:lstStyle>
+            <a:lvl1pPr marL="228600" indent="-228600" algn="l" defTabSz="914400" rtl="0" eaLnBrk="1" latinLnBrk="0" hangingPunct="1">
+              <a:lnSpc>
+                <a:spcPct val="90000"/>
+              </a:lnSpc>
+              <a:spcBef>
+                <a:spcPts val="1000"/>
+              </a:spcBef>
+              <a:buFont typeface="Arial" panose="020B0604020202020204" pitchFamily="34" charset="0"/>
+              <a:buChar char="•"/>
+              <a:defRPr sz="2800" kern="1200">
+                <a:solidFill>
+                  <a:schemeClr val="tx1"/>
+                </a:solidFill>
+                <a:latin typeface="+mn-lt"/>
+                <a:ea typeface="+mn-ea"/>
+                <a:cs typeface="+mn-cs"/>
+              </a:defRPr>
+            </a:lvl1pPr>
+            <a:lvl2pPr marL="685800" indent="-228600" algn="l" defTabSz="914400" rtl="0" eaLnBrk="1" latinLnBrk="0" hangingPunct="1">
+              <a:lnSpc>
+                <a:spcPct val="90000"/>
+              </a:lnSpc>
+              <a:spcBef>
+                <a:spcPts val="500"/>
+              </a:spcBef>
+              <a:buFont typeface="Arial" panose="020B0604020202020204" pitchFamily="34" charset="0"/>
+              <a:buChar char="•"/>
+              <a:defRPr sz="2400" kern="1200">
+                <a:solidFill>
+                  <a:schemeClr val="tx1"/>
+                </a:solidFill>
+                <a:latin typeface="+mn-lt"/>
+                <a:ea typeface="+mn-ea"/>
+                <a:cs typeface="+mn-cs"/>
+              </a:defRPr>
+            </a:lvl2pPr>
+            <a:lvl3pPr marL="1143000" indent="-228600" algn="l" defTabSz="914400" rtl="0" eaLnBrk="1" latinLnBrk="0" hangingPunct="1">
+              <a:lnSpc>
+                <a:spcPct val="90000"/>
+              </a:lnSpc>
+              <a:spcBef>
+                <a:spcPts val="500"/>
+              </a:spcBef>
+              <a:buFont typeface="Arial" panose="020B0604020202020204" pitchFamily="34" charset="0"/>
+              <a:buChar char="•"/>
+              <a:defRPr sz="2000" kern="1200">
+                <a:solidFill>
+                  <a:schemeClr val="tx1"/>
+                </a:solidFill>
+                <a:latin typeface="+mn-lt"/>
+                <a:ea typeface="+mn-ea"/>
+                <a:cs typeface="+mn-cs"/>
+              </a:defRPr>
+            </a:lvl3pPr>
+            <a:lvl4pPr marL="1600200" indent="-228600" algn="l" defTabSz="914400" rtl="0" eaLnBrk="1" latinLnBrk="0" hangingPunct="1">
+              <a:lnSpc>
+                <a:spcPct val="90000"/>
+              </a:lnSpc>
+              <a:spcBef>
+                <a:spcPts val="500"/>
+              </a:spcBef>
+              <a:buFont typeface="Arial" panose="020B0604020202020204" pitchFamily="34" charset="0"/>
+              <a:buChar char="•"/>
+              <a:defRPr sz="1800" kern="1200">
+                <a:solidFill>
+                  <a:schemeClr val="tx1"/>
+                </a:solidFill>
+                <a:latin typeface="+mn-lt"/>
+                <a:ea typeface="+mn-ea"/>
+                <a:cs typeface="+mn-cs"/>
+              </a:defRPr>
+            </a:lvl4pPr>
+            <a:lvl5pPr marL="2057400" indent="-228600" algn="l" defTabSz="914400" rtl="0" eaLnBrk="1" latinLnBrk="0" hangingPunct="1">
+              <a:lnSpc>
+                <a:spcPct val="90000"/>
+              </a:lnSpc>
+              <a:spcBef>
+                <a:spcPts val="500"/>
+              </a:spcBef>
+              <a:buFont typeface="Arial" panose="020B0604020202020204" pitchFamily="34" charset="0"/>
+              <a:buChar char="•"/>
+              <a:defRPr sz="1800" kern="1200">
+                <a:solidFill>
+                  <a:schemeClr val="tx1"/>
+                </a:solidFill>
+                <a:latin typeface="+mn-lt"/>
+                <a:ea typeface="+mn-ea"/>
+                <a:cs typeface="+mn-cs"/>
+              </a:defRPr>
+            </a:lvl5pPr>
+            <a:lvl6pPr marL="2514600" indent="-228600" algn="l" defTabSz="914400" rtl="0" eaLnBrk="1" latinLnBrk="0" hangingPunct="1">
+              <a:lnSpc>
+                <a:spcPct val="90000"/>
+              </a:lnSpc>
+              <a:spcBef>
+                <a:spcPts val="500"/>
+              </a:spcBef>
+              <a:buFont typeface="Arial" panose="020B0604020202020204" pitchFamily="34" charset="0"/>
+              <a:buChar char="•"/>
+              <a:defRPr sz="1800" kern="1200">
+                <a:solidFill>
+                  <a:schemeClr val="tx1"/>
+                </a:solidFill>
+                <a:latin typeface="+mn-lt"/>
+                <a:ea typeface="+mn-ea"/>
+                <a:cs typeface="+mn-cs"/>
+              </a:defRPr>
+            </a:lvl6pPr>
+            <a:lvl7pPr marL="2971800" indent="-228600" algn="l" defTabSz="914400" rtl="0" eaLnBrk="1" latinLnBrk="0" hangingPunct="1">
+              <a:lnSpc>
+                <a:spcPct val="90000"/>
+              </a:lnSpc>
+              <a:spcBef>
+                <a:spcPts val="500"/>
+              </a:spcBef>
+              <a:buFont typeface="Arial" panose="020B0604020202020204" pitchFamily="34" charset="0"/>
+              <a:buChar char="•"/>
+              <a:defRPr sz="1800" kern="1200">
+                <a:solidFill>
+                  <a:schemeClr val="tx1"/>
+                </a:solidFill>
+                <a:latin typeface="+mn-lt"/>
+                <a:ea typeface="+mn-ea"/>
+                <a:cs typeface="+mn-cs"/>
+              </a:defRPr>
+            </a:lvl7pPr>
+            <a:lvl8pPr marL="3429000" indent="-228600" algn="l" defTabSz="914400" rtl="0" eaLnBrk="1" latinLnBrk="0" hangingPunct="1">
+              <a:lnSpc>
+                <a:spcPct val="90000"/>
+              </a:lnSpc>
+              <a:spcBef>
+                <a:spcPts val="500"/>
+              </a:spcBef>
+              <a:buFont typeface="Arial" panose="020B0604020202020204" pitchFamily="34" charset="0"/>
+              <a:buChar char="•"/>
+              <a:defRPr sz="1800" kern="1200">
+                <a:solidFill>
+                  <a:schemeClr val="tx1"/>
+                </a:solidFill>
+                <a:latin typeface="+mn-lt"/>
+                <a:ea typeface="+mn-ea"/>
+                <a:cs typeface="+mn-cs"/>
+              </a:defRPr>
+            </a:lvl8pPr>
+            <a:lvl9pPr marL="3886200" indent="-228600" algn="l" defTabSz="914400" rtl="0" eaLnBrk="1" latinLnBrk="0" hangingPunct="1">
+              <a:lnSpc>
+                <a:spcPct val="90000"/>
+              </a:lnSpc>
+              <a:spcBef>
+                <a:spcPts val="500"/>
+              </a:spcBef>
+              <a:buFont typeface="Arial" panose="020B0604020202020204" pitchFamily="34" charset="0"/>
+              <a:buChar char="•"/>
+              <a:defRPr sz="1800" kern="1200">
+                <a:solidFill>
+                  <a:schemeClr val="tx1"/>
+                </a:solidFill>
+                <a:latin typeface="+mn-lt"/>
+                <a:ea typeface="+mn-ea"/>
+                <a:cs typeface="+mn-cs"/>
+              </a:defRPr>
+            </a:lvl9pPr>
+          </a:lstStyle>
+          <a:p>
+            <a:r>
+              <a:rPr lang="yo-NG" noProof="1"/>
+              <a:t>Test/$SaasApp</a:t>
+            </a:r>
+          </a:p>
+          <a:p>
+            <a:pPr lvl="1"/>
+            <a:r>
+              <a:rPr lang="yo-NG" noProof="1"/>
+              <a:t>Infra/$LogTower</a:t>
+            </a:r>
+          </a:p>
+          <a:p>
+            <a:pPr lvl="1"/>
+            <a:r>
+              <a:rPr lang="yo-NG" noProof="1"/>
+              <a:t>$SaaSCentral</a:t>
+            </a:r>
+          </a:p>
+          <a:p>
+            <a:pPr lvl="1"/>
+            <a:r>
+              <a:rPr lang="yo-NG" noProof="1"/>
+              <a:t>External/$GoogleApi</a:t>
+            </a:r>
+          </a:p>
+          <a:p>
+            <a:pPr lvl="1"/>
+            <a:r>
+              <a:rPr lang="yo-NG" noProof="1"/>
+              <a:t>Tenant1/$Tenant1</a:t>
+            </a:r>
+          </a:p>
+          <a:p>
+            <a:pPr lvl="2"/>
+            <a:r>
+              <a:rPr lang="yo-NG" noProof="1"/>
+              <a:t>$Box</a:t>
+            </a:r>
+          </a:p>
+          <a:p>
+            <a:pPr lvl="1"/>
+            <a:r>
+              <a:rPr lang="yo-NG" noProof="1"/>
+              <a:t>Tenant2/$Tenant2</a:t>
+            </a:r>
+          </a:p>
+          <a:p>
+            <a:pPr lvl="2"/>
+            <a:r>
+              <a:rPr lang="yo-NG" noProof="1"/>
+              <a:t>$Box</a:t>
+            </a:r>
+          </a:p>
+          <a:p>
+            <a:pPr lvl="2"/>
+            <a:r>
+              <a:rPr lang="yo-NG" noProof="1"/>
+              <a:t>External/$ERP</a:t>
+            </a:r>
+          </a:p>
+        </p:txBody>
+      </p:sp>
+      <p:sp>
+        <p:nvSpPr>
+          <p:cNvPr id="6" name="TextBox 5">
+            <a:extLst>
+              <a:ext uri="{FF2B5EF4-FFF2-40B4-BE49-F238E27FC236}">
+                <a16:creationId xmlns:a16="http://schemas.microsoft.com/office/drawing/2014/main" id="{B18EE871-2F54-1F91-813E-A0F1E9DEAA1A}"/>
+              </a:ext>
+            </a:extLst>
+          </p:cNvPr>
+          <p:cNvSpPr txBox="1"/>
+          <p:nvPr/>
+        </p:nvSpPr>
+        <p:spPr>
+          <a:xfrm>
+            <a:off x="9241222" y="4072798"/>
+            <a:ext cx="882869" cy="307777"/>
+          </a:xfrm>
+          <a:prstGeom prst="rect">
+            <a:avLst/>
+          </a:prstGeom>
+          <a:solidFill>
+            <a:schemeClr val="accent4">
+              <a:alpha val="9000"/>
+            </a:schemeClr>
+          </a:solidFill>
+          <a:ln>
+            <a:solidFill>
+              <a:schemeClr val="accent1"/>
+            </a:solidFill>
+          </a:ln>
+        </p:spPr>
+        <p:txBody>
+          <a:bodyPr wrap="square" rtlCol="0">
+            <a:spAutoFit/>
+          </a:bodyPr>
+          <a:lstStyle/>
+          <a:p>
+            <a:r>
+              <a:rPr lang="en-US" sz="1400" noProof="1"/>
+              <a:t>LocalKeys</a:t>
+            </a:r>
+          </a:p>
+        </p:txBody>
+      </p:sp>
+      <p:sp>
+        <p:nvSpPr>
+          <p:cNvPr id="7" name="TextBox 6">
+            <a:extLst>
+              <a:ext uri="{FF2B5EF4-FFF2-40B4-BE49-F238E27FC236}">
+                <a16:creationId xmlns:a16="http://schemas.microsoft.com/office/drawing/2014/main" id="{A41E2949-47F1-6D77-D814-63CD469FA8E6}"/>
+              </a:ext>
+            </a:extLst>
+          </p:cNvPr>
+          <p:cNvSpPr txBox="1"/>
+          <p:nvPr/>
+        </p:nvSpPr>
+        <p:spPr>
+          <a:xfrm>
+            <a:off x="8636877" y="1762762"/>
+            <a:ext cx="882869" cy="307777"/>
+          </a:xfrm>
+          <a:prstGeom prst="rect">
+            <a:avLst/>
+          </a:prstGeom>
+          <a:solidFill>
+            <a:schemeClr val="accent4">
+              <a:alpha val="9000"/>
+            </a:schemeClr>
+          </a:solidFill>
+          <a:ln>
+            <a:solidFill>
+              <a:schemeClr val="accent1"/>
+            </a:solidFill>
+          </a:ln>
+        </p:spPr>
+        <p:txBody>
+          <a:bodyPr wrap="square" rtlCol="0">
+            <a:spAutoFit/>
+          </a:bodyPr>
+          <a:lstStyle/>
+          <a:p>
+            <a:r>
+              <a:rPr lang="en-US" sz="1400" noProof="1"/>
+              <a:t>LocalKeys</a:t>
+            </a:r>
+          </a:p>
+        </p:txBody>
+      </p:sp>
+      <p:sp>
+        <p:nvSpPr>
+          <p:cNvPr id="8" name="TextBox 7">
+            <a:extLst>
+              <a:ext uri="{FF2B5EF4-FFF2-40B4-BE49-F238E27FC236}">
+                <a16:creationId xmlns:a16="http://schemas.microsoft.com/office/drawing/2014/main" id="{7C007DFE-00A0-DB4D-F56E-0F2B221F9A95}"/>
+              </a:ext>
+            </a:extLst>
+          </p:cNvPr>
+          <p:cNvSpPr txBox="1"/>
+          <p:nvPr/>
+        </p:nvSpPr>
+        <p:spPr>
+          <a:xfrm>
+            <a:off x="9241222" y="3373161"/>
+            <a:ext cx="882869" cy="307777"/>
+          </a:xfrm>
+          <a:prstGeom prst="rect">
+            <a:avLst/>
+          </a:prstGeom>
+          <a:solidFill>
+            <a:schemeClr val="accent4">
+              <a:alpha val="9000"/>
+            </a:schemeClr>
+          </a:solidFill>
+          <a:ln>
+            <a:solidFill>
+              <a:schemeClr val="accent1"/>
+            </a:solidFill>
+          </a:ln>
+        </p:spPr>
+        <p:txBody>
+          <a:bodyPr wrap="square" rtlCol="0">
+            <a:spAutoFit/>
+          </a:bodyPr>
+          <a:lstStyle/>
+          <a:p>
+            <a:r>
+              <a:rPr lang="en-US" sz="1400" noProof="1"/>
+              <a:t>LocalKeys</a:t>
+            </a:r>
+          </a:p>
+        </p:txBody>
+      </p:sp>
+      <p:sp>
+        <p:nvSpPr>
+          <p:cNvPr id="9" name="TextBox 8">
+            <a:extLst>
+              <a:ext uri="{FF2B5EF4-FFF2-40B4-BE49-F238E27FC236}">
+                <a16:creationId xmlns:a16="http://schemas.microsoft.com/office/drawing/2014/main" id="{D154C426-21CE-4381-E4F1-9BBFFC88D596}"/>
+              </a:ext>
+            </a:extLst>
+          </p:cNvPr>
+          <p:cNvSpPr txBox="1"/>
+          <p:nvPr/>
+        </p:nvSpPr>
+        <p:spPr>
+          <a:xfrm>
+            <a:off x="7894586" y="4452366"/>
+            <a:ext cx="1143000" cy="307777"/>
+          </a:xfrm>
+          <a:prstGeom prst="rect">
+            <a:avLst/>
+          </a:prstGeom>
+          <a:solidFill>
+            <a:schemeClr val="accent1">
+              <a:alpha val="9000"/>
+            </a:schemeClr>
+          </a:solidFill>
+          <a:ln>
+            <a:solidFill>
+              <a:schemeClr val="accent1"/>
+            </a:solidFill>
+          </a:ln>
+        </p:spPr>
+        <p:txBody>
+          <a:bodyPr wrap="square" rtlCol="0">
+            <a:spAutoFit/>
+          </a:bodyPr>
+          <a:lstStyle/>
+          <a:p>
+            <a:r>
+              <a:rPr lang="en-US" sz="1400" noProof="1"/>
+              <a:t>RemoteKeys</a:t>
+            </a:r>
+          </a:p>
+        </p:txBody>
+      </p:sp>
+      <p:sp>
+        <p:nvSpPr>
+          <p:cNvPr id="10" name="TextBox 9">
+            <a:extLst>
+              <a:ext uri="{FF2B5EF4-FFF2-40B4-BE49-F238E27FC236}">
+                <a16:creationId xmlns:a16="http://schemas.microsoft.com/office/drawing/2014/main" id="{2E1E9344-7B12-7B42-363D-80F6F85AADCA}"/>
+              </a:ext>
+            </a:extLst>
+          </p:cNvPr>
+          <p:cNvSpPr txBox="1"/>
+          <p:nvPr/>
+        </p:nvSpPr>
+        <p:spPr>
+          <a:xfrm>
+            <a:off x="8878615" y="4817663"/>
+            <a:ext cx="1143000" cy="307777"/>
+          </a:xfrm>
+          <a:prstGeom prst="rect">
+            <a:avLst/>
+          </a:prstGeom>
+          <a:solidFill>
+            <a:schemeClr val="accent1">
+              <a:alpha val="9000"/>
+            </a:schemeClr>
+          </a:solidFill>
+          <a:ln>
+            <a:solidFill>
+              <a:schemeClr val="accent1"/>
+            </a:solidFill>
+          </a:ln>
+        </p:spPr>
+        <p:txBody>
+          <a:bodyPr wrap="square" rtlCol="0">
+            <a:spAutoFit/>
+          </a:bodyPr>
+          <a:lstStyle/>
+          <a:p>
+            <a:r>
+              <a:rPr lang="en-US" sz="1400" noProof="1"/>
+              <a:t>RemoteKeys</a:t>
+            </a:r>
+          </a:p>
+        </p:txBody>
+      </p:sp>
+      <p:sp>
+        <p:nvSpPr>
+          <p:cNvPr id="11" name="TextBox 10">
+            <a:extLst>
+              <a:ext uri="{FF2B5EF4-FFF2-40B4-BE49-F238E27FC236}">
+                <a16:creationId xmlns:a16="http://schemas.microsoft.com/office/drawing/2014/main" id="{0CB1C36A-A7A1-28E7-0F41-602DE9983696}"/>
+              </a:ext>
+            </a:extLst>
+          </p:cNvPr>
+          <p:cNvSpPr txBox="1"/>
+          <p:nvPr/>
+        </p:nvSpPr>
+        <p:spPr>
+          <a:xfrm>
+            <a:off x="9552591" y="2981301"/>
+            <a:ext cx="1143000" cy="307777"/>
+          </a:xfrm>
+          <a:prstGeom prst="rect">
+            <a:avLst/>
+          </a:prstGeom>
+          <a:solidFill>
+            <a:schemeClr val="accent1">
+              <a:alpha val="9000"/>
+            </a:schemeClr>
+          </a:solidFill>
+          <a:ln>
+            <a:solidFill>
+              <a:schemeClr val="accent1"/>
+            </a:solidFill>
+          </a:ln>
+        </p:spPr>
+        <p:txBody>
+          <a:bodyPr wrap="square" rtlCol="0">
+            <a:spAutoFit/>
+          </a:bodyPr>
+          <a:lstStyle/>
+          <a:p>
+            <a:r>
+              <a:rPr lang="en-US" sz="1400" noProof="1"/>
+              <a:t>RemoteKeys</a:t>
+            </a:r>
+          </a:p>
+        </p:txBody>
+      </p:sp>
+      <p:sp>
+        <p:nvSpPr>
+          <p:cNvPr id="12" name="TextBox 11">
+            <a:extLst>
+              <a:ext uri="{FF2B5EF4-FFF2-40B4-BE49-F238E27FC236}">
+                <a16:creationId xmlns:a16="http://schemas.microsoft.com/office/drawing/2014/main" id="{6EDA3055-6045-12B0-5C16-7F6D1A47D7F3}"/>
+              </a:ext>
+            </a:extLst>
+          </p:cNvPr>
+          <p:cNvSpPr txBox="1"/>
+          <p:nvPr/>
+        </p:nvSpPr>
+        <p:spPr>
+          <a:xfrm>
+            <a:off x="9016563" y="2190836"/>
+            <a:ext cx="1143000" cy="307777"/>
+          </a:xfrm>
+          <a:prstGeom prst="rect">
+            <a:avLst/>
+          </a:prstGeom>
+          <a:solidFill>
+            <a:schemeClr val="accent1">
+              <a:alpha val="9000"/>
+            </a:schemeClr>
+          </a:solidFill>
+          <a:ln>
+            <a:solidFill>
+              <a:schemeClr val="accent1"/>
+            </a:solidFill>
+          </a:ln>
+        </p:spPr>
+        <p:txBody>
+          <a:bodyPr wrap="square" rtlCol="0">
+            <a:spAutoFit/>
+          </a:bodyPr>
+          <a:lstStyle/>
+          <a:p>
+            <a:r>
+              <a:rPr lang="en-US" sz="1400" noProof="1"/>
+              <a:t>RemoteKeys</a:t>
+            </a:r>
+          </a:p>
+        </p:txBody>
+      </p:sp>
+      <p:sp>
+        <p:nvSpPr>
+          <p:cNvPr id="13" name="TextBox 12">
+            <a:extLst>
+              <a:ext uri="{FF2B5EF4-FFF2-40B4-BE49-F238E27FC236}">
+                <a16:creationId xmlns:a16="http://schemas.microsoft.com/office/drawing/2014/main" id="{9E39E6EA-AD86-CB31-5B98-5E2E8ABBAC0E}"/>
+              </a:ext>
+            </a:extLst>
+          </p:cNvPr>
+          <p:cNvSpPr txBox="1"/>
+          <p:nvPr/>
+        </p:nvSpPr>
+        <p:spPr>
+          <a:xfrm>
+            <a:off x="8636877" y="2601450"/>
+            <a:ext cx="1143000" cy="307777"/>
+          </a:xfrm>
+          <a:prstGeom prst="rect">
+            <a:avLst/>
+          </a:prstGeom>
+          <a:solidFill>
+            <a:schemeClr val="accent1">
+              <a:alpha val="9000"/>
+            </a:schemeClr>
+          </a:solidFill>
+          <a:ln>
+            <a:solidFill>
+              <a:schemeClr val="accent1"/>
+            </a:solidFill>
+          </a:ln>
+        </p:spPr>
+        <p:txBody>
+          <a:bodyPr wrap="square" rtlCol="0">
+            <a:spAutoFit/>
+          </a:bodyPr>
+          <a:lstStyle/>
+          <a:p>
+            <a:r>
+              <a:rPr lang="en-US" sz="1400" noProof="1"/>
+              <a:t>RemoteKeys</a:t>
+            </a:r>
+          </a:p>
+        </p:txBody>
+      </p:sp>
+      <p:sp>
+        <p:nvSpPr>
+          <p:cNvPr id="14" name="TextBox 13">
+            <a:extLst>
+              <a:ext uri="{FF2B5EF4-FFF2-40B4-BE49-F238E27FC236}">
+                <a16:creationId xmlns:a16="http://schemas.microsoft.com/office/drawing/2014/main" id="{B5C25BED-0FDB-EAB8-9081-9001AD005575}"/>
+              </a:ext>
+            </a:extLst>
+          </p:cNvPr>
+          <p:cNvSpPr txBox="1"/>
+          <p:nvPr/>
+        </p:nvSpPr>
+        <p:spPr>
+          <a:xfrm>
+            <a:off x="7915603" y="3715015"/>
+            <a:ext cx="1143000" cy="307777"/>
+          </a:xfrm>
+          <a:prstGeom prst="rect">
+            <a:avLst/>
+          </a:prstGeom>
+          <a:solidFill>
+            <a:schemeClr val="accent1">
+              <a:alpha val="9000"/>
+            </a:schemeClr>
+          </a:solidFill>
+          <a:ln>
+            <a:solidFill>
+              <a:schemeClr val="accent1"/>
+            </a:solidFill>
+          </a:ln>
+        </p:spPr>
+        <p:txBody>
+          <a:bodyPr wrap="square" rtlCol="0">
+            <a:spAutoFit/>
+          </a:bodyPr>
+          <a:lstStyle/>
+          <a:p>
+            <a:r>
+              <a:rPr lang="en-US" sz="1400" noProof="1"/>
+              <a:t>RemoteKeys</a:t>
+            </a:r>
+          </a:p>
+        </p:txBody>
+      </p:sp>
+      <p:sp>
+        <p:nvSpPr>
+          <p:cNvPr id="15" name="TextBox 14">
+            <a:extLst>
+              <a:ext uri="{FF2B5EF4-FFF2-40B4-BE49-F238E27FC236}">
+                <a16:creationId xmlns:a16="http://schemas.microsoft.com/office/drawing/2014/main" id="{CC3A0BE0-8B62-B4FA-7672-85708DB6831F}"/>
+              </a:ext>
+            </a:extLst>
+          </p:cNvPr>
+          <p:cNvSpPr txBox="1"/>
+          <p:nvPr/>
+        </p:nvSpPr>
+        <p:spPr>
+          <a:xfrm>
+            <a:off x="9595297" y="1765499"/>
+            <a:ext cx="2207123" cy="307777"/>
+          </a:xfrm>
+          <a:prstGeom prst="rect">
+            <a:avLst/>
+          </a:prstGeom>
+          <a:solidFill>
+            <a:schemeClr val="accent2">
+              <a:alpha val="32000"/>
+            </a:schemeClr>
+          </a:solidFill>
+          <a:ln>
+            <a:solidFill>
+              <a:schemeClr val="accent1"/>
+            </a:solidFill>
+          </a:ln>
+        </p:spPr>
+        <p:txBody>
+          <a:bodyPr wrap="square" rtlCol="0">
+            <a:spAutoFit/>
+          </a:bodyPr>
+          <a:lstStyle/>
+          <a:p>
+            <a:r>
+              <a:rPr lang="en-US" sz="1400" noProof="1"/>
+              <a:t>TransportManagerFeature</a:t>
+            </a:r>
+          </a:p>
+        </p:txBody>
+      </p:sp>
+      <p:sp>
+        <p:nvSpPr>
+          <p:cNvPr id="16" name="TextBox 15">
+            <a:extLst>
+              <a:ext uri="{FF2B5EF4-FFF2-40B4-BE49-F238E27FC236}">
+                <a16:creationId xmlns:a16="http://schemas.microsoft.com/office/drawing/2014/main" id="{99CEA702-DE60-1680-FE6C-0A3BFD847D83}"/>
+              </a:ext>
+            </a:extLst>
+          </p:cNvPr>
+          <p:cNvSpPr txBox="1"/>
+          <p:nvPr/>
+        </p:nvSpPr>
+        <p:spPr>
+          <a:xfrm>
+            <a:off x="10338048" y="2197582"/>
+            <a:ext cx="1464372" cy="307777"/>
+          </a:xfrm>
+          <a:prstGeom prst="rect">
+            <a:avLst/>
+          </a:prstGeom>
+          <a:solidFill>
+            <a:schemeClr val="accent5">
+              <a:alpha val="32000"/>
+            </a:schemeClr>
+          </a:solidFill>
+          <a:ln>
+            <a:solidFill>
+              <a:schemeClr val="accent1"/>
+            </a:solidFill>
+          </a:ln>
+        </p:spPr>
+        <p:txBody>
+          <a:bodyPr wrap="square" rtlCol="0">
+            <a:spAutoFit/>
+          </a:bodyPr>
+          <a:lstStyle/>
+          <a:p>
+            <a:r>
+              <a:rPr lang="en-US" sz="1400" noProof="1"/>
+              <a:t>TransportFeature</a:t>
+            </a:r>
+          </a:p>
+        </p:txBody>
+      </p:sp>
+      <p:sp>
+        <p:nvSpPr>
+          <p:cNvPr id="17" name="TextBox 16">
+            <a:extLst>
+              <a:ext uri="{FF2B5EF4-FFF2-40B4-BE49-F238E27FC236}">
+                <a16:creationId xmlns:a16="http://schemas.microsoft.com/office/drawing/2014/main" id="{BFECB78E-421D-85A0-614D-2FC8AABF4E9D}"/>
+              </a:ext>
+            </a:extLst>
+          </p:cNvPr>
+          <p:cNvSpPr txBox="1"/>
+          <p:nvPr/>
+        </p:nvSpPr>
+        <p:spPr>
+          <a:xfrm>
+            <a:off x="10338048" y="2603446"/>
+            <a:ext cx="1464372" cy="307777"/>
+          </a:xfrm>
+          <a:prstGeom prst="rect">
+            <a:avLst/>
+          </a:prstGeom>
+          <a:solidFill>
+            <a:schemeClr val="accent5">
+              <a:alpha val="32000"/>
+            </a:schemeClr>
+          </a:solidFill>
+          <a:ln>
+            <a:solidFill>
+              <a:schemeClr val="accent1"/>
+            </a:solidFill>
+          </a:ln>
+        </p:spPr>
+        <p:txBody>
+          <a:bodyPr wrap="square" rtlCol="0">
+            <a:spAutoFit/>
+          </a:bodyPr>
+          <a:lstStyle/>
+          <a:p>
+            <a:r>
+              <a:rPr lang="en-US" sz="1400" noProof="1"/>
+              <a:t>TransportFeature</a:t>
+            </a:r>
+          </a:p>
+        </p:txBody>
+      </p:sp>
+      <p:sp>
+        <p:nvSpPr>
+          <p:cNvPr id="19" name="TextBox 18">
+            <a:extLst>
+              <a:ext uri="{FF2B5EF4-FFF2-40B4-BE49-F238E27FC236}">
+                <a16:creationId xmlns:a16="http://schemas.microsoft.com/office/drawing/2014/main" id="{8E561619-E0E4-BBE9-B868-AE67BEB02A96}"/>
+              </a:ext>
+            </a:extLst>
+          </p:cNvPr>
+          <p:cNvSpPr txBox="1"/>
+          <p:nvPr/>
+        </p:nvSpPr>
+        <p:spPr>
+          <a:xfrm>
+            <a:off x="10338048" y="3714884"/>
+            <a:ext cx="1464372" cy="307777"/>
+          </a:xfrm>
+          <a:prstGeom prst="rect">
+            <a:avLst/>
+          </a:prstGeom>
+          <a:solidFill>
+            <a:schemeClr val="accent5">
+              <a:alpha val="32000"/>
+            </a:schemeClr>
+          </a:solidFill>
+          <a:ln>
+            <a:solidFill>
+              <a:schemeClr val="accent1"/>
+            </a:solidFill>
+          </a:ln>
+        </p:spPr>
+        <p:txBody>
+          <a:bodyPr wrap="square" rtlCol="0">
+            <a:spAutoFit/>
+          </a:bodyPr>
+          <a:lstStyle/>
+          <a:p>
+            <a:r>
+              <a:rPr lang="en-US" sz="1400" noProof="1"/>
+              <a:t>TransportFeature</a:t>
+            </a:r>
+          </a:p>
+        </p:txBody>
+      </p:sp>
+      <p:sp>
+        <p:nvSpPr>
+          <p:cNvPr id="20" name="TextBox 19">
+            <a:extLst>
+              <a:ext uri="{FF2B5EF4-FFF2-40B4-BE49-F238E27FC236}">
+                <a16:creationId xmlns:a16="http://schemas.microsoft.com/office/drawing/2014/main" id="{3A9A5D5A-28AF-65CF-6723-1233F9D3C4A0}"/>
+              </a:ext>
+            </a:extLst>
+          </p:cNvPr>
+          <p:cNvSpPr txBox="1"/>
+          <p:nvPr/>
+        </p:nvSpPr>
+        <p:spPr>
+          <a:xfrm>
+            <a:off x="10338048" y="4445230"/>
+            <a:ext cx="1464372" cy="307777"/>
+          </a:xfrm>
+          <a:prstGeom prst="rect">
+            <a:avLst/>
+          </a:prstGeom>
+          <a:solidFill>
+            <a:schemeClr val="accent5">
+              <a:alpha val="32000"/>
+            </a:schemeClr>
+          </a:solidFill>
+          <a:ln>
+            <a:solidFill>
+              <a:schemeClr val="accent1"/>
+            </a:solidFill>
+          </a:ln>
+        </p:spPr>
+        <p:txBody>
+          <a:bodyPr wrap="square" rtlCol="0">
+            <a:spAutoFit/>
+          </a:bodyPr>
+          <a:lstStyle/>
+          <a:p>
+            <a:r>
+              <a:rPr lang="en-US" sz="1400" noProof="1"/>
+              <a:t>TransportFeature</a:t>
+            </a:r>
+          </a:p>
+        </p:txBody>
+      </p:sp>
+    </p:spTree>
+    <p:extLst>
+      <p:ext uri="{BB962C8B-B14F-4D97-AF65-F5344CB8AC3E}">
+        <p14:creationId xmlns:p14="http://schemas.microsoft.com/office/powerpoint/2010/main" val="1878279292"/>
+      </p:ext>
+    </p:extLst>
+  </p:cSld>
+  <p:clrMapOvr>
+    <a:masterClrMapping/>
+  </p:clrMapOvr>
+</p:sld>
+</file>
+
+<file path=ppt/slides/slide28.xml><?xml version="1.0" encoding="utf-8"?>
+<p:sld xmlns:a="http://schemas.openxmlformats.org/drawingml/2006/main" xmlns:r="http://schemas.openxmlformats.org/officeDocument/2006/relationships" xmlns:p="http://schemas.openxmlformats.org/presentationml/2006/main">
+  <p:cSld>
+    <p:spTree>
+      <p:nvGrpSpPr>
+        <p:cNvPr id="1" name=""/>
+        <p:cNvGrpSpPr/>
+        <p:nvPr/>
+      </p:nvGrpSpPr>
+      <p:grpSpPr>
+        <a:xfrm>
+          <a:off x="0" y="0"/>
+          <a:ext cx="0" cy="0"/>
+          <a:chOff x="0" y="0"/>
+          <a:chExt cx="0" cy="0"/>
+        </a:xfrm>
+      </p:grpSpPr>
       <p:pic>
         <p:nvPicPr>
           <p:cNvPr id="5" name="Picture 4" descr="A screenshot of a computer&#10;&#10;Description automatically generated">
@@ -15345,7 +17072,7 @@
 </p:sld>
 </file>
 
-<file path=ppt/slides/slide28.xml><?xml version="1.0" encoding="utf-8"?>
+<file path=ppt/slides/slide29.xml><?xml version="1.0" encoding="utf-8"?>
 <p:sld xmlns:a="http://schemas.openxmlformats.org/drawingml/2006/main" xmlns:r="http://schemas.openxmlformats.org/officeDocument/2006/relationships" xmlns:p="http://schemas.openxmlformats.org/presentationml/2006/main">
   <p:cSld>
     <p:bg>
@@ -15677,167 +17404,6 @@
 </p:sld>
 </file>
 
-<file path=ppt/slides/slide29.xml><?xml version="1.0" encoding="utf-8"?>
-<p:sld xmlns:a="http://schemas.openxmlformats.org/drawingml/2006/main" xmlns:r="http://schemas.openxmlformats.org/officeDocument/2006/relationships" xmlns:p="http://schemas.openxmlformats.org/presentationml/2006/main">
-  <p:cSld>
-    <p:spTree>
-      <p:nvGrpSpPr>
-        <p:cNvPr id="1" name=""/>
-        <p:cNvGrpSpPr/>
-        <p:nvPr/>
-      </p:nvGrpSpPr>
-      <p:grpSpPr>
-        <a:xfrm>
-          <a:off x="0" y="0"/>
-          <a:ext cx="0" cy="0"/>
-          <a:chOff x="0" y="0"/>
-          <a:chExt cx="0" cy="0"/>
-        </a:xfrm>
-      </p:grpSpPr>
-      <p:sp>
-        <p:nvSpPr>
-          <p:cNvPr id="2" name="Title 1">
-            <a:extLst>
-              <a:ext uri="{FF2B5EF4-FFF2-40B4-BE49-F238E27FC236}">
-                <a16:creationId xmlns:a16="http://schemas.microsoft.com/office/drawing/2014/main" id="{E28F16C2-5FE3-B18B-1F5B-429CD7308A94}"/>
-              </a:ext>
-            </a:extLst>
-          </p:cNvPr>
-          <p:cNvSpPr>
-            <a:spLocks noGrp="1"/>
-          </p:cNvSpPr>
-          <p:nvPr>
-            <p:ph type="title"/>
-          </p:nvPr>
-        </p:nvSpPr>
-        <p:spPr/>
-        <p:txBody>
-          <a:bodyPr/>
-          <a:lstStyle/>
-          <a:p>
-            <a:r>
-              <a:rPr lang="en-US" dirty="0"/>
-              <a:t>The Channels</a:t>
-            </a:r>
-          </a:p>
-        </p:txBody>
-      </p:sp>
-      <p:sp>
-        <p:nvSpPr>
-          <p:cNvPr id="3" name="Content Placeholder 2">
-            <a:extLst>
-              <a:ext uri="{FF2B5EF4-FFF2-40B4-BE49-F238E27FC236}">
-                <a16:creationId xmlns:a16="http://schemas.microsoft.com/office/drawing/2014/main" id="{1819622E-A74C-BCB9-B3FA-CB06EC5A3192}"/>
-              </a:ext>
-            </a:extLst>
-          </p:cNvPr>
-          <p:cNvSpPr>
-            <a:spLocks noGrp="1"/>
-          </p:cNvSpPr>
-          <p:nvPr>
-            <p:ph idx="1"/>
-          </p:nvPr>
-        </p:nvSpPr>
-        <p:spPr>
-          <a:xfrm>
-            <a:off x="838199" y="1825625"/>
-            <a:ext cx="10732477" cy="4351338"/>
-          </a:xfrm>
-        </p:spPr>
-        <p:txBody>
-          <a:bodyPr/>
-          <a:lstStyle/>
-          <a:p>
-            <a:r>
-              <a:rPr lang="en-US" dirty="0"/>
-              <a:t>A Remote’s </a:t>
-            </a:r>
-            <a:r>
-              <a:rPr lang="en-US" dirty="0" err="1"/>
-              <a:t>TransportFeature</a:t>
-            </a:r>
-            <a:r>
-              <a:rPr lang="en-US" dirty="0"/>
-              <a:t> handles the transport to the other side.</a:t>
-            </a:r>
-          </a:p>
-          <a:p>
-            <a:pPr lvl="1"/>
-            <a:r>
-              <a:rPr lang="en-US" dirty="0"/>
-              <a:t>Listener vs. Sender is automatically handled based on the configuration.</a:t>
-            </a:r>
-          </a:p>
-          <a:p>
-            <a:pPr lvl="1"/>
-            <a:r>
-              <a:rPr lang="en-US" dirty="0"/>
-              <a:t>The transport technology can be specified. The default is “</a:t>
-            </a:r>
-            <a:r>
-              <a:rPr lang="en-US" dirty="0" err="1"/>
-              <a:t>tcp</a:t>
-            </a:r>
-            <a:r>
-              <a:rPr lang="en-US" dirty="0"/>
-              <a:t>”.</a:t>
-            </a:r>
-          </a:p>
-          <a:p>
-            <a:r>
-              <a:rPr lang="en-US" dirty="0"/>
-              <a:t>The </a:t>
-            </a:r>
-            <a:r>
-              <a:rPr lang="en-US" dirty="0" err="1"/>
-              <a:t>TransportFeatures</a:t>
-            </a:r>
-            <a:r>
-              <a:rPr lang="en-US" dirty="0"/>
-              <a:t> exposes the properties relevant to the communication but is not itself in charge of exchanging data.</a:t>
-            </a:r>
-          </a:p>
-          <a:p>
-            <a:r>
-              <a:rPr lang="en-US" dirty="0"/>
-              <a:t>Channels are Features that implements a protocol and exposes it to the developer.</a:t>
-            </a:r>
-          </a:p>
-          <a:p>
-            <a:r>
-              <a:rPr lang="en-US" dirty="0"/>
-              <a:t>Channels implementation provides:</a:t>
-            </a:r>
-          </a:p>
-          <a:p>
-            <a:pPr lvl="1"/>
-            <a:r>
-              <a:rPr lang="en-US" dirty="0"/>
-              <a:t>A Protocol that can be in multiple versions.</a:t>
-            </a:r>
-          </a:p>
-          <a:p>
-            <a:pPr lvl="1"/>
-            <a:r>
-              <a:rPr lang="en-US" dirty="0"/>
-              <a:t>A way to build and send, receive and parse messages.</a:t>
-            </a:r>
-          </a:p>
-        </p:txBody>
-      </p:sp>
-    </p:spTree>
-    <p:extLst>
-      <p:ext uri="{BB962C8B-B14F-4D97-AF65-F5344CB8AC3E}">
-        <p14:creationId xmlns:p14="http://schemas.microsoft.com/office/powerpoint/2010/main" val="857479250"/>
-      </p:ext>
-    </p:extLst>
-  </p:cSld>
-  <p:clrMapOvr>
-    <a:masterClrMapping/>
-  </p:clrMapOvr>
-</p:sld>
-</file>
-
 <file path=ppt/slides/slide3.xml><?xml version="1.0" encoding="utf-8"?>
 <p:sld xmlns:a="http://schemas.openxmlformats.org/drawingml/2006/main" xmlns:r="http://schemas.openxmlformats.org/officeDocument/2006/relationships" xmlns:p="http://schemas.openxmlformats.org/presentationml/2006/main">
   <p:cSld>
@@ -16015,7 +17581,7 @@
           <p:cNvPr id="2" name="Title 1">
             <a:extLst>
               <a:ext uri="{FF2B5EF4-FFF2-40B4-BE49-F238E27FC236}">
-                <a16:creationId xmlns:a16="http://schemas.microsoft.com/office/drawing/2014/main" id="{D234F961-5C07-CC54-4D89-C39917A7A683}"/>
+                <a16:creationId xmlns:a16="http://schemas.microsoft.com/office/drawing/2014/main" id="{E28F16C2-5FE3-B18B-1F5B-429CD7308A94}"/>
               </a:ext>
             </a:extLst>
           </p:cNvPr>
@@ -16032,298 +17598,111 @@
           <a:lstStyle/>
           <a:p>
             <a:r>
-              <a:rPr lang="en-US" dirty="0" err="1"/>
-              <a:t>TransportMessage</a:t>
-            </a:r>
-            <a:endParaRPr lang="en-US" dirty="0"/>
-          </a:p>
-        </p:txBody>
-      </p:sp>
-      <p:sp>
-        <p:nvSpPr>
-          <p:cNvPr id="10" name="Content Placeholder 2">
+              <a:rPr lang="en-US" dirty="0"/>
+              <a:t>The Channels</a:t>
+            </a:r>
+          </a:p>
+        </p:txBody>
+      </p:sp>
+      <p:sp>
+        <p:nvSpPr>
+          <p:cNvPr id="3" name="Content Placeholder 2">
             <a:extLst>
               <a:ext uri="{FF2B5EF4-FFF2-40B4-BE49-F238E27FC236}">
-                <a16:creationId xmlns:a16="http://schemas.microsoft.com/office/drawing/2014/main" id="{D166F694-1BE5-D7EE-ACC5-2723D274C19E}"/>
+                <a16:creationId xmlns:a16="http://schemas.microsoft.com/office/drawing/2014/main" id="{1819622E-A74C-BCB9-B3FA-CB06EC5A3192}"/>
               </a:ext>
             </a:extLst>
           </p:cNvPr>
-          <p:cNvSpPr txBox="1">
-            <a:spLocks/>
+          <p:cNvSpPr>
+            <a:spLocks noGrp="1"/>
           </p:cNvSpPr>
-          <p:nvPr/>
+          <p:nvPr>
+            <p:ph idx="1"/>
+          </p:nvPr>
         </p:nvSpPr>
         <p:spPr>
           <a:xfrm>
             <a:off x="838199" y="1825625"/>
-            <a:ext cx="10732477" cy="4667250"/>
+            <a:ext cx="10732477" cy="4351338"/>
           </a:xfrm>
-          <a:prstGeom prst="rect">
-            <a:avLst/>
-          </a:prstGeom>
         </p:spPr>
         <p:txBody>
-          <a:bodyPr vert="horz" lIns="91440" tIns="45720" rIns="91440" bIns="45720" rtlCol="0">
-            <a:normAutofit fontScale="92500" lnSpcReduction="20000"/>
-          </a:bodyPr>
-          <a:lstStyle>
-            <a:lvl1pPr marL="228600" indent="-228600" algn="l" defTabSz="914400" rtl="0" eaLnBrk="1" latinLnBrk="0" hangingPunct="1">
-              <a:lnSpc>
-                <a:spcPct val="90000"/>
-              </a:lnSpc>
-              <a:spcBef>
-                <a:spcPts val="1000"/>
-              </a:spcBef>
-              <a:buFont typeface="Arial" panose="020B0604020202020204" pitchFamily="34" charset="0"/>
-              <a:buChar char="•"/>
-              <a:defRPr sz="2800" kern="1200">
-                <a:solidFill>
-                  <a:schemeClr val="tx1"/>
-                </a:solidFill>
-                <a:latin typeface="+mn-lt"/>
-                <a:ea typeface="+mn-ea"/>
-                <a:cs typeface="+mn-cs"/>
-              </a:defRPr>
-            </a:lvl1pPr>
-            <a:lvl2pPr marL="685800" indent="-228600" algn="l" defTabSz="914400" rtl="0" eaLnBrk="1" latinLnBrk="0" hangingPunct="1">
-              <a:lnSpc>
-                <a:spcPct val="90000"/>
-              </a:lnSpc>
-              <a:spcBef>
-                <a:spcPts val="500"/>
-              </a:spcBef>
-              <a:buFont typeface="Arial" panose="020B0604020202020204" pitchFamily="34" charset="0"/>
-              <a:buChar char="•"/>
-              <a:defRPr sz="2400" kern="1200">
-                <a:solidFill>
-                  <a:schemeClr val="tx1"/>
-                </a:solidFill>
-                <a:latin typeface="+mn-lt"/>
-                <a:ea typeface="+mn-ea"/>
-                <a:cs typeface="+mn-cs"/>
-              </a:defRPr>
-            </a:lvl2pPr>
-            <a:lvl3pPr marL="1143000" indent="-228600" algn="l" defTabSz="914400" rtl="0" eaLnBrk="1" latinLnBrk="0" hangingPunct="1">
-              <a:lnSpc>
-                <a:spcPct val="90000"/>
-              </a:lnSpc>
-              <a:spcBef>
-                <a:spcPts val="500"/>
-              </a:spcBef>
-              <a:buFont typeface="Arial" panose="020B0604020202020204" pitchFamily="34" charset="0"/>
-              <a:buChar char="•"/>
-              <a:defRPr sz="2000" kern="1200">
-                <a:solidFill>
-                  <a:schemeClr val="tx1"/>
-                </a:solidFill>
-                <a:latin typeface="+mn-lt"/>
-                <a:ea typeface="+mn-ea"/>
-                <a:cs typeface="+mn-cs"/>
-              </a:defRPr>
-            </a:lvl3pPr>
-            <a:lvl4pPr marL="1600200" indent="-228600" algn="l" defTabSz="914400" rtl="0" eaLnBrk="1" latinLnBrk="0" hangingPunct="1">
-              <a:lnSpc>
-                <a:spcPct val="90000"/>
-              </a:lnSpc>
-              <a:spcBef>
-                <a:spcPts val="500"/>
-              </a:spcBef>
-              <a:buFont typeface="Arial" panose="020B0604020202020204" pitchFamily="34" charset="0"/>
-              <a:buChar char="•"/>
-              <a:defRPr sz="1800" kern="1200">
-                <a:solidFill>
-                  <a:schemeClr val="tx1"/>
-                </a:solidFill>
-                <a:latin typeface="+mn-lt"/>
-                <a:ea typeface="+mn-ea"/>
-                <a:cs typeface="+mn-cs"/>
-              </a:defRPr>
-            </a:lvl4pPr>
-            <a:lvl5pPr marL="2057400" indent="-228600" algn="l" defTabSz="914400" rtl="0" eaLnBrk="1" latinLnBrk="0" hangingPunct="1">
-              <a:lnSpc>
-                <a:spcPct val="90000"/>
-              </a:lnSpc>
-              <a:spcBef>
-                <a:spcPts val="500"/>
-              </a:spcBef>
-              <a:buFont typeface="Arial" panose="020B0604020202020204" pitchFamily="34" charset="0"/>
-              <a:buChar char="•"/>
-              <a:defRPr sz="1800" kern="1200">
-                <a:solidFill>
-                  <a:schemeClr val="tx1"/>
-                </a:solidFill>
-                <a:latin typeface="+mn-lt"/>
-                <a:ea typeface="+mn-ea"/>
-                <a:cs typeface="+mn-cs"/>
-              </a:defRPr>
-            </a:lvl5pPr>
-            <a:lvl6pPr marL="2514600" indent="-228600" algn="l" defTabSz="914400" rtl="0" eaLnBrk="1" latinLnBrk="0" hangingPunct="1">
-              <a:lnSpc>
-                <a:spcPct val="90000"/>
-              </a:lnSpc>
-              <a:spcBef>
-                <a:spcPts val="500"/>
-              </a:spcBef>
-              <a:buFont typeface="Arial" panose="020B0604020202020204" pitchFamily="34" charset="0"/>
-              <a:buChar char="•"/>
-              <a:defRPr sz="1800" kern="1200">
-                <a:solidFill>
-                  <a:schemeClr val="tx1"/>
-                </a:solidFill>
-                <a:latin typeface="+mn-lt"/>
-                <a:ea typeface="+mn-ea"/>
-                <a:cs typeface="+mn-cs"/>
-              </a:defRPr>
-            </a:lvl6pPr>
-            <a:lvl7pPr marL="2971800" indent="-228600" algn="l" defTabSz="914400" rtl="0" eaLnBrk="1" latinLnBrk="0" hangingPunct="1">
-              <a:lnSpc>
-                <a:spcPct val="90000"/>
-              </a:lnSpc>
-              <a:spcBef>
-                <a:spcPts val="500"/>
-              </a:spcBef>
-              <a:buFont typeface="Arial" panose="020B0604020202020204" pitchFamily="34" charset="0"/>
-              <a:buChar char="•"/>
-              <a:defRPr sz="1800" kern="1200">
-                <a:solidFill>
-                  <a:schemeClr val="tx1"/>
-                </a:solidFill>
-                <a:latin typeface="+mn-lt"/>
-                <a:ea typeface="+mn-ea"/>
-                <a:cs typeface="+mn-cs"/>
-              </a:defRPr>
-            </a:lvl7pPr>
-            <a:lvl8pPr marL="3429000" indent="-228600" algn="l" defTabSz="914400" rtl="0" eaLnBrk="1" latinLnBrk="0" hangingPunct="1">
-              <a:lnSpc>
-                <a:spcPct val="90000"/>
-              </a:lnSpc>
-              <a:spcBef>
-                <a:spcPts val="500"/>
-              </a:spcBef>
-              <a:buFont typeface="Arial" panose="020B0604020202020204" pitchFamily="34" charset="0"/>
-              <a:buChar char="•"/>
-              <a:defRPr sz="1800" kern="1200">
-                <a:solidFill>
-                  <a:schemeClr val="tx1"/>
-                </a:solidFill>
-                <a:latin typeface="+mn-lt"/>
-                <a:ea typeface="+mn-ea"/>
-                <a:cs typeface="+mn-cs"/>
-              </a:defRPr>
-            </a:lvl8pPr>
-            <a:lvl9pPr marL="3886200" indent="-228600" algn="l" defTabSz="914400" rtl="0" eaLnBrk="1" latinLnBrk="0" hangingPunct="1">
-              <a:lnSpc>
-                <a:spcPct val="90000"/>
-              </a:lnSpc>
-              <a:spcBef>
-                <a:spcPts val="500"/>
-              </a:spcBef>
-              <a:buFont typeface="Arial" panose="020B0604020202020204" pitchFamily="34" charset="0"/>
-              <a:buChar char="•"/>
-              <a:defRPr sz="1800" kern="1200">
-                <a:solidFill>
-                  <a:schemeClr val="tx1"/>
-                </a:solidFill>
-                <a:latin typeface="+mn-lt"/>
-                <a:ea typeface="+mn-ea"/>
-                <a:cs typeface="+mn-cs"/>
-              </a:defRPr>
-            </a:lvl9pPr>
-          </a:lstStyle>
-          <a:p>
-            <a:r>
-              <a:rPr lang="en-US" dirty="0"/>
-              <a:t>Prefix-Length encoding</a:t>
+          <a:bodyPr/>
+          <a:lstStyle/>
+          <a:p>
+            <a:r>
+              <a:rPr lang="en-US" dirty="0"/>
+              <a:t>A Remote’s </a:t>
+            </a:r>
+            <a:r>
+              <a:rPr lang="en-US" dirty="0" err="1"/>
+              <a:t>TransportFeature</a:t>
+            </a:r>
+            <a:r>
+              <a:rPr lang="en-US" dirty="0"/>
+              <a:t> handles the transport to the other side.</a:t>
             </a:r>
           </a:p>
           <a:p>
             <a:pPr lvl="1"/>
             <a:r>
               <a:rPr lang="en-US" dirty="0"/>
-              <a:t>Single header byte</a:t>
+              <a:t>Listener vs. Sender is automatically handled based on the configuration.</a:t>
             </a:r>
           </a:p>
           <a:p>
             <a:pPr lvl="1"/>
             <a:r>
+              <a:rPr lang="en-US" dirty="0"/>
+              <a:t>The transport technology can be specified. The default is “</a:t>
+            </a:r>
+            <a:r>
               <a:rPr lang="en-US" dirty="0" err="1"/>
-              <a:t>MessageLength</a:t>
-            </a:r>
-            <a:r>
-              <a:rPr lang="en-US" dirty="0"/>
-              <a:t> (0 to 4 bytes)</a:t>
+              <a:t>tcp</a:t>
+            </a:r>
+            <a:r>
+              <a:rPr lang="en-US" dirty="0"/>
+              <a:t>”.</a:t>
+            </a:r>
+          </a:p>
+          <a:p>
+            <a:r>
+              <a:rPr lang="en-US" dirty="0"/>
+              <a:t>The </a:t>
+            </a:r>
+            <a:r>
+              <a:rPr lang="en-US" dirty="0" err="1"/>
+              <a:t>TransportFeatures</a:t>
+            </a:r>
+            <a:r>
+              <a:rPr lang="en-US" dirty="0"/>
+              <a:t> exposes the properties relevant to the communication but is not itself in charge of exchanging data.</a:t>
+            </a:r>
+          </a:p>
+          <a:p>
+            <a:r>
+              <a:rPr lang="en-US" dirty="0"/>
+              <a:t>Channels are Features that implements a protocol and exposes it to the developer.</a:t>
+            </a:r>
+          </a:p>
+          <a:p>
+            <a:r>
+              <a:rPr lang="en-US" dirty="0"/>
+              <a:t>Channels implementation provides:</a:t>
             </a:r>
           </a:p>
           <a:p>
             <a:pPr lvl="1"/>
             <a:r>
               <a:rPr lang="en-US" dirty="0"/>
-              <a:t>Payload (up to 2 GiB)</a:t>
-            </a:r>
-          </a:p>
-          <a:p>
-            <a:endParaRPr lang="en-US" dirty="0"/>
-          </a:p>
-          <a:p>
-            <a:r>
-              <a:rPr lang="en-US" dirty="0"/>
-              <a:t>Header byte: </a:t>
-            </a:r>
-            <a:r>
-              <a:rPr lang="en-US" sz="2400" dirty="0">
-                <a:latin typeface="Courier New" panose="02070309020205020404" pitchFamily="49" charset="0"/>
-                <a:cs typeface="Courier New" panose="02070309020205020404" pitchFamily="49" charset="0"/>
-              </a:rPr>
-              <a:t>L0|L1|CD|R0|R1|P0|P1|P2</a:t>
-            </a:r>
-            <a:endParaRPr lang="en-US" dirty="0">
-              <a:latin typeface="Courier New" panose="02070309020205020404" pitchFamily="49" charset="0"/>
-              <a:cs typeface="Courier New" panose="02070309020205020404" pitchFamily="49" charset="0"/>
-            </a:endParaRPr>
+              <a:t>A Protocol that can be in multiple versions.</a:t>
+            </a:r>
           </a:p>
           <a:p>
             <a:pPr lvl="1"/>
             <a:r>
               <a:rPr lang="en-US" dirty="0"/>
-              <a:t>L0-L1: number of bytes of the message length.</a:t>
-            </a:r>
-          </a:p>
-          <a:p>
-            <a:pPr lvl="1"/>
-            <a:r>
-              <a:rPr lang="en-US" dirty="0"/>
-              <a:t>CD: “Control/ Data” bit.</a:t>
-            </a:r>
-          </a:p>
-          <a:p>
-            <a:pPr lvl="1"/>
-            <a:r>
-              <a:rPr lang="en-US" dirty="0"/>
-              <a:t>R0-R1: Reserved for future use.</a:t>
-            </a:r>
-          </a:p>
-          <a:p>
-            <a:pPr lvl="1"/>
-            <a:r>
-              <a:rPr lang="en-US" dirty="0"/>
-              <a:t>P0-P2: Protocol number (0 to 7).</a:t>
-            </a:r>
-          </a:p>
-          <a:p>
-            <a:endParaRPr lang="en-US" dirty="0"/>
-          </a:p>
-          <a:p>
-            <a:r>
-              <a:rPr lang="en-US" dirty="0"/>
-              <a:t>The Protocol Number defines the "type" of the message: the writer/serializer that has been used to write the payload and the reader/</a:t>
-            </a:r>
-            <a:r>
-              <a:rPr lang="en-US" dirty="0" err="1"/>
-              <a:t>deserializer</a:t>
-            </a:r>
-            <a:r>
-              <a:rPr lang="en-US" dirty="0"/>
-              <a:t> that must be used to read it back.</a:t>
+              <a:t>A way to build and send, receive and parse messages.</a:t>
             </a:r>
           </a:p>
         </p:txBody>
@@ -16331,7 +17710,7 @@
     </p:spTree>
     <p:extLst>
       <p:ext uri="{BB962C8B-B14F-4D97-AF65-F5344CB8AC3E}">
-        <p14:creationId xmlns:p14="http://schemas.microsoft.com/office/powerpoint/2010/main" val="200001624"/>
+        <p14:creationId xmlns:p14="http://schemas.microsoft.com/office/powerpoint/2010/main" val="857479250"/>
       </p:ext>
     </p:extLst>
   </p:cSld>
@@ -16363,6 +17742,354 @@
           <p:cNvPr id="2" name="Title 1">
             <a:extLst>
               <a:ext uri="{FF2B5EF4-FFF2-40B4-BE49-F238E27FC236}">
+                <a16:creationId xmlns:a16="http://schemas.microsoft.com/office/drawing/2014/main" id="{D234F961-5C07-CC54-4D89-C39917A7A683}"/>
+              </a:ext>
+            </a:extLst>
+          </p:cNvPr>
+          <p:cNvSpPr>
+            <a:spLocks noGrp="1"/>
+          </p:cNvSpPr>
+          <p:nvPr>
+            <p:ph type="title"/>
+          </p:nvPr>
+        </p:nvSpPr>
+        <p:spPr/>
+        <p:txBody>
+          <a:bodyPr/>
+          <a:lstStyle/>
+          <a:p>
+            <a:r>
+              <a:rPr lang="en-US" dirty="0" err="1"/>
+              <a:t>TransportMessage</a:t>
+            </a:r>
+            <a:endParaRPr lang="en-US" dirty="0"/>
+          </a:p>
+        </p:txBody>
+      </p:sp>
+      <p:sp>
+        <p:nvSpPr>
+          <p:cNvPr id="10" name="Content Placeholder 2">
+            <a:extLst>
+              <a:ext uri="{FF2B5EF4-FFF2-40B4-BE49-F238E27FC236}">
+                <a16:creationId xmlns:a16="http://schemas.microsoft.com/office/drawing/2014/main" id="{D166F694-1BE5-D7EE-ACC5-2723D274C19E}"/>
+              </a:ext>
+            </a:extLst>
+          </p:cNvPr>
+          <p:cNvSpPr txBox="1">
+            <a:spLocks/>
+          </p:cNvSpPr>
+          <p:nvPr/>
+        </p:nvSpPr>
+        <p:spPr>
+          <a:xfrm>
+            <a:off x="838199" y="1825625"/>
+            <a:ext cx="10732477" cy="4667250"/>
+          </a:xfrm>
+          <a:prstGeom prst="rect">
+            <a:avLst/>
+          </a:prstGeom>
+        </p:spPr>
+        <p:txBody>
+          <a:bodyPr vert="horz" lIns="91440" tIns="45720" rIns="91440" bIns="45720" rtlCol="0">
+            <a:normAutofit fontScale="92500" lnSpcReduction="20000"/>
+          </a:bodyPr>
+          <a:lstStyle>
+            <a:lvl1pPr marL="228600" indent="-228600" algn="l" defTabSz="914400" rtl="0" eaLnBrk="1" latinLnBrk="0" hangingPunct="1">
+              <a:lnSpc>
+                <a:spcPct val="90000"/>
+              </a:lnSpc>
+              <a:spcBef>
+                <a:spcPts val="1000"/>
+              </a:spcBef>
+              <a:buFont typeface="Arial" panose="020B0604020202020204" pitchFamily="34" charset="0"/>
+              <a:buChar char="•"/>
+              <a:defRPr sz="2800" kern="1200">
+                <a:solidFill>
+                  <a:schemeClr val="tx1"/>
+                </a:solidFill>
+                <a:latin typeface="+mn-lt"/>
+                <a:ea typeface="+mn-ea"/>
+                <a:cs typeface="+mn-cs"/>
+              </a:defRPr>
+            </a:lvl1pPr>
+            <a:lvl2pPr marL="685800" indent="-228600" algn="l" defTabSz="914400" rtl="0" eaLnBrk="1" latinLnBrk="0" hangingPunct="1">
+              <a:lnSpc>
+                <a:spcPct val="90000"/>
+              </a:lnSpc>
+              <a:spcBef>
+                <a:spcPts val="500"/>
+              </a:spcBef>
+              <a:buFont typeface="Arial" panose="020B0604020202020204" pitchFamily="34" charset="0"/>
+              <a:buChar char="•"/>
+              <a:defRPr sz="2400" kern="1200">
+                <a:solidFill>
+                  <a:schemeClr val="tx1"/>
+                </a:solidFill>
+                <a:latin typeface="+mn-lt"/>
+                <a:ea typeface="+mn-ea"/>
+                <a:cs typeface="+mn-cs"/>
+              </a:defRPr>
+            </a:lvl2pPr>
+            <a:lvl3pPr marL="1143000" indent="-228600" algn="l" defTabSz="914400" rtl="0" eaLnBrk="1" latinLnBrk="0" hangingPunct="1">
+              <a:lnSpc>
+                <a:spcPct val="90000"/>
+              </a:lnSpc>
+              <a:spcBef>
+                <a:spcPts val="500"/>
+              </a:spcBef>
+              <a:buFont typeface="Arial" panose="020B0604020202020204" pitchFamily="34" charset="0"/>
+              <a:buChar char="•"/>
+              <a:defRPr sz="2000" kern="1200">
+                <a:solidFill>
+                  <a:schemeClr val="tx1"/>
+                </a:solidFill>
+                <a:latin typeface="+mn-lt"/>
+                <a:ea typeface="+mn-ea"/>
+                <a:cs typeface="+mn-cs"/>
+              </a:defRPr>
+            </a:lvl3pPr>
+            <a:lvl4pPr marL="1600200" indent="-228600" algn="l" defTabSz="914400" rtl="0" eaLnBrk="1" latinLnBrk="0" hangingPunct="1">
+              <a:lnSpc>
+                <a:spcPct val="90000"/>
+              </a:lnSpc>
+              <a:spcBef>
+                <a:spcPts val="500"/>
+              </a:spcBef>
+              <a:buFont typeface="Arial" panose="020B0604020202020204" pitchFamily="34" charset="0"/>
+              <a:buChar char="•"/>
+              <a:defRPr sz="1800" kern="1200">
+                <a:solidFill>
+                  <a:schemeClr val="tx1"/>
+                </a:solidFill>
+                <a:latin typeface="+mn-lt"/>
+                <a:ea typeface="+mn-ea"/>
+                <a:cs typeface="+mn-cs"/>
+              </a:defRPr>
+            </a:lvl4pPr>
+            <a:lvl5pPr marL="2057400" indent="-228600" algn="l" defTabSz="914400" rtl="0" eaLnBrk="1" latinLnBrk="0" hangingPunct="1">
+              <a:lnSpc>
+                <a:spcPct val="90000"/>
+              </a:lnSpc>
+              <a:spcBef>
+                <a:spcPts val="500"/>
+              </a:spcBef>
+              <a:buFont typeface="Arial" panose="020B0604020202020204" pitchFamily="34" charset="0"/>
+              <a:buChar char="•"/>
+              <a:defRPr sz="1800" kern="1200">
+                <a:solidFill>
+                  <a:schemeClr val="tx1"/>
+                </a:solidFill>
+                <a:latin typeface="+mn-lt"/>
+                <a:ea typeface="+mn-ea"/>
+                <a:cs typeface="+mn-cs"/>
+              </a:defRPr>
+            </a:lvl5pPr>
+            <a:lvl6pPr marL="2514600" indent="-228600" algn="l" defTabSz="914400" rtl="0" eaLnBrk="1" latinLnBrk="0" hangingPunct="1">
+              <a:lnSpc>
+                <a:spcPct val="90000"/>
+              </a:lnSpc>
+              <a:spcBef>
+                <a:spcPts val="500"/>
+              </a:spcBef>
+              <a:buFont typeface="Arial" panose="020B0604020202020204" pitchFamily="34" charset="0"/>
+              <a:buChar char="•"/>
+              <a:defRPr sz="1800" kern="1200">
+                <a:solidFill>
+                  <a:schemeClr val="tx1"/>
+                </a:solidFill>
+                <a:latin typeface="+mn-lt"/>
+                <a:ea typeface="+mn-ea"/>
+                <a:cs typeface="+mn-cs"/>
+              </a:defRPr>
+            </a:lvl6pPr>
+            <a:lvl7pPr marL="2971800" indent="-228600" algn="l" defTabSz="914400" rtl="0" eaLnBrk="1" latinLnBrk="0" hangingPunct="1">
+              <a:lnSpc>
+                <a:spcPct val="90000"/>
+              </a:lnSpc>
+              <a:spcBef>
+                <a:spcPts val="500"/>
+              </a:spcBef>
+              <a:buFont typeface="Arial" panose="020B0604020202020204" pitchFamily="34" charset="0"/>
+              <a:buChar char="•"/>
+              <a:defRPr sz="1800" kern="1200">
+                <a:solidFill>
+                  <a:schemeClr val="tx1"/>
+                </a:solidFill>
+                <a:latin typeface="+mn-lt"/>
+                <a:ea typeface="+mn-ea"/>
+                <a:cs typeface="+mn-cs"/>
+              </a:defRPr>
+            </a:lvl7pPr>
+            <a:lvl8pPr marL="3429000" indent="-228600" algn="l" defTabSz="914400" rtl="0" eaLnBrk="1" latinLnBrk="0" hangingPunct="1">
+              <a:lnSpc>
+                <a:spcPct val="90000"/>
+              </a:lnSpc>
+              <a:spcBef>
+                <a:spcPts val="500"/>
+              </a:spcBef>
+              <a:buFont typeface="Arial" panose="020B0604020202020204" pitchFamily="34" charset="0"/>
+              <a:buChar char="•"/>
+              <a:defRPr sz="1800" kern="1200">
+                <a:solidFill>
+                  <a:schemeClr val="tx1"/>
+                </a:solidFill>
+                <a:latin typeface="+mn-lt"/>
+                <a:ea typeface="+mn-ea"/>
+                <a:cs typeface="+mn-cs"/>
+              </a:defRPr>
+            </a:lvl8pPr>
+            <a:lvl9pPr marL="3886200" indent="-228600" algn="l" defTabSz="914400" rtl="0" eaLnBrk="1" latinLnBrk="0" hangingPunct="1">
+              <a:lnSpc>
+                <a:spcPct val="90000"/>
+              </a:lnSpc>
+              <a:spcBef>
+                <a:spcPts val="500"/>
+              </a:spcBef>
+              <a:buFont typeface="Arial" panose="020B0604020202020204" pitchFamily="34" charset="0"/>
+              <a:buChar char="•"/>
+              <a:defRPr sz="1800" kern="1200">
+                <a:solidFill>
+                  <a:schemeClr val="tx1"/>
+                </a:solidFill>
+                <a:latin typeface="+mn-lt"/>
+                <a:ea typeface="+mn-ea"/>
+                <a:cs typeface="+mn-cs"/>
+              </a:defRPr>
+            </a:lvl9pPr>
+          </a:lstStyle>
+          <a:p>
+            <a:r>
+              <a:rPr lang="en-US" dirty="0"/>
+              <a:t>Prefix-Length encoding</a:t>
+            </a:r>
+          </a:p>
+          <a:p>
+            <a:pPr lvl="1"/>
+            <a:r>
+              <a:rPr lang="en-US" dirty="0"/>
+              <a:t>Single header byte</a:t>
+            </a:r>
+          </a:p>
+          <a:p>
+            <a:pPr lvl="1"/>
+            <a:r>
+              <a:rPr lang="en-US" dirty="0" err="1"/>
+              <a:t>MessageLength</a:t>
+            </a:r>
+            <a:r>
+              <a:rPr lang="en-US" dirty="0"/>
+              <a:t> (0 to 4 bytes)</a:t>
+            </a:r>
+          </a:p>
+          <a:p>
+            <a:pPr lvl="1"/>
+            <a:r>
+              <a:rPr lang="en-US" dirty="0"/>
+              <a:t>Payload (up to 2 GiB)</a:t>
+            </a:r>
+          </a:p>
+          <a:p>
+            <a:endParaRPr lang="en-US" dirty="0"/>
+          </a:p>
+          <a:p>
+            <a:r>
+              <a:rPr lang="en-US" dirty="0"/>
+              <a:t>Header byte: </a:t>
+            </a:r>
+            <a:r>
+              <a:rPr lang="en-US" sz="2400" dirty="0">
+                <a:latin typeface="Courier New" panose="02070309020205020404" pitchFamily="49" charset="0"/>
+                <a:cs typeface="Courier New" panose="02070309020205020404" pitchFamily="49" charset="0"/>
+              </a:rPr>
+              <a:t>L0|L1|CD|R0|R1|P0|P1|P2</a:t>
+            </a:r>
+            <a:endParaRPr lang="en-US" dirty="0">
+              <a:latin typeface="Courier New" panose="02070309020205020404" pitchFamily="49" charset="0"/>
+              <a:cs typeface="Courier New" panose="02070309020205020404" pitchFamily="49" charset="0"/>
+            </a:endParaRPr>
+          </a:p>
+          <a:p>
+            <a:pPr lvl="1"/>
+            <a:r>
+              <a:rPr lang="en-US" dirty="0"/>
+              <a:t>L0-L1: number of bytes of the message length.</a:t>
+            </a:r>
+          </a:p>
+          <a:p>
+            <a:pPr lvl="1"/>
+            <a:r>
+              <a:rPr lang="en-US" dirty="0"/>
+              <a:t>CD: “Control/ Data” bit.</a:t>
+            </a:r>
+          </a:p>
+          <a:p>
+            <a:pPr lvl="1"/>
+            <a:r>
+              <a:rPr lang="en-US" dirty="0"/>
+              <a:t>R0-R1: Reserved for future use.</a:t>
+            </a:r>
+          </a:p>
+          <a:p>
+            <a:pPr lvl="1"/>
+            <a:r>
+              <a:rPr lang="en-US" dirty="0"/>
+              <a:t>P0-P2: Protocol number (0 to 7).</a:t>
+            </a:r>
+          </a:p>
+          <a:p>
+            <a:endParaRPr lang="en-US" dirty="0"/>
+          </a:p>
+          <a:p>
+            <a:r>
+              <a:rPr lang="en-US" dirty="0"/>
+              <a:t>The Protocol Number defines the "type" of the message: the writer/serializer that has been used to write the payload and the reader/</a:t>
+            </a:r>
+            <a:r>
+              <a:rPr lang="en-US" dirty="0" err="1"/>
+              <a:t>deserializer</a:t>
+            </a:r>
+            <a:r>
+              <a:rPr lang="en-US" dirty="0"/>
+              <a:t> that must be used to read it back.</a:t>
+            </a:r>
+          </a:p>
+        </p:txBody>
+      </p:sp>
+    </p:spTree>
+    <p:extLst>
+      <p:ext uri="{BB962C8B-B14F-4D97-AF65-F5344CB8AC3E}">
+        <p14:creationId xmlns:p14="http://schemas.microsoft.com/office/powerpoint/2010/main" val="200001624"/>
+      </p:ext>
+    </p:extLst>
+  </p:cSld>
+  <p:clrMapOvr>
+    <a:masterClrMapping/>
+  </p:clrMapOvr>
+</p:sld>
+</file>
+
+<file path=ppt/slides/slide32.xml><?xml version="1.0" encoding="utf-8"?>
+<p:sld xmlns:a="http://schemas.openxmlformats.org/drawingml/2006/main" xmlns:r="http://schemas.openxmlformats.org/officeDocument/2006/relationships" xmlns:p="http://schemas.openxmlformats.org/presentationml/2006/main">
+  <p:cSld>
+    <p:spTree>
+      <p:nvGrpSpPr>
+        <p:cNvPr id="1" name=""/>
+        <p:cNvGrpSpPr/>
+        <p:nvPr/>
+      </p:nvGrpSpPr>
+      <p:grpSpPr>
+        <a:xfrm>
+          <a:off x="0" y="0"/>
+          <a:ext cx="0" cy="0"/>
+          <a:chOff x="0" y="0"/>
+          <a:chExt cx="0" cy="0"/>
+        </a:xfrm>
+      </p:grpSpPr>
+      <p:sp>
+        <p:nvSpPr>
+          <p:cNvPr id="2" name="Title 1">
+            <a:extLst>
+              <a:ext uri="{FF2B5EF4-FFF2-40B4-BE49-F238E27FC236}">
                 <a16:creationId xmlns:a16="http://schemas.microsoft.com/office/drawing/2014/main" id="{BCFC278E-8E30-3459-41D7-7185BA86296A}"/>
               </a:ext>
             </a:extLst>
@@ -16486,7 +18213,7 @@
 </p:sld>
 </file>
 
-<file path=ppt/slides/slide32.xml><?xml version="1.0" encoding="utf-8"?>
+<file path=ppt/slides/slide33.xml><?xml version="1.0" encoding="utf-8"?>
 <p:sld xmlns:a="http://schemas.openxmlformats.org/drawingml/2006/main" xmlns:r="http://schemas.openxmlformats.org/officeDocument/2006/relationships" xmlns:p="http://schemas.openxmlformats.org/presentationml/2006/main">
   <p:cSld>
     <p:spTree>
@@ -16831,7 +18558,7 @@
 </p:sld>
 </file>
 
-<file path=ppt/slides/slide33.xml><?xml version="1.0" encoding="utf-8"?>
+<file path=ppt/slides/slide34.xml><?xml version="1.0" encoding="utf-8"?>
 <p:sld xmlns:a="http://schemas.openxmlformats.org/drawingml/2006/main" xmlns:r="http://schemas.openxmlformats.org/officeDocument/2006/relationships" xmlns:p="http://schemas.openxmlformats.org/presentationml/2006/main">
   <p:cSld>
     <p:spTree>
@@ -17165,7 +18892,7 @@
 </p:sld>
 </file>
 
-<file path=ppt/slides/slide34.xml><?xml version="1.0" encoding="utf-8"?>
+<file path=ppt/slides/slide35.xml><?xml version="1.0" encoding="utf-8"?>
 <p:sld xmlns:a="http://schemas.openxmlformats.org/drawingml/2006/main" xmlns:r="http://schemas.openxmlformats.org/officeDocument/2006/relationships" xmlns:p="http://schemas.openxmlformats.org/presentationml/2006/main">
   <p:cSld>
     <p:spTree>
@@ -17500,7 +19227,7 @@
 </p:sld>
 </file>
 
-<file path=ppt/slides/slide35.xml><?xml version="1.0" encoding="utf-8"?>
+<file path=ppt/slides/slide36.xml><?xml version="1.0" encoding="utf-8"?>
 <p:sld xmlns:a="http://schemas.openxmlformats.org/drawingml/2006/main" xmlns:r="http://schemas.openxmlformats.org/officeDocument/2006/relationships" xmlns:p="http://schemas.openxmlformats.org/presentationml/2006/main">
   <p:cSld>
     <p:spTree>
@@ -17731,89 +19458,6 @@
 </p:sld>
 </file>
 
-<file path=ppt/slides/slide36.xml><?xml version="1.0" encoding="utf-8"?>
-<p:sld xmlns:a="http://schemas.openxmlformats.org/drawingml/2006/main" xmlns:r="http://schemas.openxmlformats.org/officeDocument/2006/relationships" xmlns:p="http://schemas.openxmlformats.org/presentationml/2006/main">
-  <p:cSld>
-    <p:spTree>
-      <p:nvGrpSpPr>
-        <p:cNvPr id="1" name=""/>
-        <p:cNvGrpSpPr/>
-        <p:nvPr/>
-      </p:nvGrpSpPr>
-      <p:grpSpPr>
-        <a:xfrm>
-          <a:off x="0" y="0"/>
-          <a:ext cx="0" cy="0"/>
-          <a:chOff x="0" y="0"/>
-          <a:chExt cx="0" cy="0"/>
-        </a:xfrm>
-      </p:grpSpPr>
-      <p:sp>
-        <p:nvSpPr>
-          <p:cNvPr id="2" name="Title 1">
-            <a:extLst>
-              <a:ext uri="{FF2B5EF4-FFF2-40B4-BE49-F238E27FC236}">
-                <a16:creationId xmlns:a16="http://schemas.microsoft.com/office/drawing/2014/main" id="{2ADDEB0D-75FE-A9E7-AE5D-1A00BE2CB4EF}"/>
-              </a:ext>
-            </a:extLst>
-          </p:cNvPr>
-          <p:cNvSpPr>
-            <a:spLocks noGrp="1"/>
-          </p:cNvSpPr>
-          <p:nvPr>
-            <p:ph type="title"/>
-          </p:nvPr>
-        </p:nvSpPr>
-        <p:spPr/>
-        <p:txBody>
-          <a:bodyPr/>
-          <a:lstStyle/>
-          <a:p>
-            <a:r>
-              <a:rPr lang="en-US" dirty="0"/>
-              <a:t>ANNEX</a:t>
-            </a:r>
-          </a:p>
-        </p:txBody>
-      </p:sp>
-      <p:sp>
-        <p:nvSpPr>
-          <p:cNvPr id="3" name="Content Placeholder 2">
-            <a:extLst>
-              <a:ext uri="{FF2B5EF4-FFF2-40B4-BE49-F238E27FC236}">
-                <a16:creationId xmlns:a16="http://schemas.microsoft.com/office/drawing/2014/main" id="{69BD3F96-4E3A-A64D-A143-5E0F643AB7C5}"/>
-              </a:ext>
-            </a:extLst>
-          </p:cNvPr>
-          <p:cNvSpPr>
-            <a:spLocks noGrp="1"/>
-          </p:cNvSpPr>
-          <p:nvPr>
-            <p:ph idx="1"/>
-          </p:nvPr>
-        </p:nvSpPr>
-        <p:spPr/>
-        <p:txBody>
-          <a:bodyPr/>
-          <a:lstStyle/>
-          <a:p>
-            <a:endParaRPr lang="en-US"/>
-          </a:p>
-        </p:txBody>
-      </p:sp>
-    </p:spTree>
-    <p:extLst>
-      <p:ext uri="{BB962C8B-B14F-4D97-AF65-F5344CB8AC3E}">
-        <p14:creationId xmlns:p14="http://schemas.microsoft.com/office/powerpoint/2010/main" val="4293717367"/>
-      </p:ext>
-    </p:extLst>
-  </p:cSld>
-  <p:clrMapOvr>
-    <a:masterClrMapping/>
-  </p:clrMapOvr>
-</p:sld>
-</file>
-
 <file path=ppt/slides/slide37.xml><?xml version="1.0" encoding="utf-8"?>
 <p:sld xmlns:a="http://schemas.openxmlformats.org/drawingml/2006/main" xmlns:r="http://schemas.openxmlformats.org/officeDocument/2006/relationships" xmlns:p="http://schemas.openxmlformats.org/presentationml/2006/main">
   <p:cSld>
@@ -17831,48 +19475,12 @@
           <a:chExt cx="0" cy="0"/>
         </a:xfrm>
       </p:grpSpPr>
-      <p:pic>
-        <p:nvPicPr>
-          <p:cNvPr id="5" name="Picture 4" descr="A screenshot of a computer&#10;&#10;Description automatically generated with medium confidence">
+      <p:sp>
+        <p:nvSpPr>
+          <p:cNvPr id="2" name="Title 1">
             <a:extLst>
               <a:ext uri="{FF2B5EF4-FFF2-40B4-BE49-F238E27FC236}">
-                <a16:creationId xmlns:a16="http://schemas.microsoft.com/office/drawing/2014/main" id="{DAF23AD5-4669-6BB8-3F80-414BA1D47CC3}"/>
-              </a:ext>
-            </a:extLst>
-          </p:cNvPr>
-          <p:cNvPicPr>
-            <a:picLocks noChangeAspect="1"/>
-          </p:cNvPicPr>
-          <p:nvPr/>
-        </p:nvPicPr>
-        <p:blipFill>
-          <a:blip r:embed="rId2">
-            <a:extLst>
-              <a:ext uri="{28A0092B-C50C-407E-A947-70E740481C1C}">
-                <a14:useLocalDpi xmlns:a14="http://schemas.microsoft.com/office/drawing/2010/main" val="0"/>
-              </a:ext>
-            </a:extLst>
-          </a:blip>
-          <a:stretch>
-            <a:fillRect/>
-          </a:stretch>
-        </p:blipFill>
-        <p:spPr>
-          <a:xfrm>
-            <a:off x="7756974" y="142035"/>
-            <a:ext cx="4298052" cy="4724809"/>
-          </a:xfrm>
-          <a:prstGeom prst="rect">
-            <a:avLst/>
-          </a:prstGeom>
-        </p:spPr>
-      </p:pic>
-      <p:sp>
-        <p:nvSpPr>
-          <p:cNvPr id="2" name="Title 1">
-            <a:extLst>
-              <a:ext uri="{FF2B5EF4-FFF2-40B4-BE49-F238E27FC236}">
-                <a16:creationId xmlns:a16="http://schemas.microsoft.com/office/drawing/2014/main" id="{AA7392EC-8AF7-DB6B-E725-643E95A9517B}"/>
+                <a16:creationId xmlns:a16="http://schemas.microsoft.com/office/drawing/2014/main" id="{2ADDEB0D-75FE-A9E7-AE5D-1A00BE2CB4EF}"/>
               </a:ext>
             </a:extLst>
           </p:cNvPr>
@@ -17890,7 +19498,7 @@
           <a:p>
             <a:r>
               <a:rPr lang="en-US" dirty="0"/>
-              <a:t>Handling User Authentication</a:t>
+              <a:t>ANNEX</a:t>
             </a:r>
           </a:p>
         </p:txBody>
@@ -17900,7 +19508,7 @@
           <p:cNvPr id="3" name="Content Placeholder 2">
             <a:extLst>
               <a:ext uri="{FF2B5EF4-FFF2-40B4-BE49-F238E27FC236}">
-                <a16:creationId xmlns:a16="http://schemas.microsoft.com/office/drawing/2014/main" id="{E2584768-E9B2-29E2-8DA2-81195578C941}"/>
+                <a16:creationId xmlns:a16="http://schemas.microsoft.com/office/drawing/2014/main" id="{69BD3F96-4E3A-A64D-A143-5E0F643AB7C5}"/>
               </a:ext>
             </a:extLst>
           </p:cNvPr>
@@ -17911,132 +19519,19 @@
             <p:ph idx="1"/>
           </p:nvPr>
         </p:nvSpPr>
-        <p:spPr>
-          <a:xfrm>
-            <a:off x="690880" y="1825624"/>
-            <a:ext cx="6655851" cy="4463415"/>
-          </a:xfrm>
-        </p:spPr>
-        <p:txBody>
-          <a:bodyPr>
-            <a:normAutofit fontScale="92500"/>
-          </a:bodyPr>
+        <p:spPr/>
+        <p:txBody>
+          <a:bodyPr/>
           <a:lstStyle/>
           <a:p>
-            <a:r>
-              <a:rPr lang="en-US" dirty="0"/>
-              <a:t>“</a:t>
-            </a:r>
-            <a:r>
-              <a:rPr lang="en-US" dirty="0" err="1"/>
-              <a:t>Authentified</a:t>
-            </a:r>
-            <a:r>
-              <a:rPr lang="en-US" dirty="0"/>
-              <a:t> Commands” (from </a:t>
-            </a:r>
-            <a:r>
-              <a:rPr lang="en-US" dirty="0" err="1"/>
-              <a:t>CK.Auth.Cris</a:t>
-            </a:r>
-            <a:r>
-              <a:rPr lang="en-US" dirty="0"/>
-              <a:t>)</a:t>
-            </a:r>
-          </a:p>
-          <a:p>
-            <a:r>
-              <a:rPr lang="en-US" dirty="0"/>
-              <a:t>The </a:t>
-            </a:r>
-            <a:r>
-              <a:rPr lang="en-US" dirty="0" err="1"/>
-              <a:t>IAuthenticationInfo</a:t>
-            </a:r>
-            <a:r>
-              <a:rPr lang="en-US" dirty="0"/>
-              <a:t> service is the key</a:t>
-            </a:r>
-          </a:p>
-          <a:p>
-            <a:pPr lvl="1"/>
-            <a:r>
-              <a:rPr lang="en-US" dirty="0"/>
-              <a:t>This is a “Ubiquitous Endpoint” service</a:t>
-            </a:r>
-          </a:p>
-          <a:p>
-            <a:r>
-              <a:rPr lang="en-US" dirty="0"/>
-              <a:t>This service must be resolved and secured by the Endpoint</a:t>
-            </a:r>
-          </a:p>
-          <a:p>
-            <a:pPr lvl="1"/>
-            <a:r>
-              <a:rPr lang="en-US" dirty="0"/>
-              <a:t>The global “Web” endpoint uses an encrypted token and cookie.</a:t>
-            </a:r>
-          </a:p>
-          <a:p>
-            <a:r>
-              <a:rPr lang="en-US" dirty="0"/>
-              <a:t>“</a:t>
-            </a:r>
-            <a:r>
-              <a:rPr lang="en-US" dirty="0" err="1"/>
-              <a:t>Authentified</a:t>
-            </a:r>
-            <a:r>
-              <a:rPr lang="en-US" dirty="0"/>
-              <a:t> Commands” cannot be fooled</a:t>
-            </a:r>
-          </a:p>
-          <a:p>
-            <a:pPr lvl="1"/>
-            <a:r>
-              <a:rPr lang="en-US" dirty="0"/>
-              <a:t>The </a:t>
-            </a:r>
-            <a:r>
-              <a:rPr lang="en-US" dirty="0" err="1"/>
-              <a:t>ActorId</a:t>
-            </a:r>
-            <a:r>
-              <a:rPr lang="en-US" dirty="0"/>
-              <a:t>, </a:t>
-            </a:r>
-            <a:r>
-              <a:rPr lang="en-US" dirty="0" err="1"/>
-              <a:t>DeviceId</a:t>
-            </a:r>
-            <a:r>
-              <a:rPr lang="en-US" dirty="0"/>
-              <a:t> and </a:t>
-            </a:r>
-            <a:r>
-              <a:rPr lang="en-US" dirty="0" err="1"/>
-              <a:t>ActualActorId</a:t>
-            </a:r>
-            <a:r>
-              <a:rPr lang="en-US" dirty="0"/>
-              <a:t> are checked against the secured </a:t>
-            </a:r>
-            <a:r>
-              <a:rPr lang="en-US" dirty="0" err="1"/>
-              <a:t>IAuthenticationInfo</a:t>
-            </a:r>
-            <a:r>
-              <a:rPr lang="en-US" dirty="0"/>
-              <a:t> service.</a:t>
-            </a:r>
+            <a:endParaRPr lang="en-US"/>
           </a:p>
         </p:txBody>
       </p:sp>
     </p:spTree>
     <p:extLst>
       <p:ext uri="{BB962C8B-B14F-4D97-AF65-F5344CB8AC3E}">
-        <p14:creationId xmlns:p14="http://schemas.microsoft.com/office/powerpoint/2010/main" val="3523950704"/>
+        <p14:creationId xmlns:p14="http://schemas.microsoft.com/office/powerpoint/2010/main" val="4293717367"/>
       </p:ext>
     </p:extLst>
   </p:cSld>
@@ -18063,12 +19558,48 @@
           <a:chExt cx="0" cy="0"/>
         </a:xfrm>
       </p:grpSpPr>
+      <p:pic>
+        <p:nvPicPr>
+          <p:cNvPr id="5" name="Picture 4" descr="A screenshot of a computer&#10;&#10;Description automatically generated with medium confidence">
+            <a:extLst>
+              <a:ext uri="{FF2B5EF4-FFF2-40B4-BE49-F238E27FC236}">
+                <a16:creationId xmlns:a16="http://schemas.microsoft.com/office/drawing/2014/main" id="{DAF23AD5-4669-6BB8-3F80-414BA1D47CC3}"/>
+              </a:ext>
+            </a:extLst>
+          </p:cNvPr>
+          <p:cNvPicPr>
+            <a:picLocks noChangeAspect="1"/>
+          </p:cNvPicPr>
+          <p:nvPr/>
+        </p:nvPicPr>
+        <p:blipFill>
+          <a:blip r:embed="rId2">
+            <a:extLst>
+              <a:ext uri="{28A0092B-C50C-407E-A947-70E740481C1C}">
+                <a14:useLocalDpi xmlns:a14="http://schemas.microsoft.com/office/drawing/2010/main" val="0"/>
+              </a:ext>
+            </a:extLst>
+          </a:blip>
+          <a:stretch>
+            <a:fillRect/>
+          </a:stretch>
+        </p:blipFill>
+        <p:spPr>
+          <a:xfrm>
+            <a:off x="7756974" y="142035"/>
+            <a:ext cx="4298052" cy="4724809"/>
+          </a:xfrm>
+          <a:prstGeom prst="rect">
+            <a:avLst/>
+          </a:prstGeom>
+        </p:spPr>
+      </p:pic>
       <p:sp>
         <p:nvSpPr>
           <p:cNvPr id="2" name="Title 1">
             <a:extLst>
               <a:ext uri="{FF2B5EF4-FFF2-40B4-BE49-F238E27FC236}">
-                <a16:creationId xmlns:a16="http://schemas.microsoft.com/office/drawing/2014/main" id="{3C7698CC-396A-8454-36E2-A15EC4E6F4C6}"/>
+                <a16:creationId xmlns:a16="http://schemas.microsoft.com/office/drawing/2014/main" id="{AA7392EC-8AF7-DB6B-E725-643E95A9517B}"/>
               </a:ext>
             </a:extLst>
           </p:cNvPr>
@@ -18086,7 +19617,7 @@
           <a:p>
             <a:r>
               <a:rPr lang="en-US" dirty="0"/>
-              <a:t>User and Commands through Parties (1/2)</a:t>
+              <a:t>Handling User Authentication</a:t>
             </a:r>
           </a:p>
         </p:txBody>
@@ -18096,7 +19627,7 @@
           <p:cNvPr id="3" name="Content Placeholder 2">
             <a:extLst>
               <a:ext uri="{FF2B5EF4-FFF2-40B4-BE49-F238E27FC236}">
-                <a16:creationId xmlns:a16="http://schemas.microsoft.com/office/drawing/2014/main" id="{4C31C601-D62B-370A-E39E-2DF1FE415FBB}"/>
+                <a16:creationId xmlns:a16="http://schemas.microsoft.com/office/drawing/2014/main" id="{E2584768-E9B2-29E2-8DA2-81195578C941}"/>
               </a:ext>
             </a:extLst>
           </p:cNvPr>
@@ -18107,42 +19638,43 @@
             <p:ph idx="1"/>
           </p:nvPr>
         </p:nvSpPr>
-        <p:spPr/>
+        <p:spPr>
+          <a:xfrm>
+            <a:off x="690880" y="1825624"/>
+            <a:ext cx="6655851" cy="4463415"/>
+          </a:xfrm>
+        </p:spPr>
         <p:txBody>
           <a:bodyPr>
-            <a:normAutofit/>
+            <a:normAutofit fontScale="92500"/>
           </a:bodyPr>
           <a:lstStyle/>
           <a:p>
             <a:r>
               <a:rPr lang="en-US" dirty="0"/>
-              <a:t>“$Trolley1” can send an Authenticated Command to “$Box” in the name of (Alice,3712).</a:t>
-            </a:r>
-          </a:p>
-          <a:p>
-            <a:r>
-              <a:rPr lang="en-US" dirty="0"/>
-              <a:t>“$Trolley1” must provide a proof to “$Box” that Alice is the “real” Alice (otherwise the Authenticated Command will be rejected).</a:t>
-            </a:r>
-          </a:p>
-          <a:p>
-            <a:r>
-              <a:rPr lang="en-US" dirty="0"/>
-              <a:t>“$Trolley1” must first obtain this proof by:</a:t>
-            </a:r>
-          </a:p>
-          <a:p>
-            <a:pPr lvl="1"/>
-            <a:r>
-              <a:rPr lang="en-US" dirty="0"/>
-              <a:t>Let Alice logins herself into a “Central User Directory” shared with “$Box”</a:t>
-            </a:r>
-          </a:p>
-          <a:p>
-            <a:pPr lvl="1"/>
-            <a:r>
-              <a:rPr lang="en-US" dirty="0"/>
-              <a:t>The proof must be Alice’s </a:t>
+              <a:t>“</a:t>
+            </a:r>
+            <a:r>
+              <a:rPr lang="en-US" dirty="0" err="1"/>
+              <a:t>Authentified</a:t>
+            </a:r>
+            <a:r>
+              <a:rPr lang="en-US" dirty="0"/>
+              <a:t> Commands” (from </a:t>
+            </a:r>
+            <a:r>
+              <a:rPr lang="en-US" dirty="0" err="1"/>
+              <a:t>CK.Auth.Cris</a:t>
+            </a:r>
+            <a:r>
+              <a:rPr lang="en-US" dirty="0"/>
+              <a:t>)</a:t>
+            </a:r>
+          </a:p>
+          <a:p>
+            <a:r>
+              <a:rPr lang="en-US" dirty="0"/>
+              <a:t>The </a:t>
             </a:r>
             <a:r>
               <a:rPr lang="en-US" dirty="0" err="1"/>
@@ -18150,14 +19682,72 @@
             </a:r>
             <a:r>
               <a:rPr lang="en-US" dirty="0"/>
-              <a:t> and a digital signature.</a:t>
+              <a:t> service is the key</a:t>
             </a:r>
           </a:p>
           <a:p>
             <a:pPr lvl="1"/>
             <a:r>
               <a:rPr lang="en-US" dirty="0"/>
-              <a:t>“$Box” can verify that the signature has been generated by the “Central User Directory” for “$Trolley1” and that the </a:t>
+              <a:t>This is a “Ubiquitous Endpoint” service</a:t>
+            </a:r>
+          </a:p>
+          <a:p>
+            <a:r>
+              <a:rPr lang="en-US" dirty="0"/>
+              <a:t>This service must be resolved and secured by the Endpoint</a:t>
+            </a:r>
+          </a:p>
+          <a:p>
+            <a:pPr lvl="1"/>
+            <a:r>
+              <a:rPr lang="en-US" dirty="0"/>
+              <a:t>The global “Web” endpoint uses an encrypted token and cookie.</a:t>
+            </a:r>
+          </a:p>
+          <a:p>
+            <a:r>
+              <a:rPr lang="en-US" dirty="0"/>
+              <a:t>“</a:t>
+            </a:r>
+            <a:r>
+              <a:rPr lang="en-US" dirty="0" err="1"/>
+              <a:t>Authentified</a:t>
+            </a:r>
+            <a:r>
+              <a:rPr lang="en-US" dirty="0"/>
+              <a:t> Commands” cannot be fooled</a:t>
+            </a:r>
+          </a:p>
+          <a:p>
+            <a:pPr lvl="1"/>
+            <a:r>
+              <a:rPr lang="en-US" dirty="0"/>
+              <a:t>The </a:t>
+            </a:r>
+            <a:r>
+              <a:rPr lang="en-US" dirty="0" err="1"/>
+              <a:t>ActorId</a:t>
+            </a:r>
+            <a:r>
+              <a:rPr lang="en-US" dirty="0"/>
+              <a:t>, </a:t>
+            </a:r>
+            <a:r>
+              <a:rPr lang="en-US" dirty="0" err="1"/>
+              <a:t>DeviceId</a:t>
+            </a:r>
+            <a:r>
+              <a:rPr lang="en-US" dirty="0"/>
+              <a:t> and </a:t>
+            </a:r>
+            <a:r>
+              <a:rPr lang="en-US" dirty="0" err="1"/>
+              <a:t>ActualActorId</a:t>
+            </a:r>
+            <a:r>
+              <a:rPr lang="en-US" dirty="0"/>
+              <a:t> are checked against the secured </a:t>
             </a:r>
             <a:r>
               <a:rPr lang="en-US" dirty="0" err="1"/>
@@ -18165,7 +19755,7 @@
             </a:r>
             <a:r>
               <a:rPr lang="en-US" dirty="0"/>
-              <a:t> has not been tampered.</a:t>
+              <a:t> service.</a:t>
             </a:r>
           </a:p>
         </p:txBody>
@@ -18173,7 +19763,7 @@
     </p:spTree>
     <p:extLst>
       <p:ext uri="{BB962C8B-B14F-4D97-AF65-F5344CB8AC3E}">
-        <p14:creationId xmlns:p14="http://schemas.microsoft.com/office/powerpoint/2010/main" val="973874681"/>
+        <p14:creationId xmlns:p14="http://schemas.microsoft.com/office/powerpoint/2010/main" val="3523950704"/>
       </p:ext>
     </p:extLst>
   </p:cSld>
@@ -18205,7 +19795,7 @@
           <p:cNvPr id="2" name="Title 1">
             <a:extLst>
               <a:ext uri="{FF2B5EF4-FFF2-40B4-BE49-F238E27FC236}">
-                <a16:creationId xmlns:a16="http://schemas.microsoft.com/office/drawing/2014/main" id="{C22CBFFE-4E3A-2E51-3538-8811F1401233}"/>
+                <a16:creationId xmlns:a16="http://schemas.microsoft.com/office/drawing/2014/main" id="{3C7698CC-396A-8454-36E2-A15EC4E6F4C6}"/>
               </a:ext>
             </a:extLst>
           </p:cNvPr>
@@ -18223,7 +19813,7 @@
           <a:p>
             <a:r>
               <a:rPr lang="en-US" dirty="0"/>
-              <a:t>User and Commands through Parties (2/2)	</a:t>
+              <a:t>User and Commands through Parties (1/2)</a:t>
             </a:r>
           </a:p>
         </p:txBody>
@@ -18233,7 +19823,7 @@
           <p:cNvPr id="3" name="Content Placeholder 2">
             <a:extLst>
               <a:ext uri="{FF2B5EF4-FFF2-40B4-BE49-F238E27FC236}">
-                <a16:creationId xmlns:a16="http://schemas.microsoft.com/office/drawing/2014/main" id="{D2F4F95B-3516-EFB7-2D85-F2244EED81A5}"/>
+                <a16:creationId xmlns:a16="http://schemas.microsoft.com/office/drawing/2014/main" id="{4C31C601-D62B-370A-E39E-2DF1FE415FBB}"/>
               </a:ext>
             </a:extLst>
           </p:cNvPr>
@@ -18244,64 +19834,42 @@
             <p:ph idx="1"/>
           </p:nvPr>
         </p:nvSpPr>
-        <p:spPr>
-          <a:xfrm>
-            <a:off x="838200" y="1825624"/>
-            <a:ext cx="10515600" cy="4667251"/>
-          </a:xfrm>
-        </p:spPr>
+        <p:spPr/>
         <p:txBody>
           <a:bodyPr>
-            <a:normAutofit fontScale="92500" lnSpcReduction="20000"/>
+            <a:normAutofit/>
           </a:bodyPr>
           <a:lstStyle/>
           <a:p>
             <a:r>
               <a:rPr lang="en-US" dirty="0"/>
-              <a:t>When “$Trolley1” sends a Command in the name of Alice to “$Box”…</a:t>
+              <a:t>“$Trolley1” can send an Authenticated Command to “$Box” in the name of (Alice,3712).</a:t>
+            </a:r>
+          </a:p>
+          <a:p>
+            <a:r>
+              <a:rPr lang="en-US" dirty="0"/>
+              <a:t>“$Trolley1” must provide a proof to “$Box” that Alice is the “real” Alice (otherwise the Authenticated Command will be rejected).</a:t>
+            </a:r>
+          </a:p>
+          <a:p>
+            <a:r>
+              <a:rPr lang="en-US" dirty="0"/>
+              <a:t>“$Trolley1” must first obtain this proof by:</a:t>
             </a:r>
           </a:p>
           <a:p>
             <a:pPr lvl="1"/>
             <a:r>
               <a:rPr lang="en-US" dirty="0"/>
-              <a:t>it also sends the proof.</a:t>
-            </a:r>
-          </a:p>
-          <a:p>
-            <a:r>
-              <a:rPr lang="en-US" dirty="0"/>
-              <a:t>“$Box” </a:t>
-            </a:r>
-            <a:r>
-              <a:rPr lang="en-US" dirty="0" err="1"/>
-              <a:t>AppIdentity’s</a:t>
-            </a:r>
-            <a:r>
-              <a:rPr lang="en-US" dirty="0"/>
-              <a:t> endpoint receives the command and the proof.</a:t>
+              <a:t>Let Alice logins herself into a “Central User Directory” shared with “$Box”</a:t>
             </a:r>
           </a:p>
           <a:p>
             <a:pPr lvl="1"/>
             <a:r>
               <a:rPr lang="en-US" dirty="0"/>
-              <a:t>It builds a “</a:t>
-            </a:r>
-            <a:r>
-              <a:rPr lang="en-US" dirty="0" err="1"/>
-              <a:t>ScopedData</a:t>
-            </a:r>
-            <a:r>
-              <a:rPr lang="en-US" dirty="0"/>
-              <a:t>” with the proof and the fact that it is “$Trolley1” that sent the command.</a:t>
-            </a:r>
-          </a:p>
-          <a:p>
-            <a:pPr lvl="1"/>
-            <a:r>
-              <a:rPr lang="en-US" dirty="0"/>
-              <a:t>Its Endpoint is configured to resolve the </a:t>
+              <a:t>The proof must be Alice’s </a:t>
             </a:r>
             <a:r>
               <a:rPr lang="en-US" dirty="0" err="1"/>
@@ -18309,29 +19877,14 @@
             </a:r>
             <a:r>
               <a:rPr lang="en-US" dirty="0"/>
-              <a:t> service by:</a:t>
-            </a:r>
-          </a:p>
-          <a:p>
-            <a:pPr lvl="2"/>
-            <a:r>
-              <a:rPr lang="en-US" dirty="0"/>
-              <a:t>Accessing the </a:t>
-            </a:r>
-            <a:r>
-              <a:rPr lang="en-US" dirty="0" err="1"/>
-              <a:t>ScopedData’s</a:t>
-            </a:r>
-            <a:r>
-              <a:rPr lang="en-US" dirty="0"/>
-              <a:t> proof and sender.</a:t>
-            </a:r>
-          </a:p>
-          <a:p>
-            <a:pPr lvl="2"/>
-            <a:r>
-              <a:rPr lang="en-US" dirty="0"/>
-              <a:t>Verifying the signature and on success, returns the </a:t>
+              <a:t> and a digital signature.</a:t>
+            </a:r>
+          </a:p>
+          <a:p>
+            <a:pPr lvl="1"/>
+            <a:r>
+              <a:rPr lang="en-US" dirty="0"/>
+              <a:t>“$Box” can verify that the signature has been generated by the “Central User Directory” for “$Trolley1” and that the </a:t>
             </a:r>
             <a:r>
               <a:rPr lang="en-US" dirty="0" err="1"/>
@@ -18339,65 +19892,15 @@
             </a:r>
             <a:r>
               <a:rPr lang="en-US" dirty="0"/>
-              <a:t>.</a:t>
-            </a:r>
-          </a:p>
-          <a:p>
-            <a:r>
-              <a:rPr lang="en-US" dirty="0"/>
-              <a:t>“$Box” validates and executes the command</a:t>
-            </a:r>
-          </a:p>
-          <a:p>
-            <a:pPr lvl="1"/>
-            <a:r>
-              <a:rPr lang="en-US" dirty="0"/>
-              <a:t>Commands are executed in the background by runners in a scoped service container parametrized with the </a:t>
-            </a:r>
-            <a:r>
-              <a:rPr lang="en-US" dirty="0" err="1"/>
-              <a:t>ScopedData</a:t>
-            </a:r>
-            <a:r>
-              <a:rPr lang="en-US" dirty="0"/>
-              <a:t>.</a:t>
-            </a:r>
-          </a:p>
-          <a:p>
-            <a:pPr lvl="1"/>
-            <a:r>
-              <a:rPr lang="en-US" dirty="0"/>
-              <a:t>If any service involved in the validation or execution of the command requires the </a:t>
-            </a:r>
-            <a:r>
-              <a:rPr lang="en-US" dirty="0" err="1"/>
-              <a:t>IAuthenticationInfo</a:t>
-            </a:r>
-            <a:r>
-              <a:rPr lang="en-US" dirty="0"/>
-              <a:t>, it is resolved.</a:t>
-            </a:r>
-          </a:p>
-          <a:p>
-            <a:pPr lvl="1"/>
-            <a:r>
-              <a:rPr lang="en-US" dirty="0"/>
-              <a:t>Command execution outcomes (Validation result, events and result) are sent back to “$Trolley1”</a:t>
-            </a:r>
-          </a:p>
-          <a:p>
-            <a:pPr lvl="1"/>
-            <a:endParaRPr lang="en-US" dirty="0"/>
-          </a:p>
-          <a:p>
-            <a:endParaRPr lang="en-US" dirty="0"/>
+              <a:t> has not been tampered.</a:t>
+            </a:r>
           </a:p>
         </p:txBody>
       </p:sp>
     </p:spTree>
     <p:extLst>
       <p:ext uri="{BB962C8B-B14F-4D97-AF65-F5344CB8AC3E}">
-        <p14:creationId xmlns:p14="http://schemas.microsoft.com/office/powerpoint/2010/main" val="2929531232"/>
+        <p14:creationId xmlns:p14="http://schemas.microsoft.com/office/powerpoint/2010/main" val="973874681"/>
       </p:ext>
     </p:extLst>
   </p:cSld>
@@ -18604,6 +20107,230 @@
 </file>
 
 <file path=ppt/slides/slide40.xml><?xml version="1.0" encoding="utf-8"?>
+<p:sld xmlns:a="http://schemas.openxmlformats.org/drawingml/2006/main" xmlns:r="http://schemas.openxmlformats.org/officeDocument/2006/relationships" xmlns:p="http://schemas.openxmlformats.org/presentationml/2006/main">
+  <p:cSld>
+    <p:spTree>
+      <p:nvGrpSpPr>
+        <p:cNvPr id="1" name=""/>
+        <p:cNvGrpSpPr/>
+        <p:nvPr/>
+      </p:nvGrpSpPr>
+      <p:grpSpPr>
+        <a:xfrm>
+          <a:off x="0" y="0"/>
+          <a:ext cx="0" cy="0"/>
+          <a:chOff x="0" y="0"/>
+          <a:chExt cx="0" cy="0"/>
+        </a:xfrm>
+      </p:grpSpPr>
+      <p:sp>
+        <p:nvSpPr>
+          <p:cNvPr id="2" name="Title 1">
+            <a:extLst>
+              <a:ext uri="{FF2B5EF4-FFF2-40B4-BE49-F238E27FC236}">
+                <a16:creationId xmlns:a16="http://schemas.microsoft.com/office/drawing/2014/main" id="{C22CBFFE-4E3A-2E51-3538-8811F1401233}"/>
+              </a:ext>
+            </a:extLst>
+          </p:cNvPr>
+          <p:cNvSpPr>
+            <a:spLocks noGrp="1"/>
+          </p:cNvSpPr>
+          <p:nvPr>
+            <p:ph type="title"/>
+          </p:nvPr>
+        </p:nvSpPr>
+        <p:spPr/>
+        <p:txBody>
+          <a:bodyPr/>
+          <a:lstStyle/>
+          <a:p>
+            <a:r>
+              <a:rPr lang="en-US" dirty="0"/>
+              <a:t>User and Commands through Parties (2/2)	</a:t>
+            </a:r>
+          </a:p>
+        </p:txBody>
+      </p:sp>
+      <p:sp>
+        <p:nvSpPr>
+          <p:cNvPr id="3" name="Content Placeholder 2">
+            <a:extLst>
+              <a:ext uri="{FF2B5EF4-FFF2-40B4-BE49-F238E27FC236}">
+                <a16:creationId xmlns:a16="http://schemas.microsoft.com/office/drawing/2014/main" id="{D2F4F95B-3516-EFB7-2D85-F2244EED81A5}"/>
+              </a:ext>
+            </a:extLst>
+          </p:cNvPr>
+          <p:cNvSpPr>
+            <a:spLocks noGrp="1"/>
+          </p:cNvSpPr>
+          <p:nvPr>
+            <p:ph idx="1"/>
+          </p:nvPr>
+        </p:nvSpPr>
+        <p:spPr>
+          <a:xfrm>
+            <a:off x="838200" y="1825624"/>
+            <a:ext cx="10515600" cy="4667251"/>
+          </a:xfrm>
+        </p:spPr>
+        <p:txBody>
+          <a:bodyPr>
+            <a:normAutofit fontScale="92500" lnSpcReduction="20000"/>
+          </a:bodyPr>
+          <a:lstStyle/>
+          <a:p>
+            <a:r>
+              <a:rPr lang="en-US" dirty="0"/>
+              <a:t>When “$Trolley1” sends a Command in the name of Alice to “$Box”…</a:t>
+            </a:r>
+          </a:p>
+          <a:p>
+            <a:pPr lvl="1"/>
+            <a:r>
+              <a:rPr lang="en-US" dirty="0"/>
+              <a:t>it also sends the proof.</a:t>
+            </a:r>
+          </a:p>
+          <a:p>
+            <a:r>
+              <a:rPr lang="en-US" dirty="0"/>
+              <a:t>“$Box” </a:t>
+            </a:r>
+            <a:r>
+              <a:rPr lang="en-US" dirty="0" err="1"/>
+              <a:t>AppIdentity’s</a:t>
+            </a:r>
+            <a:r>
+              <a:rPr lang="en-US" dirty="0"/>
+              <a:t> endpoint receives the command and the proof.</a:t>
+            </a:r>
+          </a:p>
+          <a:p>
+            <a:pPr lvl="1"/>
+            <a:r>
+              <a:rPr lang="en-US" dirty="0"/>
+              <a:t>It builds a “</a:t>
+            </a:r>
+            <a:r>
+              <a:rPr lang="en-US" dirty="0" err="1"/>
+              <a:t>ScopedData</a:t>
+            </a:r>
+            <a:r>
+              <a:rPr lang="en-US" dirty="0"/>
+              <a:t>” with the proof and the fact that it is “$Trolley1” that sent the command.</a:t>
+            </a:r>
+          </a:p>
+          <a:p>
+            <a:pPr lvl="1"/>
+            <a:r>
+              <a:rPr lang="en-US" dirty="0"/>
+              <a:t>Its Endpoint is configured to resolve the </a:t>
+            </a:r>
+            <a:r>
+              <a:rPr lang="en-US" dirty="0" err="1"/>
+              <a:t>IAuthenticationInfo</a:t>
+            </a:r>
+            <a:r>
+              <a:rPr lang="en-US" dirty="0"/>
+              <a:t> service by:</a:t>
+            </a:r>
+          </a:p>
+          <a:p>
+            <a:pPr lvl="2"/>
+            <a:r>
+              <a:rPr lang="en-US" dirty="0"/>
+              <a:t>Accessing the </a:t>
+            </a:r>
+            <a:r>
+              <a:rPr lang="en-US" dirty="0" err="1"/>
+              <a:t>ScopedData’s</a:t>
+            </a:r>
+            <a:r>
+              <a:rPr lang="en-US" dirty="0"/>
+              <a:t> proof and sender.</a:t>
+            </a:r>
+          </a:p>
+          <a:p>
+            <a:pPr lvl="2"/>
+            <a:r>
+              <a:rPr lang="en-US" dirty="0"/>
+              <a:t>Verifying the signature and on success, returns the </a:t>
+            </a:r>
+            <a:r>
+              <a:rPr lang="en-US" dirty="0" err="1"/>
+              <a:t>IAuthenticationInfo</a:t>
+            </a:r>
+            <a:r>
+              <a:rPr lang="en-US" dirty="0"/>
+              <a:t>.</a:t>
+            </a:r>
+          </a:p>
+          <a:p>
+            <a:r>
+              <a:rPr lang="en-US" dirty="0"/>
+              <a:t>“$Box” validates and executes the command</a:t>
+            </a:r>
+          </a:p>
+          <a:p>
+            <a:pPr lvl="1"/>
+            <a:r>
+              <a:rPr lang="en-US" dirty="0"/>
+              <a:t>Commands are executed in the background by runners in a scoped service container parametrized with the </a:t>
+            </a:r>
+            <a:r>
+              <a:rPr lang="en-US" dirty="0" err="1"/>
+              <a:t>ScopedData</a:t>
+            </a:r>
+            <a:r>
+              <a:rPr lang="en-US" dirty="0"/>
+              <a:t>.</a:t>
+            </a:r>
+          </a:p>
+          <a:p>
+            <a:pPr lvl="1"/>
+            <a:r>
+              <a:rPr lang="en-US" dirty="0"/>
+              <a:t>If any service involved in the validation or execution of the command requires the </a:t>
+            </a:r>
+            <a:r>
+              <a:rPr lang="en-US" dirty="0" err="1"/>
+              <a:t>IAuthenticationInfo</a:t>
+            </a:r>
+            <a:r>
+              <a:rPr lang="en-US" dirty="0"/>
+              <a:t>, it is resolved.</a:t>
+            </a:r>
+          </a:p>
+          <a:p>
+            <a:pPr lvl="1"/>
+            <a:r>
+              <a:rPr lang="en-US" dirty="0"/>
+              <a:t>Command execution outcomes (Validation result, events and result) are sent back to “$Trolley1”</a:t>
+            </a:r>
+          </a:p>
+          <a:p>
+            <a:pPr lvl="1"/>
+            <a:endParaRPr lang="en-US" dirty="0"/>
+          </a:p>
+          <a:p>
+            <a:endParaRPr lang="en-US" dirty="0"/>
+          </a:p>
+        </p:txBody>
+      </p:sp>
+    </p:spTree>
+    <p:extLst>
+      <p:ext uri="{BB962C8B-B14F-4D97-AF65-F5344CB8AC3E}">
+        <p14:creationId xmlns:p14="http://schemas.microsoft.com/office/powerpoint/2010/main" val="2929531232"/>
+      </p:ext>
+    </p:extLst>
+  </p:cSld>
+  <p:clrMapOvr>
+    <a:masterClrMapping/>
+  </p:clrMapOvr>
+</p:sld>
+</file>
+
+<file path=ppt/slides/slide41.xml><?xml version="1.0" encoding="utf-8"?>
 <p:sld xmlns:a="http://schemas.openxmlformats.org/drawingml/2006/main" xmlns:r="http://schemas.openxmlformats.org/officeDocument/2006/relationships" xmlns:p="http://schemas.openxmlformats.org/presentationml/2006/main">
   <p:cSld>
     <p:spTree>
